--- a/แผนภาพต่างๆ/แผนภาพ.pptx
+++ b/แผนภาพต่างๆ/แผนภาพ.pptx
@@ -104,6 +104,11 @@
       </a:defRPr>
     </a:lvl9pPr>
   </p:defaultTextStyle>
+  <p:extLst>
+    <p:ext uri="{EFAFB233-063F-42B5-8137-9DF3F51BA10A}">
+      <p15:sldGuideLst xmlns:p15="http://schemas.microsoft.com/office/powerpoint/2012/main"/>
+    </p:ext>
+  </p:extLst>
 </p:presentation>
 </file>
 

--- a/แผนภาพต่างๆ/แผนภาพ.pptx
+++ b/แผนภาพต่างๆ/แผนภาพ.pptx
@@ -6,6 +6,7 @@
   </p:sldMasterIdLst>
   <p:sldIdLst>
     <p:sldId id="256" r:id="rId2"/>
+    <p:sldId id="257" r:id="rId3"/>
   </p:sldIdLst>
   <p:sldSz cx="12192000" cy="6858000"/>
   <p:notesSz cx="6858000" cy="9144000"/>
@@ -3980,6 +3981,535 @@
 </p:sld>
 </file>
 
+<file path=ppt/slides/slide2.xml><?xml version="1.0" encoding="utf-8"?>
+<p:sld xmlns:a="http://schemas.openxmlformats.org/drawingml/2006/main" xmlns:r="http://schemas.openxmlformats.org/officeDocument/2006/relationships" xmlns:p="http://schemas.openxmlformats.org/presentationml/2006/main">
+  <p:cSld>
+    <p:spTree>
+      <p:nvGrpSpPr>
+        <p:cNvPr id="1" name=""/>
+        <p:cNvGrpSpPr/>
+        <p:nvPr/>
+      </p:nvGrpSpPr>
+      <p:grpSpPr>
+        <a:xfrm>
+          <a:off x="0" y="0"/>
+          <a:ext cx="0" cy="0"/>
+          <a:chOff x="0" y="0"/>
+          <a:chExt cx="0" cy="0"/>
+        </a:xfrm>
+      </p:grpSpPr>
+      <p:grpSp>
+        <p:nvGrpSpPr>
+          <p:cNvPr id="11" name="Group 10">
+            <a:extLst>
+              <a:ext uri="{FF2B5EF4-FFF2-40B4-BE49-F238E27FC236}">
+                <a16:creationId xmlns:a16="http://schemas.microsoft.com/office/drawing/2014/main" id="{411784A9-68D7-48DF-805A-5B5381B472E2}"/>
+              </a:ext>
+            </a:extLst>
+          </p:cNvPr>
+          <p:cNvGrpSpPr/>
+          <p:nvPr/>
+        </p:nvGrpSpPr>
+        <p:grpSpPr>
+          <a:xfrm>
+            <a:off x="1319645" y="2867890"/>
+            <a:ext cx="1984663" cy="1429205"/>
+            <a:chOff x="1652155" y="3090840"/>
+            <a:chExt cx="1984663" cy="1429205"/>
+          </a:xfrm>
+        </p:grpSpPr>
+        <p:grpSp>
+          <p:nvGrpSpPr>
+            <p:cNvPr id="9" name="Group 8">
+              <a:extLst>
+                <a:ext uri="{FF2B5EF4-FFF2-40B4-BE49-F238E27FC236}">
+                  <a16:creationId xmlns:a16="http://schemas.microsoft.com/office/drawing/2014/main" id="{78F86AE1-2C79-4056-AA19-7127CD2A33EB}"/>
+                </a:ext>
+              </a:extLst>
+            </p:cNvPr>
+            <p:cNvGrpSpPr/>
+            <p:nvPr/>
+          </p:nvGrpSpPr>
+          <p:grpSpPr>
+            <a:xfrm>
+              <a:off x="1652155" y="3090840"/>
+              <a:ext cx="1984663" cy="1429205"/>
+              <a:chOff x="1652155" y="3090840"/>
+              <a:chExt cx="1984663" cy="1429205"/>
+            </a:xfrm>
+          </p:grpSpPr>
+          <p:sp>
+            <p:nvSpPr>
+              <p:cNvPr id="4" name="Rectangle: Rounded Corners 3">
+                <a:extLst>
+                  <a:ext uri="{FF2B5EF4-FFF2-40B4-BE49-F238E27FC236}">
+                    <a16:creationId xmlns:a16="http://schemas.microsoft.com/office/drawing/2014/main" id="{3B9B227C-03B7-445A-B095-214DBCFB0058}"/>
+                  </a:ext>
+                </a:extLst>
+              </p:cNvPr>
+              <p:cNvSpPr/>
+              <p:nvPr/>
+            </p:nvSpPr>
+            <p:spPr>
+              <a:xfrm>
+                <a:off x="1652155" y="3106882"/>
+                <a:ext cx="1984663" cy="1413163"/>
+              </a:xfrm>
+              <a:prstGeom prst="roundRect">
+                <a:avLst/>
+              </a:prstGeom>
+            </p:spPr>
+            <p:style>
+              <a:lnRef idx="2">
+                <a:schemeClr val="dk1"/>
+              </a:lnRef>
+              <a:fillRef idx="1">
+                <a:schemeClr val="lt1"/>
+              </a:fillRef>
+              <a:effectRef idx="0">
+                <a:schemeClr val="dk1"/>
+              </a:effectRef>
+              <a:fontRef idx="minor">
+                <a:schemeClr val="dk1"/>
+              </a:fontRef>
+            </p:style>
+            <p:txBody>
+              <a:bodyPr rtlCol="0" anchor="ctr"/>
+              <a:lstStyle/>
+              <a:p>
+                <a:pPr algn="ctr"/>
+                <a:endParaRPr lang="th-TH" dirty="0"/>
+              </a:p>
+            </p:txBody>
+          </p:sp>
+          <p:cxnSp>
+            <p:nvCxnSpPr>
+              <p:cNvPr id="6" name="Straight Connector 5">
+                <a:extLst>
+                  <a:ext uri="{FF2B5EF4-FFF2-40B4-BE49-F238E27FC236}">
+                    <a16:creationId xmlns:a16="http://schemas.microsoft.com/office/drawing/2014/main" id="{36998C16-AC35-4D9A-9E28-A6087CA490EF}"/>
+                  </a:ext>
+                </a:extLst>
+              </p:cNvPr>
+              <p:cNvCxnSpPr/>
+              <p:nvPr/>
+            </p:nvCxnSpPr>
+            <p:spPr>
+              <a:xfrm>
+                <a:off x="1652155" y="3397828"/>
+                <a:ext cx="1984663" cy="0"/>
+              </a:xfrm>
+              <a:prstGeom prst="line">
+                <a:avLst/>
+              </a:prstGeom>
+            </p:spPr>
+            <p:style>
+              <a:lnRef idx="1">
+                <a:schemeClr val="dk1"/>
+              </a:lnRef>
+              <a:fillRef idx="0">
+                <a:schemeClr val="dk1"/>
+              </a:fillRef>
+              <a:effectRef idx="0">
+                <a:schemeClr val="dk1"/>
+              </a:effectRef>
+              <a:fontRef idx="minor">
+                <a:schemeClr val="tx1"/>
+              </a:fontRef>
+            </p:style>
+          </p:cxnSp>
+          <p:sp>
+            <p:nvSpPr>
+              <p:cNvPr id="8" name="TextBox 7">
+                <a:extLst>
+                  <a:ext uri="{FF2B5EF4-FFF2-40B4-BE49-F238E27FC236}">
+                    <a16:creationId xmlns:a16="http://schemas.microsoft.com/office/drawing/2014/main" id="{5553E02B-1991-47DD-ACDD-7C8A102767A9}"/>
+                  </a:ext>
+                </a:extLst>
+              </p:cNvPr>
+              <p:cNvSpPr txBox="1"/>
+              <p:nvPr/>
+            </p:nvSpPr>
+            <p:spPr>
+              <a:xfrm>
+                <a:off x="2510475" y="3090840"/>
+                <a:ext cx="268022" cy="369332"/>
+              </a:xfrm>
+              <a:prstGeom prst="rect">
+                <a:avLst/>
+              </a:prstGeom>
+              <a:noFill/>
+            </p:spPr>
+            <p:txBody>
+              <a:bodyPr wrap="none" rtlCol="0">
+                <a:spAutoFit/>
+              </a:bodyPr>
+              <a:lstStyle/>
+              <a:p>
+                <a:r>
+                  <a:rPr lang="th-TH" sz="1800" dirty="0">
+                    <a:latin typeface="TH Sarabun New" panose="020B0500040200020003" pitchFamily="34" charset="-34"/>
+                    <a:cs typeface="TH Sarabun New" panose="020B0500040200020003" pitchFamily="34" charset="-34"/>
+                  </a:rPr>
+                  <a:t>0</a:t>
+                </a:r>
+              </a:p>
+            </p:txBody>
+          </p:sp>
+        </p:grpSp>
+        <p:sp>
+          <p:nvSpPr>
+            <p:cNvPr id="10" name="TextBox 9">
+              <a:extLst>
+                <a:ext uri="{FF2B5EF4-FFF2-40B4-BE49-F238E27FC236}">
+                  <a16:creationId xmlns:a16="http://schemas.microsoft.com/office/drawing/2014/main" id="{22762D30-99E5-47E4-AA5C-20F51A50AA4A}"/>
+                </a:ext>
+              </a:extLst>
+            </p:cNvPr>
+            <p:cNvSpPr txBox="1"/>
+            <p:nvPr/>
+          </p:nvSpPr>
+          <p:spPr>
+            <a:xfrm>
+              <a:off x="1735691" y="3635771"/>
+              <a:ext cx="1859563" cy="646331"/>
+            </a:xfrm>
+            <a:prstGeom prst="rect">
+              <a:avLst/>
+            </a:prstGeom>
+            <a:noFill/>
+          </p:spPr>
+          <p:txBody>
+            <a:bodyPr wrap="square" rtlCol="0">
+              <a:spAutoFit/>
+            </a:bodyPr>
+            <a:lstStyle/>
+            <a:p>
+              <a:pPr algn="ctr"/>
+              <a:r>
+                <a:rPr lang="th-TH" sz="1800" dirty="0">
+                  <a:latin typeface="TH Sarabun New" panose="020B0500040200020003" pitchFamily="34" charset="-34"/>
+                  <a:cs typeface="TH Sarabun New" panose="020B0500040200020003" pitchFamily="34" charset="-34"/>
+                </a:rPr>
+                <a:t>ระบบการให้บริการด้านยานพาหนะแบบครบวงจร</a:t>
+              </a:r>
+            </a:p>
+          </p:txBody>
+        </p:sp>
+      </p:grpSp>
+      <p:sp>
+        <p:nvSpPr>
+          <p:cNvPr id="12" name="Rectangle 11">
+            <a:extLst>
+              <a:ext uri="{FF2B5EF4-FFF2-40B4-BE49-F238E27FC236}">
+                <a16:creationId xmlns:a16="http://schemas.microsoft.com/office/drawing/2014/main" id="{0CE38A1A-7E84-488C-8BE1-5E27804A9F72}"/>
+              </a:ext>
+            </a:extLst>
+          </p:cNvPr>
+          <p:cNvSpPr/>
+          <p:nvPr/>
+        </p:nvSpPr>
+        <p:spPr>
+          <a:xfrm>
+            <a:off x="8198428" y="3311144"/>
+            <a:ext cx="1288472" cy="542698"/>
+          </a:xfrm>
+          <a:prstGeom prst="rect">
+            <a:avLst/>
+          </a:prstGeom>
+        </p:spPr>
+        <p:style>
+          <a:lnRef idx="2">
+            <a:schemeClr val="dk1"/>
+          </a:lnRef>
+          <a:fillRef idx="1">
+            <a:schemeClr val="lt1"/>
+          </a:fillRef>
+          <a:effectRef idx="0">
+            <a:schemeClr val="dk1"/>
+          </a:effectRef>
+          <a:fontRef idx="minor">
+            <a:schemeClr val="dk1"/>
+          </a:fontRef>
+        </p:style>
+        <p:txBody>
+          <a:bodyPr rtlCol="0" anchor="ctr"/>
+          <a:lstStyle/>
+          <a:p>
+            <a:pPr algn="ctr"/>
+            <a:r>
+              <a:rPr lang="th-TH" sz="2000" dirty="0">
+                <a:latin typeface="TH Sarabun New" panose="020B0500040200020003" pitchFamily="34" charset="-34"/>
+                <a:cs typeface="TH Sarabun New" panose="020B0500040200020003" pitchFamily="34" charset="-34"/>
+              </a:rPr>
+              <a:t>ผู้ใช้งาน</a:t>
+            </a:r>
+          </a:p>
+        </p:txBody>
+      </p:sp>
+      <p:cxnSp>
+        <p:nvCxnSpPr>
+          <p:cNvPr id="14" name="Connector: Elbow 13">
+            <a:extLst>
+              <a:ext uri="{FF2B5EF4-FFF2-40B4-BE49-F238E27FC236}">
+                <a16:creationId xmlns:a16="http://schemas.microsoft.com/office/drawing/2014/main" id="{AE28672E-50F3-455B-B241-06ADD366A2ED}"/>
+              </a:ext>
+            </a:extLst>
+          </p:cNvPr>
+          <p:cNvCxnSpPr>
+            <a:stCxn id="8" idx="0"/>
+            <a:endCxn id="12" idx="0"/>
+          </p:cNvCxnSpPr>
+          <p:nvPr/>
+        </p:nvCxnSpPr>
+        <p:spPr>
+          <a:xfrm rot="16200000" flipH="1">
+            <a:off x="5355693" y="-175827"/>
+            <a:ext cx="443254" cy="6530688"/>
+          </a:xfrm>
+          <a:prstGeom prst="bentConnector3">
+            <a:avLst>
+              <a:gd name="adj1" fmla="val -328192"/>
+            </a:avLst>
+          </a:prstGeom>
+          <a:ln>
+            <a:tailEnd type="triangle"/>
+          </a:ln>
+        </p:spPr>
+        <p:style>
+          <a:lnRef idx="1">
+            <a:schemeClr val="dk1"/>
+          </a:lnRef>
+          <a:fillRef idx="0">
+            <a:schemeClr val="dk1"/>
+          </a:fillRef>
+          <a:effectRef idx="0">
+            <a:schemeClr val="dk1"/>
+          </a:effectRef>
+          <a:fontRef idx="minor">
+            <a:schemeClr val="tx1"/>
+          </a:fontRef>
+        </p:style>
+      </p:cxnSp>
+      <p:cxnSp>
+        <p:nvCxnSpPr>
+          <p:cNvPr id="17" name="Connector: Elbow 16">
+            <a:extLst>
+              <a:ext uri="{FF2B5EF4-FFF2-40B4-BE49-F238E27FC236}">
+                <a16:creationId xmlns:a16="http://schemas.microsoft.com/office/drawing/2014/main" id="{7A4607D5-F801-4172-935A-4599F9840FF8}"/>
+              </a:ext>
+            </a:extLst>
+          </p:cNvPr>
+          <p:cNvCxnSpPr>
+            <a:stCxn id="12" idx="2"/>
+            <a:endCxn id="4" idx="2"/>
+          </p:cNvCxnSpPr>
+          <p:nvPr/>
+        </p:nvCxnSpPr>
+        <p:spPr>
+          <a:xfrm rot="5400000">
+            <a:off x="5355695" y="810125"/>
+            <a:ext cx="443253" cy="6530687"/>
+          </a:xfrm>
+          <a:prstGeom prst="bentConnector3">
+            <a:avLst>
+              <a:gd name="adj1" fmla="val 355522"/>
+            </a:avLst>
+          </a:prstGeom>
+          <a:ln>
+            <a:tailEnd type="triangle"/>
+          </a:ln>
+        </p:spPr>
+        <p:style>
+          <a:lnRef idx="1">
+            <a:schemeClr val="dk1"/>
+          </a:lnRef>
+          <a:fillRef idx="0">
+            <a:schemeClr val="dk1"/>
+          </a:fillRef>
+          <a:effectRef idx="0">
+            <a:schemeClr val="dk1"/>
+          </a:effectRef>
+          <a:fontRef idx="minor">
+            <a:schemeClr val="tx1"/>
+          </a:fontRef>
+        </p:style>
+      </p:cxnSp>
+      <p:sp>
+        <p:nvSpPr>
+          <p:cNvPr id="19" name="TextBox 18">
+            <a:extLst>
+              <a:ext uri="{FF2B5EF4-FFF2-40B4-BE49-F238E27FC236}">
+                <a16:creationId xmlns:a16="http://schemas.microsoft.com/office/drawing/2014/main" id="{D73A3943-177D-4827-91DE-C7B540A6A3CF}"/>
+              </a:ext>
+            </a:extLst>
+          </p:cNvPr>
+          <p:cNvSpPr txBox="1"/>
+          <p:nvPr/>
+        </p:nvSpPr>
+        <p:spPr>
+          <a:xfrm>
+            <a:off x="7246153" y="4199507"/>
+            <a:ext cx="1451038" cy="1077218"/>
+          </a:xfrm>
+          <a:prstGeom prst="rect">
+            <a:avLst/>
+          </a:prstGeom>
+          <a:noFill/>
+        </p:spPr>
+        <p:txBody>
+          <a:bodyPr wrap="none" rtlCol="0">
+            <a:spAutoFit/>
+          </a:bodyPr>
+          <a:lstStyle/>
+          <a:p>
+            <a:pPr marL="285750" indent="-285750">
+              <a:buFontTx/>
+              <a:buChar char="-"/>
+            </a:pPr>
+            <a:r>
+              <a:rPr lang="th-TH" sz="1600" dirty="0">
+                <a:latin typeface="TH Sarabun New" panose="020B0500040200020003" pitchFamily="34" charset="-34"/>
+                <a:cs typeface="TH Sarabun New" panose="020B0500040200020003" pitchFamily="34" charset="-34"/>
+              </a:rPr>
+              <a:t>ข้อมูลผู้ใช้งาน</a:t>
+            </a:r>
+          </a:p>
+          <a:p>
+            <a:pPr marL="285750" indent="-285750">
+              <a:buFontTx/>
+              <a:buChar char="-"/>
+            </a:pPr>
+            <a:r>
+              <a:rPr lang="th-TH" sz="1600" dirty="0">
+                <a:latin typeface="TH Sarabun New" panose="020B0500040200020003" pitchFamily="34" charset="-34"/>
+                <a:cs typeface="TH Sarabun New" panose="020B0500040200020003" pitchFamily="34" charset="-34"/>
+              </a:rPr>
+              <a:t>ข้อมูลรถ</a:t>
+            </a:r>
+          </a:p>
+          <a:p>
+            <a:pPr marL="285750" indent="-285750">
+              <a:buFontTx/>
+              <a:buChar char="-"/>
+            </a:pPr>
+            <a:r>
+              <a:rPr lang="th-TH" sz="1600" dirty="0">
+                <a:latin typeface="TH Sarabun New" panose="020B0500040200020003" pitchFamily="34" charset="-34"/>
+                <a:cs typeface="TH Sarabun New" panose="020B0500040200020003" pitchFamily="34" charset="-34"/>
+              </a:rPr>
+              <a:t>ข้อมูลการขายรถ</a:t>
+            </a:r>
+          </a:p>
+          <a:p>
+            <a:pPr marL="285750" indent="-285750">
+              <a:buFontTx/>
+              <a:buChar char="-"/>
+            </a:pPr>
+            <a:r>
+              <a:rPr lang="th-TH" sz="1600" dirty="0">
+                <a:latin typeface="TH Sarabun New" panose="020B0500040200020003" pitchFamily="34" charset="-34"/>
+                <a:cs typeface="TH Sarabun New" panose="020B0500040200020003" pitchFamily="34" charset="-34"/>
+              </a:rPr>
+              <a:t>ข้อมูลรถที่อยากได้</a:t>
+            </a:r>
+          </a:p>
+        </p:txBody>
+      </p:sp>
+      <p:sp>
+        <p:nvSpPr>
+          <p:cNvPr id="22" name="TextBox 21">
+            <a:extLst>
+              <a:ext uri="{FF2B5EF4-FFF2-40B4-BE49-F238E27FC236}">
+                <a16:creationId xmlns:a16="http://schemas.microsoft.com/office/drawing/2014/main" id="{8882EEF2-74F6-4C2B-B813-9E6316237C68}"/>
+              </a:ext>
+            </a:extLst>
+          </p:cNvPr>
+          <p:cNvSpPr txBox="1"/>
+          <p:nvPr/>
+        </p:nvSpPr>
+        <p:spPr>
+          <a:xfrm>
+            <a:off x="2526835" y="1653220"/>
+            <a:ext cx="2089033" cy="1077218"/>
+          </a:xfrm>
+          <a:prstGeom prst="rect">
+            <a:avLst/>
+          </a:prstGeom>
+          <a:noFill/>
+        </p:spPr>
+        <p:txBody>
+          <a:bodyPr wrap="none" rtlCol="0">
+            <a:spAutoFit/>
+          </a:bodyPr>
+          <a:lstStyle/>
+          <a:p>
+            <a:pPr marL="285750" indent="-285750">
+              <a:buFontTx/>
+              <a:buChar char="-"/>
+            </a:pPr>
+            <a:r>
+              <a:rPr lang="th-TH" sz="1600" dirty="0">
+                <a:latin typeface="TH Sarabun New" panose="020B0500040200020003" pitchFamily="34" charset="-34"/>
+                <a:cs typeface="TH Sarabun New" panose="020B0500040200020003" pitchFamily="34" charset="-34"/>
+              </a:rPr>
+              <a:t>รายละเอียดข้อมูลผู้ใช้งาน</a:t>
+            </a:r>
+          </a:p>
+          <a:p>
+            <a:pPr marL="285750" indent="-285750">
+              <a:buFontTx/>
+              <a:buChar char="-"/>
+            </a:pPr>
+            <a:r>
+              <a:rPr lang="th-TH" sz="1600" dirty="0">
+                <a:latin typeface="TH Sarabun New" panose="020B0500040200020003" pitchFamily="34" charset="-34"/>
+                <a:cs typeface="TH Sarabun New" panose="020B0500040200020003" pitchFamily="34" charset="-34"/>
+              </a:rPr>
+              <a:t>รายละเอียดข้อมูลรถ</a:t>
+            </a:r>
+          </a:p>
+          <a:p>
+            <a:pPr marL="285750" indent="-285750">
+              <a:buFontTx/>
+              <a:buChar char="-"/>
+            </a:pPr>
+            <a:r>
+              <a:rPr lang="th-TH" sz="1600" dirty="0">
+                <a:latin typeface="TH Sarabun New" panose="020B0500040200020003" pitchFamily="34" charset="-34"/>
+                <a:cs typeface="TH Sarabun New" panose="020B0500040200020003" pitchFamily="34" charset="-34"/>
+              </a:rPr>
+              <a:t>รายละเอียดข้อมูลการขายรถ</a:t>
+            </a:r>
+          </a:p>
+          <a:p>
+            <a:pPr marL="285750" indent="-285750">
+              <a:buFontTx/>
+              <a:buChar char="-"/>
+            </a:pPr>
+            <a:r>
+              <a:rPr lang="th-TH" sz="1600" dirty="0">
+                <a:latin typeface="TH Sarabun New" panose="020B0500040200020003" pitchFamily="34" charset="-34"/>
+                <a:cs typeface="TH Sarabun New" panose="020B0500040200020003" pitchFamily="34" charset="-34"/>
+              </a:rPr>
+              <a:t>รายละเอียดข้อมูลรถที่อยากได้</a:t>
+            </a:r>
+          </a:p>
+        </p:txBody>
+      </p:sp>
+    </p:spTree>
+    <p:extLst>
+      <p:ext uri="{BB962C8B-B14F-4D97-AF65-F5344CB8AC3E}">
+        <p14:creationId xmlns:p14="http://schemas.microsoft.com/office/powerpoint/2010/main" val="3349723703"/>
+      </p:ext>
+    </p:extLst>
+  </p:cSld>
+  <p:clrMapOvr>
+    <a:masterClrMapping/>
+  </p:clrMapOvr>
+</p:sld>
+</file>
+
 <file path=ppt/theme/theme1.xml><?xml version="1.0" encoding="utf-8"?>
 <a:theme xmlns:a="http://schemas.openxmlformats.org/drawingml/2006/main" name="ธีมของ Office">
   <a:themeElements>

--- a/แผนภาพต่างๆ/แผนภาพ.pptx
+++ b/แผนภาพต่างๆ/แผนภาพ.pptx
@@ -7,6 +7,7 @@
   <p:sldIdLst>
     <p:sldId id="256" r:id="rId2"/>
     <p:sldId id="257" r:id="rId3"/>
+    <p:sldId id="258" r:id="rId4"/>
   </p:sldIdLst>
   <p:sldSz cx="12192000" cy="6858000"/>
   <p:notesSz cx="6858000" cy="9144000"/>
@@ -260,7 +261,7 @@
           <a:p>
             <a:fld id="{164C03AD-6088-48D0-B3A6-98F41D65883F}" type="datetimeFigureOut">
               <a:rPr lang="th-TH" smtClean="0"/>
-              <a:t>19/04/64</a:t>
+              <a:t>23/04/64</a:t>
             </a:fld>
             <a:endParaRPr lang="th-TH"/>
           </a:p>
@@ -458,7 +459,7 @@
           <a:p>
             <a:fld id="{164C03AD-6088-48D0-B3A6-98F41D65883F}" type="datetimeFigureOut">
               <a:rPr lang="th-TH" smtClean="0"/>
-              <a:t>19/04/64</a:t>
+              <a:t>23/04/64</a:t>
             </a:fld>
             <a:endParaRPr lang="th-TH"/>
           </a:p>
@@ -666,7 +667,7 @@
           <a:p>
             <a:fld id="{164C03AD-6088-48D0-B3A6-98F41D65883F}" type="datetimeFigureOut">
               <a:rPr lang="th-TH" smtClean="0"/>
-              <a:t>19/04/64</a:t>
+              <a:t>23/04/64</a:t>
             </a:fld>
             <a:endParaRPr lang="th-TH"/>
           </a:p>
@@ -864,7 +865,7 @@
           <a:p>
             <a:fld id="{164C03AD-6088-48D0-B3A6-98F41D65883F}" type="datetimeFigureOut">
               <a:rPr lang="th-TH" smtClean="0"/>
-              <a:t>19/04/64</a:t>
+              <a:t>23/04/64</a:t>
             </a:fld>
             <a:endParaRPr lang="th-TH"/>
           </a:p>
@@ -1139,7 +1140,7 @@
           <a:p>
             <a:fld id="{164C03AD-6088-48D0-B3A6-98F41D65883F}" type="datetimeFigureOut">
               <a:rPr lang="th-TH" smtClean="0"/>
-              <a:t>19/04/64</a:t>
+              <a:t>23/04/64</a:t>
             </a:fld>
             <a:endParaRPr lang="th-TH"/>
           </a:p>
@@ -1404,7 +1405,7 @@
           <a:p>
             <a:fld id="{164C03AD-6088-48D0-B3A6-98F41D65883F}" type="datetimeFigureOut">
               <a:rPr lang="th-TH" smtClean="0"/>
-              <a:t>19/04/64</a:t>
+              <a:t>23/04/64</a:t>
             </a:fld>
             <a:endParaRPr lang="th-TH"/>
           </a:p>
@@ -1816,7 +1817,7 @@
           <a:p>
             <a:fld id="{164C03AD-6088-48D0-B3A6-98F41D65883F}" type="datetimeFigureOut">
               <a:rPr lang="th-TH" smtClean="0"/>
-              <a:t>19/04/64</a:t>
+              <a:t>23/04/64</a:t>
             </a:fld>
             <a:endParaRPr lang="th-TH"/>
           </a:p>
@@ -1957,7 +1958,7 @@
           <a:p>
             <a:fld id="{164C03AD-6088-48D0-B3A6-98F41D65883F}" type="datetimeFigureOut">
               <a:rPr lang="th-TH" smtClean="0"/>
-              <a:t>19/04/64</a:t>
+              <a:t>23/04/64</a:t>
             </a:fld>
             <a:endParaRPr lang="th-TH"/>
           </a:p>
@@ -2070,7 +2071,7 @@
           <a:p>
             <a:fld id="{164C03AD-6088-48D0-B3A6-98F41D65883F}" type="datetimeFigureOut">
               <a:rPr lang="th-TH" smtClean="0"/>
-              <a:t>19/04/64</a:t>
+              <a:t>23/04/64</a:t>
             </a:fld>
             <a:endParaRPr lang="th-TH"/>
           </a:p>
@@ -2381,7 +2382,7 @@
           <a:p>
             <a:fld id="{164C03AD-6088-48D0-B3A6-98F41D65883F}" type="datetimeFigureOut">
               <a:rPr lang="th-TH" smtClean="0"/>
-              <a:t>19/04/64</a:t>
+              <a:t>23/04/64</a:t>
             </a:fld>
             <a:endParaRPr lang="th-TH"/>
           </a:p>
@@ -2669,7 +2670,7 @@
           <a:p>
             <a:fld id="{164C03AD-6088-48D0-B3A6-98F41D65883F}" type="datetimeFigureOut">
               <a:rPr lang="th-TH" smtClean="0"/>
-              <a:t>19/04/64</a:t>
+              <a:t>23/04/64</a:t>
             </a:fld>
             <a:endParaRPr lang="th-TH"/>
           </a:p>
@@ -2910,7 +2911,7 @@
           <a:p>
             <a:fld id="{164C03AD-6088-48D0-B3A6-98F41D65883F}" type="datetimeFigureOut">
               <a:rPr lang="th-TH" smtClean="0"/>
-              <a:t>19/04/64</a:t>
+              <a:t>23/04/64</a:t>
             </a:fld>
             <a:endParaRPr lang="th-TH"/>
           </a:p>
@@ -4510,6 +4511,3023 @@
 </p:sld>
 </file>
 
+<file path=ppt/slides/slide3.xml><?xml version="1.0" encoding="utf-8"?>
+<p:sld xmlns:a="http://schemas.openxmlformats.org/drawingml/2006/main" xmlns:r="http://schemas.openxmlformats.org/officeDocument/2006/relationships" xmlns:p="http://schemas.openxmlformats.org/presentationml/2006/main">
+  <p:cSld>
+    <p:spTree>
+      <p:nvGrpSpPr>
+        <p:cNvPr id="1" name=""/>
+        <p:cNvGrpSpPr/>
+        <p:nvPr/>
+      </p:nvGrpSpPr>
+      <p:grpSpPr>
+        <a:xfrm>
+          <a:off x="0" y="0"/>
+          <a:ext cx="0" cy="0"/>
+          <a:chOff x="0" y="0"/>
+          <a:chExt cx="0" cy="0"/>
+        </a:xfrm>
+      </p:grpSpPr>
+      <p:grpSp>
+        <p:nvGrpSpPr>
+          <p:cNvPr id="66" name="Group 65">
+            <a:extLst>
+              <a:ext uri="{FF2B5EF4-FFF2-40B4-BE49-F238E27FC236}">
+                <a16:creationId xmlns:a16="http://schemas.microsoft.com/office/drawing/2014/main" id="{F9864070-D487-4A2E-B477-989DB79F1F03}"/>
+              </a:ext>
+            </a:extLst>
+          </p:cNvPr>
+          <p:cNvGrpSpPr/>
+          <p:nvPr/>
+        </p:nvGrpSpPr>
+        <p:grpSpPr>
+          <a:xfrm>
+            <a:off x="10599938" y="1029195"/>
+            <a:ext cx="994299" cy="4732413"/>
+            <a:chOff x="10599938" y="1029195"/>
+            <a:chExt cx="994299" cy="4732413"/>
+          </a:xfrm>
+        </p:grpSpPr>
+        <p:cxnSp>
+          <p:nvCxnSpPr>
+            <p:cNvPr id="60" name="Straight Connector 59">
+              <a:extLst>
+                <a:ext uri="{FF2B5EF4-FFF2-40B4-BE49-F238E27FC236}">
+                  <a16:creationId xmlns:a16="http://schemas.microsoft.com/office/drawing/2014/main" id="{8CE5486E-DDA4-40CA-A013-9673CEE3A432}"/>
+                </a:ext>
+              </a:extLst>
+            </p:cNvPr>
+            <p:cNvCxnSpPr/>
+            <p:nvPr/>
+          </p:nvCxnSpPr>
+          <p:spPr>
+            <a:xfrm>
+              <a:off x="10599938" y="1029195"/>
+              <a:ext cx="985421" cy="0"/>
+            </a:xfrm>
+            <a:prstGeom prst="line">
+              <a:avLst/>
+            </a:prstGeom>
+          </p:spPr>
+          <p:style>
+            <a:lnRef idx="1">
+              <a:schemeClr val="accent1"/>
+            </a:lnRef>
+            <a:fillRef idx="0">
+              <a:schemeClr val="accent1"/>
+            </a:fillRef>
+            <a:effectRef idx="0">
+              <a:schemeClr val="accent1"/>
+            </a:effectRef>
+            <a:fontRef idx="minor">
+              <a:schemeClr val="tx1"/>
+            </a:fontRef>
+          </p:style>
+        </p:cxnSp>
+        <p:cxnSp>
+          <p:nvCxnSpPr>
+            <p:cNvPr id="62" name="Straight Connector 61">
+              <a:extLst>
+                <a:ext uri="{FF2B5EF4-FFF2-40B4-BE49-F238E27FC236}">
+                  <a16:creationId xmlns:a16="http://schemas.microsoft.com/office/drawing/2014/main" id="{D9EB92CB-5457-4C29-A1BA-39D20923A3E2}"/>
+                </a:ext>
+              </a:extLst>
+            </p:cNvPr>
+            <p:cNvCxnSpPr>
+              <a:cxnSpLocks/>
+            </p:cNvCxnSpPr>
+            <p:nvPr/>
+          </p:nvCxnSpPr>
+          <p:spPr>
+            <a:xfrm>
+              <a:off x="11594237" y="1029195"/>
+              <a:ext cx="0" cy="4732413"/>
+            </a:xfrm>
+            <a:prstGeom prst="line">
+              <a:avLst/>
+            </a:prstGeom>
+          </p:spPr>
+          <p:style>
+            <a:lnRef idx="1">
+              <a:schemeClr val="accent1"/>
+            </a:lnRef>
+            <a:fillRef idx="0">
+              <a:schemeClr val="accent1"/>
+            </a:fillRef>
+            <a:effectRef idx="0">
+              <a:schemeClr val="accent1"/>
+            </a:effectRef>
+            <a:fontRef idx="minor">
+              <a:schemeClr val="tx1"/>
+            </a:fontRef>
+          </p:style>
+        </p:cxnSp>
+        <p:cxnSp>
+          <p:nvCxnSpPr>
+            <p:cNvPr id="64" name="Straight Connector 63">
+              <a:extLst>
+                <a:ext uri="{FF2B5EF4-FFF2-40B4-BE49-F238E27FC236}">
+                  <a16:creationId xmlns:a16="http://schemas.microsoft.com/office/drawing/2014/main" id="{E08B7B49-D68A-408D-9C0A-D06B6F874593}"/>
+                </a:ext>
+              </a:extLst>
+            </p:cNvPr>
+            <p:cNvCxnSpPr/>
+            <p:nvPr/>
+          </p:nvCxnSpPr>
+          <p:spPr>
+            <a:xfrm flipH="1">
+              <a:off x="11092648" y="5761608"/>
+              <a:ext cx="492711" cy="0"/>
+            </a:xfrm>
+            <a:prstGeom prst="line">
+              <a:avLst/>
+            </a:prstGeom>
+          </p:spPr>
+          <p:style>
+            <a:lnRef idx="1">
+              <a:schemeClr val="accent1"/>
+            </a:lnRef>
+            <a:fillRef idx="0">
+              <a:schemeClr val="accent1"/>
+            </a:fillRef>
+            <a:effectRef idx="0">
+              <a:schemeClr val="accent1"/>
+            </a:effectRef>
+            <a:fontRef idx="minor">
+              <a:schemeClr val="tx1"/>
+            </a:fontRef>
+          </p:style>
+        </p:cxnSp>
+      </p:grpSp>
+      <p:cxnSp>
+        <p:nvCxnSpPr>
+          <p:cNvPr id="54" name="Connector: Elbow 53">
+            <a:extLst>
+              <a:ext uri="{FF2B5EF4-FFF2-40B4-BE49-F238E27FC236}">
+                <a16:creationId xmlns:a16="http://schemas.microsoft.com/office/drawing/2014/main" id="{82501954-2D81-42E4-97D8-4C70A2100887}"/>
+              </a:ext>
+            </a:extLst>
+          </p:cNvPr>
+          <p:cNvCxnSpPr/>
+          <p:nvPr/>
+        </p:nvCxnSpPr>
+        <p:spPr>
+          <a:xfrm rot="10800000">
+            <a:off x="7153922" y="3968318"/>
+            <a:ext cx="1426406" cy="1358284"/>
+          </a:xfrm>
+          <a:prstGeom prst="bentConnector3">
+            <a:avLst/>
+          </a:prstGeom>
+        </p:spPr>
+        <p:style>
+          <a:lnRef idx="1">
+            <a:schemeClr val="accent1"/>
+          </a:lnRef>
+          <a:fillRef idx="0">
+            <a:schemeClr val="accent1"/>
+          </a:fillRef>
+          <a:effectRef idx="0">
+            <a:schemeClr val="accent1"/>
+          </a:effectRef>
+          <a:fontRef idx="minor">
+            <a:schemeClr val="tx1"/>
+          </a:fontRef>
+        </p:style>
+      </p:cxnSp>
+      <p:grpSp>
+        <p:nvGrpSpPr>
+          <p:cNvPr id="47" name="Group 46">
+            <a:extLst>
+              <a:ext uri="{FF2B5EF4-FFF2-40B4-BE49-F238E27FC236}">
+                <a16:creationId xmlns:a16="http://schemas.microsoft.com/office/drawing/2014/main" id="{07891534-128F-422D-851A-8BF997625CDA}"/>
+              </a:ext>
+            </a:extLst>
+          </p:cNvPr>
+          <p:cNvGrpSpPr/>
+          <p:nvPr/>
+        </p:nvGrpSpPr>
+        <p:grpSpPr>
+          <a:xfrm flipH="1">
+            <a:off x="3616624" y="1530529"/>
+            <a:ext cx="1208844" cy="4731001"/>
+            <a:chOff x="2670698" y="1488158"/>
+            <a:chExt cx="1208844" cy="4915218"/>
+          </a:xfrm>
+        </p:grpSpPr>
+        <p:cxnSp>
+          <p:nvCxnSpPr>
+            <p:cNvPr id="48" name="Straight Connector 47">
+              <a:extLst>
+                <a:ext uri="{FF2B5EF4-FFF2-40B4-BE49-F238E27FC236}">
+                  <a16:creationId xmlns:a16="http://schemas.microsoft.com/office/drawing/2014/main" id="{8512B770-F0F8-4842-94A8-0F524EEA6648}"/>
+                </a:ext>
+              </a:extLst>
+            </p:cNvPr>
+            <p:cNvCxnSpPr>
+              <a:cxnSpLocks/>
+            </p:cNvCxnSpPr>
+            <p:nvPr/>
+          </p:nvCxnSpPr>
+          <p:spPr>
+            <a:xfrm flipH="1">
+              <a:off x="2799879" y="1488158"/>
+              <a:ext cx="1079663" cy="0"/>
+            </a:xfrm>
+            <a:prstGeom prst="line">
+              <a:avLst/>
+            </a:prstGeom>
+          </p:spPr>
+          <p:style>
+            <a:lnRef idx="1">
+              <a:schemeClr val="accent1"/>
+            </a:lnRef>
+            <a:fillRef idx="0">
+              <a:schemeClr val="accent1"/>
+            </a:fillRef>
+            <a:effectRef idx="0">
+              <a:schemeClr val="accent1"/>
+            </a:effectRef>
+            <a:fontRef idx="minor">
+              <a:schemeClr val="tx1"/>
+            </a:fontRef>
+          </p:style>
+        </p:cxnSp>
+        <p:cxnSp>
+          <p:nvCxnSpPr>
+            <p:cNvPr id="49" name="Straight Connector 48">
+              <a:extLst>
+                <a:ext uri="{FF2B5EF4-FFF2-40B4-BE49-F238E27FC236}">
+                  <a16:creationId xmlns:a16="http://schemas.microsoft.com/office/drawing/2014/main" id="{3250A0ED-F9A0-4E0C-B855-FB0331E05C7B}"/>
+                </a:ext>
+              </a:extLst>
+            </p:cNvPr>
+            <p:cNvCxnSpPr/>
+            <p:nvPr/>
+          </p:nvCxnSpPr>
+          <p:spPr>
+            <a:xfrm>
+              <a:off x="3879542" y="1488158"/>
+              <a:ext cx="0" cy="4904653"/>
+            </a:xfrm>
+            <a:prstGeom prst="line">
+              <a:avLst/>
+            </a:prstGeom>
+          </p:spPr>
+          <p:style>
+            <a:lnRef idx="1">
+              <a:schemeClr val="accent1"/>
+            </a:lnRef>
+            <a:fillRef idx="0">
+              <a:schemeClr val="accent1"/>
+            </a:fillRef>
+            <a:effectRef idx="0">
+              <a:schemeClr val="accent1"/>
+            </a:effectRef>
+            <a:fontRef idx="minor">
+              <a:schemeClr val="tx1"/>
+            </a:fontRef>
+          </p:style>
+        </p:cxnSp>
+        <p:cxnSp>
+          <p:nvCxnSpPr>
+            <p:cNvPr id="50" name="Straight Connector 49">
+              <a:extLst>
+                <a:ext uri="{FF2B5EF4-FFF2-40B4-BE49-F238E27FC236}">
+                  <a16:creationId xmlns:a16="http://schemas.microsoft.com/office/drawing/2014/main" id="{DBE706F7-D821-4B1B-A9D6-B3A82FB36FD3}"/>
+                </a:ext>
+              </a:extLst>
+            </p:cNvPr>
+            <p:cNvCxnSpPr>
+              <a:cxnSpLocks/>
+            </p:cNvCxnSpPr>
+            <p:nvPr/>
+          </p:nvCxnSpPr>
+          <p:spPr>
+            <a:xfrm flipH="1">
+              <a:off x="2670698" y="6403376"/>
+              <a:ext cx="1208844" cy="0"/>
+            </a:xfrm>
+            <a:prstGeom prst="line">
+              <a:avLst/>
+            </a:prstGeom>
+          </p:spPr>
+          <p:style>
+            <a:lnRef idx="1">
+              <a:schemeClr val="accent1"/>
+            </a:lnRef>
+            <a:fillRef idx="0">
+              <a:schemeClr val="accent1"/>
+            </a:fillRef>
+            <a:effectRef idx="0">
+              <a:schemeClr val="accent1"/>
+            </a:effectRef>
+            <a:fontRef idx="minor">
+              <a:schemeClr val="tx1"/>
+            </a:fontRef>
+          </p:style>
+        </p:cxnSp>
+      </p:grpSp>
+      <p:grpSp>
+        <p:nvGrpSpPr>
+          <p:cNvPr id="34" name="Group 33">
+            <a:extLst>
+              <a:ext uri="{FF2B5EF4-FFF2-40B4-BE49-F238E27FC236}">
+                <a16:creationId xmlns:a16="http://schemas.microsoft.com/office/drawing/2014/main" id="{A84F7F35-B792-4047-A27D-28F7D73C56A9}"/>
+              </a:ext>
+            </a:extLst>
+          </p:cNvPr>
+          <p:cNvGrpSpPr/>
+          <p:nvPr/>
+        </p:nvGrpSpPr>
+        <p:grpSpPr>
+          <a:xfrm flipH="1">
+            <a:off x="6801650" y="1510002"/>
+            <a:ext cx="1942855" cy="4731001"/>
+            <a:chOff x="2670698" y="1488158"/>
+            <a:chExt cx="1942855" cy="4915218"/>
+          </a:xfrm>
+        </p:grpSpPr>
+        <p:cxnSp>
+          <p:nvCxnSpPr>
+            <p:cNvPr id="35" name="Straight Connector 34">
+              <a:extLst>
+                <a:ext uri="{FF2B5EF4-FFF2-40B4-BE49-F238E27FC236}">
+                  <a16:creationId xmlns:a16="http://schemas.microsoft.com/office/drawing/2014/main" id="{D8EEECB6-D536-412C-BD3D-05CE3E9BBE4E}"/>
+                </a:ext>
+              </a:extLst>
+            </p:cNvPr>
+            <p:cNvCxnSpPr>
+              <a:cxnSpLocks/>
+            </p:cNvCxnSpPr>
+            <p:nvPr/>
+          </p:nvCxnSpPr>
+          <p:spPr>
+            <a:xfrm flipH="1">
+              <a:off x="3879542" y="1498723"/>
+              <a:ext cx="734011" cy="0"/>
+            </a:xfrm>
+            <a:prstGeom prst="line">
+              <a:avLst/>
+            </a:prstGeom>
+          </p:spPr>
+          <p:style>
+            <a:lnRef idx="1">
+              <a:schemeClr val="accent1"/>
+            </a:lnRef>
+            <a:fillRef idx="0">
+              <a:schemeClr val="accent1"/>
+            </a:fillRef>
+            <a:effectRef idx="0">
+              <a:schemeClr val="accent1"/>
+            </a:effectRef>
+            <a:fontRef idx="minor">
+              <a:schemeClr val="tx1"/>
+            </a:fontRef>
+          </p:style>
+        </p:cxnSp>
+        <p:cxnSp>
+          <p:nvCxnSpPr>
+            <p:cNvPr id="36" name="Straight Connector 35">
+              <a:extLst>
+                <a:ext uri="{FF2B5EF4-FFF2-40B4-BE49-F238E27FC236}">
+                  <a16:creationId xmlns:a16="http://schemas.microsoft.com/office/drawing/2014/main" id="{F79B73A3-4728-4505-8A08-0D3BE5F644F0}"/>
+                </a:ext>
+              </a:extLst>
+            </p:cNvPr>
+            <p:cNvCxnSpPr/>
+            <p:nvPr/>
+          </p:nvCxnSpPr>
+          <p:spPr>
+            <a:xfrm>
+              <a:off x="3879542" y="1488158"/>
+              <a:ext cx="0" cy="4904653"/>
+            </a:xfrm>
+            <a:prstGeom prst="line">
+              <a:avLst/>
+            </a:prstGeom>
+          </p:spPr>
+          <p:style>
+            <a:lnRef idx="1">
+              <a:schemeClr val="accent1"/>
+            </a:lnRef>
+            <a:fillRef idx="0">
+              <a:schemeClr val="accent1"/>
+            </a:fillRef>
+            <a:effectRef idx="0">
+              <a:schemeClr val="accent1"/>
+            </a:effectRef>
+            <a:fontRef idx="minor">
+              <a:schemeClr val="tx1"/>
+            </a:fontRef>
+          </p:style>
+        </p:cxnSp>
+        <p:cxnSp>
+          <p:nvCxnSpPr>
+            <p:cNvPr id="37" name="Straight Connector 36">
+              <a:extLst>
+                <a:ext uri="{FF2B5EF4-FFF2-40B4-BE49-F238E27FC236}">
+                  <a16:creationId xmlns:a16="http://schemas.microsoft.com/office/drawing/2014/main" id="{2167965D-D076-493C-B039-44FA9635CCDB}"/>
+                </a:ext>
+              </a:extLst>
+            </p:cNvPr>
+            <p:cNvCxnSpPr>
+              <a:cxnSpLocks/>
+            </p:cNvCxnSpPr>
+            <p:nvPr/>
+          </p:nvCxnSpPr>
+          <p:spPr>
+            <a:xfrm flipH="1">
+              <a:off x="2670698" y="6403376"/>
+              <a:ext cx="1208844" cy="0"/>
+            </a:xfrm>
+            <a:prstGeom prst="line">
+              <a:avLst/>
+            </a:prstGeom>
+          </p:spPr>
+          <p:style>
+            <a:lnRef idx="1">
+              <a:schemeClr val="accent1"/>
+            </a:lnRef>
+            <a:fillRef idx="0">
+              <a:schemeClr val="accent1"/>
+            </a:fillRef>
+            <a:effectRef idx="0">
+              <a:schemeClr val="accent1"/>
+            </a:effectRef>
+            <a:fontRef idx="minor">
+              <a:schemeClr val="tx1"/>
+            </a:fontRef>
+          </p:style>
+        </p:cxnSp>
+      </p:grpSp>
+      <p:cxnSp>
+        <p:nvCxnSpPr>
+          <p:cNvPr id="15" name="Connector: Elbow 14">
+            <a:extLst>
+              <a:ext uri="{FF2B5EF4-FFF2-40B4-BE49-F238E27FC236}">
+                <a16:creationId xmlns:a16="http://schemas.microsoft.com/office/drawing/2014/main" id="{BBD174EE-5126-4AE1-97F7-94393EF7FAF8}"/>
+              </a:ext>
+            </a:extLst>
+          </p:cNvPr>
+          <p:cNvCxnSpPr/>
+          <p:nvPr/>
+        </p:nvCxnSpPr>
+        <p:spPr>
+          <a:xfrm>
+            <a:off x="6801651" y="1429305"/>
+            <a:ext cx="1942854" cy="1680282"/>
+          </a:xfrm>
+          <a:prstGeom prst="bentConnector3">
+            <a:avLst/>
+          </a:prstGeom>
+        </p:spPr>
+        <p:style>
+          <a:lnRef idx="1">
+            <a:schemeClr val="accent1"/>
+          </a:lnRef>
+          <a:fillRef idx="0">
+            <a:schemeClr val="accent1"/>
+          </a:fillRef>
+          <a:effectRef idx="0">
+            <a:schemeClr val="accent1"/>
+          </a:effectRef>
+          <a:fontRef idx="minor">
+            <a:schemeClr val="tx1"/>
+          </a:fontRef>
+        </p:style>
+      </p:cxnSp>
+      <p:cxnSp>
+        <p:nvCxnSpPr>
+          <p:cNvPr id="11" name="Connector: Elbow 10">
+            <a:extLst>
+              <a:ext uri="{FF2B5EF4-FFF2-40B4-BE49-F238E27FC236}">
+                <a16:creationId xmlns:a16="http://schemas.microsoft.com/office/drawing/2014/main" id="{EAD0B292-7673-4CAB-885B-D32196505246}"/>
+              </a:ext>
+            </a:extLst>
+          </p:cNvPr>
+          <p:cNvCxnSpPr/>
+          <p:nvPr/>
+        </p:nvCxnSpPr>
+        <p:spPr>
+          <a:xfrm rot="10800000" flipV="1">
+            <a:off x="2920753" y="1429305"/>
+            <a:ext cx="1692800" cy="1669002"/>
+          </a:xfrm>
+          <a:prstGeom prst="bentConnector3">
+            <a:avLst/>
+          </a:prstGeom>
+        </p:spPr>
+        <p:style>
+          <a:lnRef idx="1">
+            <a:schemeClr val="accent1"/>
+          </a:lnRef>
+          <a:fillRef idx="0">
+            <a:schemeClr val="accent1"/>
+          </a:fillRef>
+          <a:effectRef idx="0">
+            <a:schemeClr val="accent1"/>
+          </a:effectRef>
+          <a:fontRef idx="minor">
+            <a:schemeClr val="tx1"/>
+          </a:fontRef>
+        </p:style>
+      </p:cxnSp>
+      <p:graphicFrame>
+        <p:nvGraphicFramePr>
+          <p:cNvPr id="4" name="Table 4">
+            <a:extLst>
+              <a:ext uri="{FF2B5EF4-FFF2-40B4-BE49-F238E27FC236}">
+                <a16:creationId xmlns:a16="http://schemas.microsoft.com/office/drawing/2014/main" id="{892BD53A-2143-45BB-8CF3-A9C5F5980856}"/>
+              </a:ext>
+            </a:extLst>
+          </p:cNvPr>
+          <p:cNvGraphicFramePr>
+            <a:graphicFrameLocks noGrp="1"/>
+          </p:cNvGraphicFramePr>
+          <p:nvPr>
+            <p:extLst>
+              <p:ext uri="{D42A27DB-BD31-4B8C-83A1-F6EECF244321}">
+                <p14:modId xmlns:p14="http://schemas.microsoft.com/office/powerpoint/2010/main" val="1247543697"/>
+              </p:ext>
+            </p:extLst>
+          </p:nvPr>
+        </p:nvGraphicFramePr>
+        <p:xfrm>
+          <a:off x="4613553" y="768324"/>
+          <a:ext cx="2188098" cy="2217230"/>
+        </p:xfrm>
+        <a:graphic>
+          <a:graphicData uri="http://schemas.openxmlformats.org/drawingml/2006/table">
+            <a:tbl>
+              <a:tblPr firstRow="1" bandRow="1">
+                <a:tableStyleId>{5C22544A-7EE6-4342-B048-85BDC9FD1C3A}</a:tableStyleId>
+              </a:tblPr>
+              <a:tblGrid>
+                <a:gridCol w="657016">
+                  <a:extLst>
+                    <a:ext uri="{9D8B030D-6E8A-4147-A177-3AD203B41FA5}">
+                      <a16:colId xmlns:a16="http://schemas.microsoft.com/office/drawing/2014/main" val="3516669025"/>
+                    </a:ext>
+                  </a:extLst>
+                </a:gridCol>
+                <a:gridCol w="1531082">
+                  <a:extLst>
+                    <a:ext uri="{9D8B030D-6E8A-4147-A177-3AD203B41FA5}">
+                      <a16:colId xmlns:a16="http://schemas.microsoft.com/office/drawing/2014/main" val="3104348148"/>
+                    </a:ext>
+                  </a:extLst>
+                </a:gridCol>
+              </a:tblGrid>
+              <a:tr h="440217">
+                <a:tc gridSpan="2">
+                  <a:txBody>
+                    <a:bodyPr/>
+                    <a:lstStyle/>
+                    <a:p>
+                      <a:pPr algn="ctr"/>
+                      <a:r>
+                        <a:rPr lang="en-US" sz="2400" b="0" kern="1200" dirty="0">
+                          <a:solidFill>
+                            <a:schemeClr val="lt1"/>
+                          </a:solidFill>
+                          <a:effectLst/>
+                          <a:latin typeface="TH Sarabun New" panose="020B0500040200020003" pitchFamily="34" charset="-34"/>
+                          <a:ea typeface="+mn-ea"/>
+                          <a:cs typeface="TH Sarabun New" panose="020B0500040200020003" pitchFamily="34" charset="-34"/>
+                        </a:rPr>
+                        <a:t>users</a:t>
+                      </a:r>
+                      <a:endParaRPr lang="th-TH" sz="2400" b="0" dirty="0">
+                        <a:latin typeface="TH Sarabun New" panose="020B0500040200020003" pitchFamily="34" charset="-34"/>
+                        <a:cs typeface="TH Sarabun New" panose="020B0500040200020003" pitchFamily="34" charset="-34"/>
+                      </a:endParaRPr>
+                    </a:p>
+                  </a:txBody>
+                  <a:tcPr marL="77685" marR="77685" marT="38843" marB="38843"/>
+                </a:tc>
+                <a:tc hMerge="1">
+                  <a:txBody>
+                    <a:bodyPr/>
+                    <a:lstStyle/>
+                    <a:p>
+                      <a:endParaRPr lang="th-TH" dirty="0"/>
+                    </a:p>
+                  </a:txBody>
+                  <a:tcPr/>
+                </a:tc>
+                <a:extLst>
+                  <a:ext uri="{0D108BD9-81ED-4DB2-BD59-A6C34878D82A}">
+                    <a16:rowId xmlns:a16="http://schemas.microsoft.com/office/drawing/2014/main" val="317691646"/>
+                  </a:ext>
+                </a:extLst>
+              </a:tr>
+              <a:tr h="440217">
+                <a:tc>
+                  <a:txBody>
+                    <a:bodyPr/>
+                    <a:lstStyle/>
+                    <a:p>
+                      <a:r>
+                        <a:rPr lang="en-US" sz="2400" dirty="0">
+                          <a:latin typeface="TH Sarabun New" panose="020B0500040200020003" pitchFamily="34" charset="-34"/>
+                          <a:cs typeface="TH Sarabun New" panose="020B0500040200020003" pitchFamily="34" charset="-34"/>
+                        </a:rPr>
+                        <a:t>PK</a:t>
+                      </a:r>
+                      <a:endParaRPr lang="th-TH" sz="2400" dirty="0">
+                        <a:latin typeface="TH Sarabun New" panose="020B0500040200020003" pitchFamily="34" charset="-34"/>
+                        <a:cs typeface="TH Sarabun New" panose="020B0500040200020003" pitchFamily="34" charset="-34"/>
+                      </a:endParaRPr>
+                    </a:p>
+                  </a:txBody>
+                  <a:tcPr marL="77685" marR="77685" marT="38843" marB="38843"/>
+                </a:tc>
+                <a:tc>
+                  <a:txBody>
+                    <a:bodyPr/>
+                    <a:lstStyle/>
+                    <a:p>
+                      <a:r>
+                        <a:rPr lang="en-US" sz="2400" dirty="0">
+                          <a:latin typeface="TH Sarabun New" panose="020B0500040200020003" pitchFamily="34" charset="-34"/>
+                          <a:cs typeface="TH Sarabun New" panose="020B0500040200020003" pitchFamily="34" charset="-34"/>
+                        </a:rPr>
+                        <a:t>user_id</a:t>
+                      </a:r>
+                      <a:endParaRPr lang="th-TH" sz="2400" dirty="0">
+                        <a:latin typeface="TH Sarabun New" panose="020B0500040200020003" pitchFamily="34" charset="-34"/>
+                        <a:cs typeface="TH Sarabun New" panose="020B0500040200020003" pitchFamily="34" charset="-34"/>
+                      </a:endParaRPr>
+                    </a:p>
+                  </a:txBody>
+                  <a:tcPr marL="77685" marR="77685" marT="38843" marB="38843"/>
+                </a:tc>
+                <a:extLst>
+                  <a:ext uri="{0D108BD9-81ED-4DB2-BD59-A6C34878D82A}">
+                    <a16:rowId xmlns:a16="http://schemas.microsoft.com/office/drawing/2014/main" val="3554060621"/>
+                  </a:ext>
+                </a:extLst>
+              </a:tr>
+              <a:tr h="440217">
+                <a:tc>
+                  <a:txBody>
+                    <a:bodyPr/>
+                    <a:lstStyle/>
+                    <a:p>
+                      <a:endParaRPr lang="th-TH" sz="2400">
+                        <a:latin typeface="TH Sarabun New" panose="020B0500040200020003" pitchFamily="34" charset="-34"/>
+                        <a:cs typeface="TH Sarabun New" panose="020B0500040200020003" pitchFamily="34" charset="-34"/>
+                      </a:endParaRPr>
+                    </a:p>
+                  </a:txBody>
+                  <a:tcPr marL="77685" marR="77685" marT="38843" marB="38843"/>
+                </a:tc>
+                <a:tc>
+                  <a:txBody>
+                    <a:bodyPr/>
+                    <a:lstStyle/>
+                    <a:p>
+                      <a:r>
+                        <a:rPr lang="en-US" sz="2400" dirty="0">
+                          <a:latin typeface="TH Sarabun New" panose="020B0500040200020003" pitchFamily="34" charset="-34"/>
+                          <a:cs typeface="TH Sarabun New" panose="020B0500040200020003" pitchFamily="34" charset="-34"/>
+                        </a:rPr>
+                        <a:t>name</a:t>
+                      </a:r>
+                      <a:endParaRPr lang="th-TH" sz="2400" dirty="0">
+                        <a:latin typeface="TH Sarabun New" panose="020B0500040200020003" pitchFamily="34" charset="-34"/>
+                        <a:cs typeface="TH Sarabun New" panose="020B0500040200020003" pitchFamily="34" charset="-34"/>
+                      </a:endParaRPr>
+                    </a:p>
+                  </a:txBody>
+                  <a:tcPr marL="77685" marR="77685" marT="38843" marB="38843"/>
+                </a:tc>
+                <a:extLst>
+                  <a:ext uri="{0D108BD9-81ED-4DB2-BD59-A6C34878D82A}">
+                    <a16:rowId xmlns:a16="http://schemas.microsoft.com/office/drawing/2014/main" val="4081920128"/>
+                  </a:ext>
+                </a:extLst>
+              </a:tr>
+              <a:tr h="440217">
+                <a:tc>
+                  <a:txBody>
+                    <a:bodyPr/>
+                    <a:lstStyle/>
+                    <a:p>
+                      <a:endParaRPr lang="th-TH" sz="2400">
+                        <a:latin typeface="TH Sarabun New" panose="020B0500040200020003" pitchFamily="34" charset="-34"/>
+                        <a:cs typeface="TH Sarabun New" panose="020B0500040200020003" pitchFamily="34" charset="-34"/>
+                      </a:endParaRPr>
+                    </a:p>
+                  </a:txBody>
+                  <a:tcPr marL="77685" marR="77685" marT="38843" marB="38843"/>
+                </a:tc>
+                <a:tc>
+                  <a:txBody>
+                    <a:bodyPr/>
+                    <a:lstStyle/>
+                    <a:p>
+                      <a:r>
+                        <a:rPr lang="en-US" sz="2400" dirty="0">
+                          <a:latin typeface="TH Sarabun New" panose="020B0500040200020003" pitchFamily="34" charset="-34"/>
+                          <a:cs typeface="TH Sarabun New" panose="020B0500040200020003" pitchFamily="34" charset="-34"/>
+                        </a:rPr>
+                        <a:t>password</a:t>
+                      </a:r>
+                      <a:endParaRPr lang="th-TH" sz="2400" dirty="0">
+                        <a:latin typeface="TH Sarabun New" panose="020B0500040200020003" pitchFamily="34" charset="-34"/>
+                        <a:cs typeface="TH Sarabun New" panose="020B0500040200020003" pitchFamily="34" charset="-34"/>
+                      </a:endParaRPr>
+                    </a:p>
+                  </a:txBody>
+                  <a:tcPr marL="77685" marR="77685" marT="38843" marB="38843"/>
+                </a:tc>
+                <a:extLst>
+                  <a:ext uri="{0D108BD9-81ED-4DB2-BD59-A6C34878D82A}">
+                    <a16:rowId xmlns:a16="http://schemas.microsoft.com/office/drawing/2014/main" val="1371505475"/>
+                  </a:ext>
+                </a:extLst>
+              </a:tr>
+              <a:tr h="440217">
+                <a:tc>
+                  <a:txBody>
+                    <a:bodyPr/>
+                    <a:lstStyle/>
+                    <a:p>
+                      <a:endParaRPr lang="th-TH" sz="2400">
+                        <a:latin typeface="TH Sarabun New" panose="020B0500040200020003" pitchFamily="34" charset="-34"/>
+                        <a:cs typeface="TH Sarabun New" panose="020B0500040200020003" pitchFamily="34" charset="-34"/>
+                      </a:endParaRPr>
+                    </a:p>
+                  </a:txBody>
+                  <a:tcPr marL="77685" marR="77685" marT="38843" marB="38843"/>
+                </a:tc>
+                <a:tc>
+                  <a:txBody>
+                    <a:bodyPr/>
+                    <a:lstStyle/>
+                    <a:p>
+                      <a:r>
+                        <a:rPr lang="en-US" sz="2400" dirty="0">
+                          <a:latin typeface="TH Sarabun New" panose="020B0500040200020003" pitchFamily="34" charset="-34"/>
+                          <a:cs typeface="TH Sarabun New" panose="020B0500040200020003" pitchFamily="34" charset="-34"/>
+                        </a:rPr>
+                        <a:t>email</a:t>
+                      </a:r>
+                      <a:endParaRPr lang="th-TH" sz="2400" dirty="0">
+                        <a:latin typeface="TH Sarabun New" panose="020B0500040200020003" pitchFamily="34" charset="-34"/>
+                        <a:cs typeface="TH Sarabun New" panose="020B0500040200020003" pitchFamily="34" charset="-34"/>
+                      </a:endParaRPr>
+                    </a:p>
+                  </a:txBody>
+                  <a:tcPr marL="77685" marR="77685" marT="38843" marB="38843"/>
+                </a:tc>
+                <a:extLst>
+                  <a:ext uri="{0D108BD9-81ED-4DB2-BD59-A6C34878D82A}">
+                    <a16:rowId xmlns:a16="http://schemas.microsoft.com/office/drawing/2014/main" val="1262127286"/>
+                  </a:ext>
+                </a:extLst>
+              </a:tr>
+            </a:tbl>
+          </a:graphicData>
+        </a:graphic>
+      </p:graphicFrame>
+      <p:graphicFrame>
+        <p:nvGraphicFramePr>
+          <p:cNvPr id="5" name="Table 4">
+            <a:extLst>
+              <a:ext uri="{FF2B5EF4-FFF2-40B4-BE49-F238E27FC236}">
+                <a16:creationId xmlns:a16="http://schemas.microsoft.com/office/drawing/2014/main" id="{6F9ABC2E-38E1-41E1-869C-22AF17C29891}"/>
+              </a:ext>
+            </a:extLst>
+          </p:cNvPr>
+          <p:cNvGraphicFramePr>
+            <a:graphicFrameLocks noGrp="1"/>
+          </p:cNvGraphicFramePr>
+          <p:nvPr>
+            <p:extLst>
+              <p:ext uri="{D42A27DB-BD31-4B8C-83A1-F6EECF244321}">
+                <p14:modId xmlns:p14="http://schemas.microsoft.com/office/powerpoint/2010/main" val="2146018599"/>
+              </p:ext>
+            </p:extLst>
+          </p:nvPr>
+        </p:nvGraphicFramePr>
+        <p:xfrm>
+          <a:off x="8493020" y="297987"/>
+          <a:ext cx="2188098" cy="3104122"/>
+        </p:xfrm>
+        <a:graphic>
+          <a:graphicData uri="http://schemas.openxmlformats.org/drawingml/2006/table">
+            <a:tbl>
+              <a:tblPr firstRow="1" bandRow="1">
+                <a:tableStyleId>{5C22544A-7EE6-4342-B048-85BDC9FD1C3A}</a:tableStyleId>
+              </a:tblPr>
+              <a:tblGrid>
+                <a:gridCol w="657016">
+                  <a:extLst>
+                    <a:ext uri="{9D8B030D-6E8A-4147-A177-3AD203B41FA5}">
+                      <a16:colId xmlns:a16="http://schemas.microsoft.com/office/drawing/2014/main" val="3516669025"/>
+                    </a:ext>
+                  </a:extLst>
+                </a:gridCol>
+                <a:gridCol w="1531082">
+                  <a:extLst>
+                    <a:ext uri="{9D8B030D-6E8A-4147-A177-3AD203B41FA5}">
+                      <a16:colId xmlns:a16="http://schemas.microsoft.com/office/drawing/2014/main" val="3104348148"/>
+                    </a:ext>
+                  </a:extLst>
+                </a:gridCol>
+              </a:tblGrid>
+              <a:tr h="440217">
+                <a:tc gridSpan="2">
+                  <a:txBody>
+                    <a:bodyPr/>
+                    <a:lstStyle/>
+                    <a:p>
+                      <a:pPr algn="ctr"/>
+                      <a:r>
+                        <a:rPr lang="en-US" sz="2400" b="0" kern="1200" dirty="0">
+                          <a:solidFill>
+                            <a:schemeClr val="lt1"/>
+                          </a:solidFill>
+                          <a:effectLst/>
+                          <a:latin typeface="TH Sarabun New" panose="020B0500040200020003" pitchFamily="34" charset="-34"/>
+                          <a:ea typeface="+mn-ea"/>
+                          <a:cs typeface="TH Sarabun New" panose="020B0500040200020003" pitchFamily="34" charset="-34"/>
+                        </a:rPr>
+                        <a:t>data_cars</a:t>
+                      </a:r>
+                      <a:endParaRPr lang="th-TH" sz="2400" b="0" dirty="0">
+                        <a:latin typeface="TH Sarabun New" panose="020B0500040200020003" pitchFamily="34" charset="-34"/>
+                        <a:cs typeface="TH Sarabun New" panose="020B0500040200020003" pitchFamily="34" charset="-34"/>
+                      </a:endParaRPr>
+                    </a:p>
+                  </a:txBody>
+                  <a:tcPr marL="77685" marR="77685" marT="38843" marB="38843"/>
+                </a:tc>
+                <a:tc hMerge="1">
+                  <a:txBody>
+                    <a:bodyPr/>
+                    <a:lstStyle/>
+                    <a:p>
+                      <a:endParaRPr lang="th-TH" dirty="0"/>
+                    </a:p>
+                  </a:txBody>
+                  <a:tcPr/>
+                </a:tc>
+                <a:extLst>
+                  <a:ext uri="{0D108BD9-81ED-4DB2-BD59-A6C34878D82A}">
+                    <a16:rowId xmlns:a16="http://schemas.microsoft.com/office/drawing/2014/main" val="317691646"/>
+                  </a:ext>
+                </a:extLst>
+              </a:tr>
+              <a:tr h="440217">
+                <a:tc>
+                  <a:txBody>
+                    <a:bodyPr/>
+                    <a:lstStyle/>
+                    <a:p>
+                      <a:r>
+                        <a:rPr lang="en-US" sz="2400" dirty="0">
+                          <a:latin typeface="TH Sarabun New" panose="020B0500040200020003" pitchFamily="34" charset="-34"/>
+                          <a:cs typeface="TH Sarabun New" panose="020B0500040200020003" pitchFamily="34" charset="-34"/>
+                        </a:rPr>
+                        <a:t>PK</a:t>
+                      </a:r>
+                      <a:endParaRPr lang="th-TH" sz="2400" dirty="0">
+                        <a:latin typeface="TH Sarabun New" panose="020B0500040200020003" pitchFamily="34" charset="-34"/>
+                        <a:cs typeface="TH Sarabun New" panose="020B0500040200020003" pitchFamily="34" charset="-34"/>
+                      </a:endParaRPr>
+                    </a:p>
+                  </a:txBody>
+                  <a:tcPr marL="77685" marR="77685" marT="38843" marB="38843"/>
+                </a:tc>
+                <a:tc>
+                  <a:txBody>
+                    <a:bodyPr/>
+                    <a:lstStyle/>
+                    <a:p>
+                      <a:r>
+                        <a:rPr lang="en-US" sz="2400" dirty="0">
+                          <a:latin typeface="TH Sarabun New" panose="020B0500040200020003" pitchFamily="34" charset="-34"/>
+                          <a:cs typeface="TH Sarabun New" panose="020B0500040200020003" pitchFamily="34" charset="-34"/>
+                        </a:rPr>
+                        <a:t>data_cars_id</a:t>
+                      </a:r>
+                      <a:endParaRPr lang="th-TH" sz="2400" dirty="0">
+                        <a:latin typeface="TH Sarabun New" panose="020B0500040200020003" pitchFamily="34" charset="-34"/>
+                        <a:cs typeface="TH Sarabun New" panose="020B0500040200020003" pitchFamily="34" charset="-34"/>
+                      </a:endParaRPr>
+                    </a:p>
+                  </a:txBody>
+                  <a:tcPr marL="77685" marR="77685" marT="38843" marB="38843"/>
+                </a:tc>
+                <a:extLst>
+                  <a:ext uri="{0D108BD9-81ED-4DB2-BD59-A6C34878D82A}">
+                    <a16:rowId xmlns:a16="http://schemas.microsoft.com/office/drawing/2014/main" val="3554060621"/>
+                  </a:ext>
+                </a:extLst>
+              </a:tr>
+              <a:tr h="440217">
+                <a:tc>
+                  <a:txBody>
+                    <a:bodyPr/>
+                    <a:lstStyle/>
+                    <a:p>
+                      <a:endParaRPr lang="th-TH" sz="2400">
+                        <a:latin typeface="TH Sarabun New" panose="020B0500040200020003" pitchFamily="34" charset="-34"/>
+                        <a:cs typeface="TH Sarabun New" panose="020B0500040200020003" pitchFamily="34" charset="-34"/>
+                      </a:endParaRPr>
+                    </a:p>
+                  </a:txBody>
+                  <a:tcPr marL="77685" marR="77685" marT="38843" marB="38843"/>
+                </a:tc>
+                <a:tc>
+                  <a:txBody>
+                    <a:bodyPr/>
+                    <a:lstStyle/>
+                    <a:p>
+                      <a:r>
+                        <a:rPr lang="en-US" sz="2400" dirty="0">
+                          <a:latin typeface="TH Sarabun New" panose="020B0500040200020003" pitchFamily="34" charset="-34"/>
+                          <a:cs typeface="TH Sarabun New" panose="020B0500040200020003" pitchFamily="34" charset="-34"/>
+                        </a:rPr>
+                        <a:t>price</a:t>
+                      </a:r>
+                      <a:endParaRPr lang="th-TH" sz="2400" dirty="0">
+                        <a:latin typeface="TH Sarabun New" panose="020B0500040200020003" pitchFamily="34" charset="-34"/>
+                        <a:cs typeface="TH Sarabun New" panose="020B0500040200020003" pitchFamily="34" charset="-34"/>
+                      </a:endParaRPr>
+                    </a:p>
+                  </a:txBody>
+                  <a:tcPr marL="77685" marR="77685" marT="38843" marB="38843"/>
+                </a:tc>
+                <a:extLst>
+                  <a:ext uri="{0D108BD9-81ED-4DB2-BD59-A6C34878D82A}">
+                    <a16:rowId xmlns:a16="http://schemas.microsoft.com/office/drawing/2014/main" val="4081920128"/>
+                  </a:ext>
+                </a:extLst>
+              </a:tr>
+              <a:tr h="440217">
+                <a:tc>
+                  <a:txBody>
+                    <a:bodyPr/>
+                    <a:lstStyle/>
+                    <a:p>
+                      <a:endParaRPr lang="th-TH" sz="2400">
+                        <a:latin typeface="TH Sarabun New" panose="020B0500040200020003" pitchFamily="34" charset="-34"/>
+                        <a:cs typeface="TH Sarabun New" panose="020B0500040200020003" pitchFamily="34" charset="-34"/>
+                      </a:endParaRPr>
+                    </a:p>
+                  </a:txBody>
+                  <a:tcPr marL="77685" marR="77685" marT="38843" marB="38843"/>
+                </a:tc>
+                <a:tc>
+                  <a:txBody>
+                    <a:bodyPr/>
+                    <a:lstStyle/>
+                    <a:p>
+                      <a:r>
+                        <a:rPr lang="en-US" sz="2400" dirty="0">
+                          <a:latin typeface="TH Sarabun New" panose="020B0500040200020003" pitchFamily="34" charset="-34"/>
+                          <a:cs typeface="TH Sarabun New" panose="020B0500040200020003" pitchFamily="34" charset="-34"/>
+                        </a:rPr>
+                        <a:t>brand</a:t>
+                      </a:r>
+                      <a:endParaRPr lang="th-TH" sz="2400" dirty="0">
+                        <a:latin typeface="TH Sarabun New" panose="020B0500040200020003" pitchFamily="34" charset="-34"/>
+                        <a:cs typeface="TH Sarabun New" panose="020B0500040200020003" pitchFamily="34" charset="-34"/>
+                      </a:endParaRPr>
+                    </a:p>
+                  </a:txBody>
+                  <a:tcPr marL="77685" marR="77685" marT="38843" marB="38843"/>
+                </a:tc>
+                <a:extLst>
+                  <a:ext uri="{0D108BD9-81ED-4DB2-BD59-A6C34878D82A}">
+                    <a16:rowId xmlns:a16="http://schemas.microsoft.com/office/drawing/2014/main" val="1371505475"/>
+                  </a:ext>
+                </a:extLst>
+              </a:tr>
+              <a:tr h="440217">
+                <a:tc>
+                  <a:txBody>
+                    <a:bodyPr/>
+                    <a:lstStyle/>
+                    <a:p>
+                      <a:endParaRPr lang="th-TH" sz="2400">
+                        <a:latin typeface="TH Sarabun New" panose="020B0500040200020003" pitchFamily="34" charset="-34"/>
+                        <a:cs typeface="TH Sarabun New" panose="020B0500040200020003" pitchFamily="34" charset="-34"/>
+                      </a:endParaRPr>
+                    </a:p>
+                  </a:txBody>
+                  <a:tcPr marL="77685" marR="77685" marT="38843" marB="38843"/>
+                </a:tc>
+                <a:tc>
+                  <a:txBody>
+                    <a:bodyPr/>
+                    <a:lstStyle/>
+                    <a:p>
+                      <a:r>
+                        <a:rPr lang="en-US" sz="2400" dirty="0">
+                          <a:latin typeface="TH Sarabun New" panose="020B0500040200020003" pitchFamily="34" charset="-34"/>
+                          <a:cs typeface="TH Sarabun New" panose="020B0500040200020003" pitchFamily="34" charset="-34"/>
+                        </a:rPr>
+                        <a:t>model</a:t>
+                      </a:r>
+                      <a:endParaRPr lang="th-TH" sz="2400" dirty="0">
+                        <a:latin typeface="TH Sarabun New" panose="020B0500040200020003" pitchFamily="34" charset="-34"/>
+                        <a:cs typeface="TH Sarabun New" panose="020B0500040200020003" pitchFamily="34" charset="-34"/>
+                      </a:endParaRPr>
+                    </a:p>
+                  </a:txBody>
+                  <a:tcPr marL="77685" marR="77685" marT="38843" marB="38843"/>
+                </a:tc>
+                <a:extLst>
+                  <a:ext uri="{0D108BD9-81ED-4DB2-BD59-A6C34878D82A}">
+                    <a16:rowId xmlns:a16="http://schemas.microsoft.com/office/drawing/2014/main" val="1262127286"/>
+                  </a:ext>
+                </a:extLst>
+              </a:tr>
+              <a:tr h="440217">
+                <a:tc>
+                  <a:txBody>
+                    <a:bodyPr/>
+                    <a:lstStyle/>
+                    <a:p>
+                      <a:endParaRPr lang="th-TH" sz="2400">
+                        <a:latin typeface="TH Sarabun New" panose="020B0500040200020003" pitchFamily="34" charset="-34"/>
+                        <a:cs typeface="TH Sarabun New" panose="020B0500040200020003" pitchFamily="34" charset="-34"/>
+                      </a:endParaRPr>
+                    </a:p>
+                  </a:txBody>
+                  <a:tcPr marL="77685" marR="77685" marT="38843" marB="38843"/>
+                </a:tc>
+                <a:tc>
+                  <a:txBody>
+                    <a:bodyPr/>
+                    <a:lstStyle/>
+                    <a:p>
+                      <a:r>
+                        <a:rPr lang="en-US" sz="2400" dirty="0">
+                          <a:latin typeface="TH Sarabun New" panose="020B0500040200020003" pitchFamily="34" charset="-34"/>
+                          <a:cs typeface="TH Sarabun New" panose="020B0500040200020003" pitchFamily="34" charset="-34"/>
+                        </a:rPr>
+                        <a:t>…</a:t>
+                      </a:r>
+                      <a:endParaRPr lang="th-TH" sz="2400" dirty="0">
+                        <a:latin typeface="TH Sarabun New" panose="020B0500040200020003" pitchFamily="34" charset="-34"/>
+                        <a:cs typeface="TH Sarabun New" panose="020B0500040200020003" pitchFamily="34" charset="-34"/>
+                      </a:endParaRPr>
+                    </a:p>
+                  </a:txBody>
+                  <a:tcPr marL="77685" marR="77685" marT="38843" marB="38843"/>
+                </a:tc>
+                <a:extLst>
+                  <a:ext uri="{0D108BD9-81ED-4DB2-BD59-A6C34878D82A}">
+                    <a16:rowId xmlns:a16="http://schemas.microsoft.com/office/drawing/2014/main" val="3929947896"/>
+                  </a:ext>
+                </a:extLst>
+              </a:tr>
+              <a:tr h="440217">
+                <a:tc>
+                  <a:txBody>
+                    <a:bodyPr/>
+                    <a:lstStyle/>
+                    <a:p>
+                      <a:r>
+                        <a:rPr lang="en-US" sz="2400" dirty="0">
+                          <a:latin typeface="TH Sarabun New" panose="020B0500040200020003" pitchFamily="34" charset="-34"/>
+                          <a:cs typeface="TH Sarabun New" panose="020B0500040200020003" pitchFamily="34" charset="-34"/>
+                        </a:rPr>
+                        <a:t>FK</a:t>
+                      </a:r>
+                      <a:endParaRPr lang="th-TH" sz="2400" dirty="0">
+                        <a:latin typeface="TH Sarabun New" panose="020B0500040200020003" pitchFamily="34" charset="-34"/>
+                        <a:cs typeface="TH Sarabun New" panose="020B0500040200020003" pitchFamily="34" charset="-34"/>
+                      </a:endParaRPr>
+                    </a:p>
+                  </a:txBody>
+                  <a:tcPr marL="77685" marR="77685" marT="38843" marB="38843"/>
+                </a:tc>
+                <a:tc>
+                  <a:txBody>
+                    <a:bodyPr/>
+                    <a:lstStyle/>
+                    <a:p>
+                      <a:r>
+                        <a:rPr lang="en-US" sz="2400" dirty="0">
+                          <a:latin typeface="TH Sarabun New" panose="020B0500040200020003" pitchFamily="34" charset="-34"/>
+                          <a:cs typeface="TH Sarabun New" panose="020B0500040200020003" pitchFamily="34" charset="-34"/>
+                        </a:rPr>
+                        <a:t>user_id</a:t>
+                      </a:r>
+                      <a:endParaRPr lang="th-TH" sz="2400" dirty="0">
+                        <a:latin typeface="TH Sarabun New" panose="020B0500040200020003" pitchFamily="34" charset="-34"/>
+                        <a:cs typeface="TH Sarabun New" panose="020B0500040200020003" pitchFamily="34" charset="-34"/>
+                      </a:endParaRPr>
+                    </a:p>
+                  </a:txBody>
+                  <a:tcPr marL="77685" marR="77685" marT="38843" marB="38843"/>
+                </a:tc>
+                <a:extLst>
+                  <a:ext uri="{0D108BD9-81ED-4DB2-BD59-A6C34878D82A}">
+                    <a16:rowId xmlns:a16="http://schemas.microsoft.com/office/drawing/2014/main" val="1192829677"/>
+                  </a:ext>
+                </a:extLst>
+              </a:tr>
+            </a:tbl>
+          </a:graphicData>
+        </a:graphic>
+      </p:graphicFrame>
+      <p:graphicFrame>
+        <p:nvGraphicFramePr>
+          <p:cNvPr id="6" name="Table 5">
+            <a:extLst>
+              <a:ext uri="{FF2B5EF4-FFF2-40B4-BE49-F238E27FC236}">
+                <a16:creationId xmlns:a16="http://schemas.microsoft.com/office/drawing/2014/main" id="{43B440E3-4FFA-43C5-8519-D64826B4B872}"/>
+              </a:ext>
+            </a:extLst>
+          </p:cNvPr>
+          <p:cNvGraphicFramePr>
+            <a:graphicFrameLocks noGrp="1"/>
+          </p:cNvGraphicFramePr>
+          <p:nvPr>
+            <p:extLst>
+              <p:ext uri="{D42A27DB-BD31-4B8C-83A1-F6EECF244321}">
+                <p14:modId xmlns:p14="http://schemas.microsoft.com/office/powerpoint/2010/main" val="765109888"/>
+              </p:ext>
+            </p:extLst>
+          </p:nvPr>
+        </p:nvGraphicFramePr>
+        <p:xfrm>
+          <a:off x="4203088" y="3328395"/>
+          <a:ext cx="3251323" cy="3104122"/>
+        </p:xfrm>
+        <a:graphic>
+          <a:graphicData uri="http://schemas.openxmlformats.org/drawingml/2006/table">
+            <a:tbl>
+              <a:tblPr firstRow="1" bandRow="1">
+                <a:tableStyleId>{5C22544A-7EE6-4342-B048-85BDC9FD1C3A}</a:tableStyleId>
+              </a:tblPr>
+              <a:tblGrid>
+                <a:gridCol w="976268">
+                  <a:extLst>
+                    <a:ext uri="{9D8B030D-6E8A-4147-A177-3AD203B41FA5}">
+                      <a16:colId xmlns:a16="http://schemas.microsoft.com/office/drawing/2014/main" val="3516669025"/>
+                    </a:ext>
+                  </a:extLst>
+                </a:gridCol>
+                <a:gridCol w="2275055">
+                  <a:extLst>
+                    <a:ext uri="{9D8B030D-6E8A-4147-A177-3AD203B41FA5}">
+                      <a16:colId xmlns:a16="http://schemas.microsoft.com/office/drawing/2014/main" val="3104348148"/>
+                    </a:ext>
+                  </a:extLst>
+                </a:gridCol>
+              </a:tblGrid>
+              <a:tr h="440217">
+                <a:tc gridSpan="2">
+                  <a:txBody>
+                    <a:bodyPr/>
+                    <a:lstStyle/>
+                    <a:p>
+                      <a:pPr algn="ctr"/>
+                      <a:r>
+                        <a:rPr lang="en-US" sz="2400" b="0" kern="1200" dirty="0">
+                          <a:solidFill>
+                            <a:schemeClr val="lt1"/>
+                          </a:solidFill>
+                          <a:effectLst/>
+                          <a:latin typeface="TH Sarabun New" panose="020B0500040200020003" pitchFamily="34" charset="-34"/>
+                          <a:ea typeface="+mn-ea"/>
+                          <a:cs typeface="TH Sarabun New" panose="020B0500040200020003" pitchFamily="34" charset="-34"/>
+                        </a:rPr>
+                        <a:t>data_motorcycles</a:t>
+                      </a:r>
+                      <a:endParaRPr lang="th-TH" sz="2400" b="0" dirty="0">
+                        <a:latin typeface="TH Sarabun New" panose="020B0500040200020003" pitchFamily="34" charset="-34"/>
+                        <a:cs typeface="TH Sarabun New" panose="020B0500040200020003" pitchFamily="34" charset="-34"/>
+                      </a:endParaRPr>
+                    </a:p>
+                  </a:txBody>
+                  <a:tcPr marL="77685" marR="77685" marT="38843" marB="38843"/>
+                </a:tc>
+                <a:tc hMerge="1">
+                  <a:txBody>
+                    <a:bodyPr/>
+                    <a:lstStyle/>
+                    <a:p>
+                      <a:endParaRPr lang="th-TH" dirty="0"/>
+                    </a:p>
+                  </a:txBody>
+                  <a:tcPr/>
+                </a:tc>
+                <a:extLst>
+                  <a:ext uri="{0D108BD9-81ED-4DB2-BD59-A6C34878D82A}">
+                    <a16:rowId xmlns:a16="http://schemas.microsoft.com/office/drawing/2014/main" val="317691646"/>
+                  </a:ext>
+                </a:extLst>
+              </a:tr>
+              <a:tr h="440217">
+                <a:tc>
+                  <a:txBody>
+                    <a:bodyPr/>
+                    <a:lstStyle/>
+                    <a:p>
+                      <a:r>
+                        <a:rPr lang="en-US" sz="2400" dirty="0">
+                          <a:latin typeface="TH Sarabun New" panose="020B0500040200020003" pitchFamily="34" charset="-34"/>
+                          <a:cs typeface="TH Sarabun New" panose="020B0500040200020003" pitchFamily="34" charset="-34"/>
+                        </a:rPr>
+                        <a:t>PK</a:t>
+                      </a:r>
+                      <a:endParaRPr lang="th-TH" sz="2400" dirty="0">
+                        <a:latin typeface="TH Sarabun New" panose="020B0500040200020003" pitchFamily="34" charset="-34"/>
+                        <a:cs typeface="TH Sarabun New" panose="020B0500040200020003" pitchFamily="34" charset="-34"/>
+                      </a:endParaRPr>
+                    </a:p>
+                  </a:txBody>
+                  <a:tcPr marL="77685" marR="77685" marT="38843" marB="38843"/>
+                </a:tc>
+                <a:tc>
+                  <a:txBody>
+                    <a:bodyPr/>
+                    <a:lstStyle/>
+                    <a:p>
+                      <a:r>
+                        <a:rPr lang="en-US" sz="2400" dirty="0">
+                          <a:latin typeface="TH Sarabun New" panose="020B0500040200020003" pitchFamily="34" charset="-34"/>
+                          <a:cs typeface="TH Sarabun New" panose="020B0500040200020003" pitchFamily="34" charset="-34"/>
+                        </a:rPr>
+                        <a:t>data_motorcycles_id</a:t>
+                      </a:r>
+                      <a:endParaRPr lang="th-TH" sz="2400" dirty="0">
+                        <a:latin typeface="TH Sarabun New" panose="020B0500040200020003" pitchFamily="34" charset="-34"/>
+                        <a:cs typeface="TH Sarabun New" panose="020B0500040200020003" pitchFamily="34" charset="-34"/>
+                      </a:endParaRPr>
+                    </a:p>
+                  </a:txBody>
+                  <a:tcPr marL="77685" marR="77685" marT="38843" marB="38843"/>
+                </a:tc>
+                <a:extLst>
+                  <a:ext uri="{0D108BD9-81ED-4DB2-BD59-A6C34878D82A}">
+                    <a16:rowId xmlns:a16="http://schemas.microsoft.com/office/drawing/2014/main" val="3554060621"/>
+                  </a:ext>
+                </a:extLst>
+              </a:tr>
+              <a:tr h="440217">
+                <a:tc>
+                  <a:txBody>
+                    <a:bodyPr/>
+                    <a:lstStyle/>
+                    <a:p>
+                      <a:endParaRPr lang="th-TH" sz="2400">
+                        <a:latin typeface="TH Sarabun New" panose="020B0500040200020003" pitchFamily="34" charset="-34"/>
+                        <a:cs typeface="TH Sarabun New" panose="020B0500040200020003" pitchFamily="34" charset="-34"/>
+                      </a:endParaRPr>
+                    </a:p>
+                  </a:txBody>
+                  <a:tcPr marL="77685" marR="77685" marT="38843" marB="38843"/>
+                </a:tc>
+                <a:tc>
+                  <a:txBody>
+                    <a:bodyPr/>
+                    <a:lstStyle/>
+                    <a:p>
+                      <a:r>
+                        <a:rPr lang="en-US" sz="2400" dirty="0">
+                          <a:latin typeface="TH Sarabun New" panose="020B0500040200020003" pitchFamily="34" charset="-34"/>
+                          <a:cs typeface="TH Sarabun New" panose="020B0500040200020003" pitchFamily="34" charset="-34"/>
+                        </a:rPr>
+                        <a:t>price</a:t>
+                      </a:r>
+                      <a:endParaRPr lang="th-TH" sz="2400" dirty="0">
+                        <a:latin typeface="TH Sarabun New" panose="020B0500040200020003" pitchFamily="34" charset="-34"/>
+                        <a:cs typeface="TH Sarabun New" panose="020B0500040200020003" pitchFamily="34" charset="-34"/>
+                      </a:endParaRPr>
+                    </a:p>
+                  </a:txBody>
+                  <a:tcPr marL="77685" marR="77685" marT="38843" marB="38843"/>
+                </a:tc>
+                <a:extLst>
+                  <a:ext uri="{0D108BD9-81ED-4DB2-BD59-A6C34878D82A}">
+                    <a16:rowId xmlns:a16="http://schemas.microsoft.com/office/drawing/2014/main" val="4081920128"/>
+                  </a:ext>
+                </a:extLst>
+              </a:tr>
+              <a:tr h="440217">
+                <a:tc>
+                  <a:txBody>
+                    <a:bodyPr/>
+                    <a:lstStyle/>
+                    <a:p>
+                      <a:endParaRPr lang="th-TH" sz="2400">
+                        <a:latin typeface="TH Sarabun New" panose="020B0500040200020003" pitchFamily="34" charset="-34"/>
+                        <a:cs typeface="TH Sarabun New" panose="020B0500040200020003" pitchFamily="34" charset="-34"/>
+                      </a:endParaRPr>
+                    </a:p>
+                  </a:txBody>
+                  <a:tcPr marL="77685" marR="77685" marT="38843" marB="38843"/>
+                </a:tc>
+                <a:tc>
+                  <a:txBody>
+                    <a:bodyPr/>
+                    <a:lstStyle/>
+                    <a:p>
+                      <a:r>
+                        <a:rPr lang="en-US" sz="2400" dirty="0">
+                          <a:latin typeface="TH Sarabun New" panose="020B0500040200020003" pitchFamily="34" charset="-34"/>
+                          <a:cs typeface="TH Sarabun New" panose="020B0500040200020003" pitchFamily="34" charset="-34"/>
+                        </a:rPr>
+                        <a:t>brand</a:t>
+                      </a:r>
+                      <a:endParaRPr lang="th-TH" sz="2400" dirty="0">
+                        <a:latin typeface="TH Sarabun New" panose="020B0500040200020003" pitchFamily="34" charset="-34"/>
+                        <a:cs typeface="TH Sarabun New" panose="020B0500040200020003" pitchFamily="34" charset="-34"/>
+                      </a:endParaRPr>
+                    </a:p>
+                  </a:txBody>
+                  <a:tcPr marL="77685" marR="77685" marT="38843" marB="38843"/>
+                </a:tc>
+                <a:extLst>
+                  <a:ext uri="{0D108BD9-81ED-4DB2-BD59-A6C34878D82A}">
+                    <a16:rowId xmlns:a16="http://schemas.microsoft.com/office/drawing/2014/main" val="1371505475"/>
+                  </a:ext>
+                </a:extLst>
+              </a:tr>
+              <a:tr h="440217">
+                <a:tc>
+                  <a:txBody>
+                    <a:bodyPr/>
+                    <a:lstStyle/>
+                    <a:p>
+                      <a:endParaRPr lang="th-TH" sz="2400">
+                        <a:latin typeface="TH Sarabun New" panose="020B0500040200020003" pitchFamily="34" charset="-34"/>
+                        <a:cs typeface="TH Sarabun New" panose="020B0500040200020003" pitchFamily="34" charset="-34"/>
+                      </a:endParaRPr>
+                    </a:p>
+                  </a:txBody>
+                  <a:tcPr marL="77685" marR="77685" marT="38843" marB="38843"/>
+                </a:tc>
+                <a:tc>
+                  <a:txBody>
+                    <a:bodyPr/>
+                    <a:lstStyle/>
+                    <a:p>
+                      <a:r>
+                        <a:rPr lang="en-US" sz="2400" dirty="0">
+                          <a:latin typeface="TH Sarabun New" panose="020B0500040200020003" pitchFamily="34" charset="-34"/>
+                          <a:cs typeface="TH Sarabun New" panose="020B0500040200020003" pitchFamily="34" charset="-34"/>
+                        </a:rPr>
+                        <a:t>model</a:t>
+                      </a:r>
+                      <a:endParaRPr lang="th-TH" sz="2400" dirty="0">
+                        <a:latin typeface="TH Sarabun New" panose="020B0500040200020003" pitchFamily="34" charset="-34"/>
+                        <a:cs typeface="TH Sarabun New" panose="020B0500040200020003" pitchFamily="34" charset="-34"/>
+                      </a:endParaRPr>
+                    </a:p>
+                  </a:txBody>
+                  <a:tcPr marL="77685" marR="77685" marT="38843" marB="38843"/>
+                </a:tc>
+                <a:extLst>
+                  <a:ext uri="{0D108BD9-81ED-4DB2-BD59-A6C34878D82A}">
+                    <a16:rowId xmlns:a16="http://schemas.microsoft.com/office/drawing/2014/main" val="1262127286"/>
+                  </a:ext>
+                </a:extLst>
+              </a:tr>
+              <a:tr h="440217">
+                <a:tc>
+                  <a:txBody>
+                    <a:bodyPr/>
+                    <a:lstStyle/>
+                    <a:p>
+                      <a:endParaRPr lang="th-TH" sz="2400">
+                        <a:latin typeface="TH Sarabun New" panose="020B0500040200020003" pitchFamily="34" charset="-34"/>
+                        <a:cs typeface="TH Sarabun New" panose="020B0500040200020003" pitchFamily="34" charset="-34"/>
+                      </a:endParaRPr>
+                    </a:p>
+                  </a:txBody>
+                  <a:tcPr marL="77685" marR="77685" marT="38843" marB="38843"/>
+                </a:tc>
+                <a:tc>
+                  <a:txBody>
+                    <a:bodyPr/>
+                    <a:lstStyle/>
+                    <a:p>
+                      <a:r>
+                        <a:rPr lang="en-US" sz="2400" dirty="0">
+                          <a:latin typeface="TH Sarabun New" panose="020B0500040200020003" pitchFamily="34" charset="-34"/>
+                          <a:cs typeface="TH Sarabun New" panose="020B0500040200020003" pitchFamily="34" charset="-34"/>
+                        </a:rPr>
+                        <a:t>…</a:t>
+                      </a:r>
+                      <a:endParaRPr lang="th-TH" sz="2400" dirty="0">
+                        <a:latin typeface="TH Sarabun New" panose="020B0500040200020003" pitchFamily="34" charset="-34"/>
+                        <a:cs typeface="TH Sarabun New" panose="020B0500040200020003" pitchFamily="34" charset="-34"/>
+                      </a:endParaRPr>
+                    </a:p>
+                  </a:txBody>
+                  <a:tcPr marL="77685" marR="77685" marT="38843" marB="38843"/>
+                </a:tc>
+                <a:extLst>
+                  <a:ext uri="{0D108BD9-81ED-4DB2-BD59-A6C34878D82A}">
+                    <a16:rowId xmlns:a16="http://schemas.microsoft.com/office/drawing/2014/main" val="3929947896"/>
+                  </a:ext>
+                </a:extLst>
+              </a:tr>
+              <a:tr h="440217">
+                <a:tc>
+                  <a:txBody>
+                    <a:bodyPr/>
+                    <a:lstStyle/>
+                    <a:p>
+                      <a:r>
+                        <a:rPr lang="en-US" sz="2400" dirty="0">
+                          <a:latin typeface="TH Sarabun New" panose="020B0500040200020003" pitchFamily="34" charset="-34"/>
+                          <a:cs typeface="TH Sarabun New" panose="020B0500040200020003" pitchFamily="34" charset="-34"/>
+                        </a:rPr>
+                        <a:t>FK</a:t>
+                      </a:r>
+                      <a:endParaRPr lang="th-TH" sz="2400" dirty="0">
+                        <a:latin typeface="TH Sarabun New" panose="020B0500040200020003" pitchFamily="34" charset="-34"/>
+                        <a:cs typeface="TH Sarabun New" panose="020B0500040200020003" pitchFamily="34" charset="-34"/>
+                      </a:endParaRPr>
+                    </a:p>
+                  </a:txBody>
+                  <a:tcPr marL="77685" marR="77685" marT="38843" marB="38843"/>
+                </a:tc>
+                <a:tc>
+                  <a:txBody>
+                    <a:bodyPr/>
+                    <a:lstStyle/>
+                    <a:p>
+                      <a:r>
+                        <a:rPr lang="en-US" sz="2400" dirty="0">
+                          <a:latin typeface="TH Sarabun New" panose="020B0500040200020003" pitchFamily="34" charset="-34"/>
+                          <a:cs typeface="TH Sarabun New" panose="020B0500040200020003" pitchFamily="34" charset="-34"/>
+                        </a:rPr>
+                        <a:t>user_id</a:t>
+                      </a:r>
+                      <a:endParaRPr lang="th-TH" sz="2400" dirty="0">
+                        <a:latin typeface="TH Sarabun New" panose="020B0500040200020003" pitchFamily="34" charset="-34"/>
+                        <a:cs typeface="TH Sarabun New" panose="020B0500040200020003" pitchFamily="34" charset="-34"/>
+                      </a:endParaRPr>
+                    </a:p>
+                  </a:txBody>
+                  <a:tcPr marL="77685" marR="77685" marT="38843" marB="38843"/>
+                </a:tc>
+                <a:extLst>
+                  <a:ext uri="{0D108BD9-81ED-4DB2-BD59-A6C34878D82A}">
+                    <a16:rowId xmlns:a16="http://schemas.microsoft.com/office/drawing/2014/main" val="1192829677"/>
+                  </a:ext>
+                </a:extLst>
+              </a:tr>
+            </a:tbl>
+          </a:graphicData>
+        </a:graphic>
+      </p:graphicFrame>
+      <p:graphicFrame>
+        <p:nvGraphicFramePr>
+          <p:cNvPr id="7" name="Table 6">
+            <a:extLst>
+              <a:ext uri="{FF2B5EF4-FFF2-40B4-BE49-F238E27FC236}">
+                <a16:creationId xmlns:a16="http://schemas.microsoft.com/office/drawing/2014/main" id="{E66EFC0C-4FFC-4828-B92F-53D00198F92C}"/>
+              </a:ext>
+            </a:extLst>
+          </p:cNvPr>
+          <p:cNvGraphicFramePr>
+            <a:graphicFrameLocks noGrp="1"/>
+          </p:cNvGraphicFramePr>
+          <p:nvPr>
+            <p:extLst>
+              <p:ext uri="{D42A27DB-BD31-4B8C-83A1-F6EECF244321}">
+                <p14:modId xmlns:p14="http://schemas.microsoft.com/office/powerpoint/2010/main" val="210259386"/>
+              </p:ext>
+            </p:extLst>
+          </p:nvPr>
+        </p:nvGraphicFramePr>
+        <p:xfrm>
+          <a:off x="523852" y="3580327"/>
+          <a:ext cx="2188098" cy="2660676"/>
+        </p:xfrm>
+        <a:graphic>
+          <a:graphicData uri="http://schemas.openxmlformats.org/drawingml/2006/table">
+            <a:tbl>
+              <a:tblPr firstRow="1" bandRow="1">
+                <a:tableStyleId>{5C22544A-7EE6-4342-B048-85BDC9FD1C3A}</a:tableStyleId>
+              </a:tblPr>
+              <a:tblGrid>
+                <a:gridCol w="657016">
+                  <a:extLst>
+                    <a:ext uri="{9D8B030D-6E8A-4147-A177-3AD203B41FA5}">
+                      <a16:colId xmlns:a16="http://schemas.microsoft.com/office/drawing/2014/main" val="3516669025"/>
+                    </a:ext>
+                  </a:extLst>
+                </a:gridCol>
+                <a:gridCol w="1531082">
+                  <a:extLst>
+                    <a:ext uri="{9D8B030D-6E8A-4147-A177-3AD203B41FA5}">
+                      <a16:colId xmlns:a16="http://schemas.microsoft.com/office/drawing/2014/main" val="3104348148"/>
+                    </a:ext>
+                  </a:extLst>
+                </a:gridCol>
+              </a:tblGrid>
+              <a:tr h="440217">
+                <a:tc gridSpan="2">
+                  <a:txBody>
+                    <a:bodyPr/>
+                    <a:lstStyle/>
+                    <a:p>
+                      <a:pPr algn="ctr"/>
+                      <a:r>
+                        <a:rPr lang="en-US" sz="2400" b="0" kern="1200" dirty="0">
+                          <a:solidFill>
+                            <a:schemeClr val="lt1"/>
+                          </a:solidFill>
+                          <a:effectLst/>
+                          <a:latin typeface="TH Sarabun New" panose="020B0500040200020003" pitchFamily="34" charset="-34"/>
+                          <a:ea typeface="+mn-ea"/>
+                          <a:cs typeface="TH Sarabun New" panose="020B0500040200020003" pitchFamily="34" charset="-34"/>
+                        </a:rPr>
+                        <a:t>provinces</a:t>
+                      </a:r>
+                      <a:endParaRPr lang="th-TH" sz="2400" b="0" dirty="0">
+                        <a:latin typeface="TH Sarabun New" panose="020B0500040200020003" pitchFamily="34" charset="-34"/>
+                        <a:cs typeface="TH Sarabun New" panose="020B0500040200020003" pitchFamily="34" charset="-34"/>
+                      </a:endParaRPr>
+                    </a:p>
+                  </a:txBody>
+                  <a:tcPr marL="77685" marR="77685" marT="38843" marB="38843"/>
+                </a:tc>
+                <a:tc hMerge="1">
+                  <a:txBody>
+                    <a:bodyPr/>
+                    <a:lstStyle/>
+                    <a:p>
+                      <a:endParaRPr lang="th-TH" dirty="0"/>
+                    </a:p>
+                  </a:txBody>
+                  <a:tcPr/>
+                </a:tc>
+                <a:extLst>
+                  <a:ext uri="{0D108BD9-81ED-4DB2-BD59-A6C34878D82A}">
+                    <a16:rowId xmlns:a16="http://schemas.microsoft.com/office/drawing/2014/main" val="317691646"/>
+                  </a:ext>
+                </a:extLst>
+              </a:tr>
+              <a:tr h="440217">
+                <a:tc>
+                  <a:txBody>
+                    <a:bodyPr/>
+                    <a:lstStyle/>
+                    <a:p>
+                      <a:r>
+                        <a:rPr lang="en-US" sz="2400" dirty="0">
+                          <a:latin typeface="TH Sarabun New" panose="020B0500040200020003" pitchFamily="34" charset="-34"/>
+                          <a:cs typeface="TH Sarabun New" panose="020B0500040200020003" pitchFamily="34" charset="-34"/>
+                        </a:rPr>
+                        <a:t>PK</a:t>
+                      </a:r>
+                      <a:endParaRPr lang="th-TH" sz="2400" dirty="0">
+                        <a:latin typeface="TH Sarabun New" panose="020B0500040200020003" pitchFamily="34" charset="-34"/>
+                        <a:cs typeface="TH Sarabun New" panose="020B0500040200020003" pitchFamily="34" charset="-34"/>
+                      </a:endParaRPr>
+                    </a:p>
+                  </a:txBody>
+                  <a:tcPr marL="77685" marR="77685" marT="38843" marB="38843"/>
+                </a:tc>
+                <a:tc>
+                  <a:txBody>
+                    <a:bodyPr/>
+                    <a:lstStyle/>
+                    <a:p>
+                      <a:r>
+                        <a:rPr lang="en-US" sz="2400" dirty="0">
+                          <a:latin typeface="TH Sarabun New" panose="020B0500040200020003" pitchFamily="34" charset="-34"/>
+                          <a:cs typeface="TH Sarabun New" panose="020B0500040200020003" pitchFamily="34" charset="-34"/>
+                        </a:rPr>
+                        <a:t>provinces_id</a:t>
+                      </a:r>
+                      <a:endParaRPr lang="th-TH" sz="2400" dirty="0">
+                        <a:latin typeface="TH Sarabun New" panose="020B0500040200020003" pitchFamily="34" charset="-34"/>
+                        <a:cs typeface="TH Sarabun New" panose="020B0500040200020003" pitchFamily="34" charset="-34"/>
+                      </a:endParaRPr>
+                    </a:p>
+                  </a:txBody>
+                  <a:tcPr marL="77685" marR="77685" marT="38843" marB="38843"/>
+                </a:tc>
+                <a:extLst>
+                  <a:ext uri="{0D108BD9-81ED-4DB2-BD59-A6C34878D82A}">
+                    <a16:rowId xmlns:a16="http://schemas.microsoft.com/office/drawing/2014/main" val="3554060621"/>
+                  </a:ext>
+                </a:extLst>
+              </a:tr>
+              <a:tr h="440217">
+                <a:tc>
+                  <a:txBody>
+                    <a:bodyPr/>
+                    <a:lstStyle/>
+                    <a:p>
+                      <a:endParaRPr lang="th-TH" sz="2400">
+                        <a:latin typeface="TH Sarabun New" panose="020B0500040200020003" pitchFamily="34" charset="-34"/>
+                        <a:cs typeface="TH Sarabun New" panose="020B0500040200020003" pitchFamily="34" charset="-34"/>
+                      </a:endParaRPr>
+                    </a:p>
+                  </a:txBody>
+                  <a:tcPr marL="77685" marR="77685" marT="38843" marB="38843"/>
+                </a:tc>
+                <a:tc>
+                  <a:txBody>
+                    <a:bodyPr/>
+                    <a:lstStyle/>
+                    <a:p>
+                      <a:r>
+                        <a:rPr lang="en-US" sz="2400" kern="1200" dirty="0">
+                          <a:solidFill>
+                            <a:schemeClr val="dk1"/>
+                          </a:solidFill>
+                          <a:effectLst/>
+                          <a:latin typeface="TH Sarabun New" panose="020B0500040200020003" pitchFamily="34" charset="-34"/>
+                          <a:ea typeface="+mn-ea"/>
+                          <a:cs typeface="TH Sarabun New" panose="020B0500040200020003" pitchFamily="34" charset="-34"/>
+                        </a:rPr>
+                        <a:t>district</a:t>
+                      </a:r>
+                      <a:endParaRPr lang="th-TH" sz="2000" dirty="0">
+                        <a:latin typeface="TH Sarabun New" panose="020B0500040200020003" pitchFamily="34" charset="-34"/>
+                        <a:cs typeface="TH Sarabun New" panose="020B0500040200020003" pitchFamily="34" charset="-34"/>
+                      </a:endParaRPr>
+                    </a:p>
+                  </a:txBody>
+                  <a:tcPr marL="77685" marR="77685" marT="38843" marB="38843"/>
+                </a:tc>
+                <a:extLst>
+                  <a:ext uri="{0D108BD9-81ED-4DB2-BD59-A6C34878D82A}">
+                    <a16:rowId xmlns:a16="http://schemas.microsoft.com/office/drawing/2014/main" val="4081920128"/>
+                  </a:ext>
+                </a:extLst>
+              </a:tr>
+              <a:tr h="440217">
+                <a:tc>
+                  <a:txBody>
+                    <a:bodyPr/>
+                    <a:lstStyle/>
+                    <a:p>
+                      <a:endParaRPr lang="th-TH" sz="2400">
+                        <a:latin typeface="TH Sarabun New" panose="020B0500040200020003" pitchFamily="34" charset="-34"/>
+                        <a:cs typeface="TH Sarabun New" panose="020B0500040200020003" pitchFamily="34" charset="-34"/>
+                      </a:endParaRPr>
+                    </a:p>
+                  </a:txBody>
+                  <a:tcPr marL="77685" marR="77685" marT="38843" marB="38843"/>
+                </a:tc>
+                <a:tc>
+                  <a:txBody>
+                    <a:bodyPr/>
+                    <a:lstStyle/>
+                    <a:p>
+                      <a:r>
+                        <a:rPr lang="en-US" sz="2400" dirty="0">
+                          <a:latin typeface="TH Sarabun New" panose="020B0500040200020003" pitchFamily="34" charset="-34"/>
+                          <a:cs typeface="TH Sarabun New" panose="020B0500040200020003" pitchFamily="34" charset="-34"/>
+                        </a:rPr>
+                        <a:t>amphoe</a:t>
+                      </a:r>
+                      <a:endParaRPr lang="th-TH" sz="2400" dirty="0">
+                        <a:latin typeface="TH Sarabun New" panose="020B0500040200020003" pitchFamily="34" charset="-34"/>
+                        <a:cs typeface="TH Sarabun New" panose="020B0500040200020003" pitchFamily="34" charset="-34"/>
+                      </a:endParaRPr>
+                    </a:p>
+                  </a:txBody>
+                  <a:tcPr marL="77685" marR="77685" marT="38843" marB="38843"/>
+                </a:tc>
+                <a:extLst>
+                  <a:ext uri="{0D108BD9-81ED-4DB2-BD59-A6C34878D82A}">
+                    <a16:rowId xmlns:a16="http://schemas.microsoft.com/office/drawing/2014/main" val="1371505475"/>
+                  </a:ext>
+                </a:extLst>
+              </a:tr>
+              <a:tr h="440217">
+                <a:tc>
+                  <a:txBody>
+                    <a:bodyPr/>
+                    <a:lstStyle/>
+                    <a:p>
+                      <a:endParaRPr lang="th-TH" sz="2400">
+                        <a:latin typeface="TH Sarabun New" panose="020B0500040200020003" pitchFamily="34" charset="-34"/>
+                        <a:cs typeface="TH Sarabun New" panose="020B0500040200020003" pitchFamily="34" charset="-34"/>
+                      </a:endParaRPr>
+                    </a:p>
+                  </a:txBody>
+                  <a:tcPr marL="77685" marR="77685" marT="38843" marB="38843"/>
+                </a:tc>
+                <a:tc>
+                  <a:txBody>
+                    <a:bodyPr/>
+                    <a:lstStyle/>
+                    <a:p>
+                      <a:r>
+                        <a:rPr lang="en-US" sz="2400" dirty="0">
+                          <a:latin typeface="TH Sarabun New" panose="020B0500040200020003" pitchFamily="34" charset="-34"/>
+                          <a:cs typeface="TH Sarabun New" panose="020B0500040200020003" pitchFamily="34" charset="-34"/>
+                        </a:rPr>
+                        <a:t>province</a:t>
+                      </a:r>
+                      <a:endParaRPr lang="th-TH" sz="2400" dirty="0">
+                        <a:latin typeface="TH Sarabun New" panose="020B0500040200020003" pitchFamily="34" charset="-34"/>
+                        <a:cs typeface="TH Sarabun New" panose="020B0500040200020003" pitchFamily="34" charset="-34"/>
+                      </a:endParaRPr>
+                    </a:p>
+                  </a:txBody>
+                  <a:tcPr marL="77685" marR="77685" marT="38843" marB="38843"/>
+                </a:tc>
+                <a:extLst>
+                  <a:ext uri="{0D108BD9-81ED-4DB2-BD59-A6C34878D82A}">
+                    <a16:rowId xmlns:a16="http://schemas.microsoft.com/office/drawing/2014/main" val="1262127286"/>
+                  </a:ext>
+                </a:extLst>
+              </a:tr>
+              <a:tr h="440217">
+                <a:tc>
+                  <a:txBody>
+                    <a:bodyPr/>
+                    <a:lstStyle/>
+                    <a:p>
+                      <a:endParaRPr lang="th-TH" sz="2400">
+                        <a:latin typeface="TH Sarabun New" panose="020B0500040200020003" pitchFamily="34" charset="-34"/>
+                        <a:cs typeface="TH Sarabun New" panose="020B0500040200020003" pitchFamily="34" charset="-34"/>
+                      </a:endParaRPr>
+                    </a:p>
+                  </a:txBody>
+                  <a:tcPr marL="77685" marR="77685" marT="38843" marB="38843"/>
+                </a:tc>
+                <a:tc>
+                  <a:txBody>
+                    <a:bodyPr/>
+                    <a:lstStyle/>
+                    <a:p>
+                      <a:r>
+                        <a:rPr lang="en-US" sz="2400" dirty="0">
+                          <a:latin typeface="TH Sarabun New" panose="020B0500040200020003" pitchFamily="34" charset="-34"/>
+                          <a:cs typeface="TH Sarabun New" panose="020B0500040200020003" pitchFamily="34" charset="-34"/>
+                        </a:rPr>
+                        <a:t>zipcode</a:t>
+                      </a:r>
+                      <a:endParaRPr lang="th-TH" sz="2400" dirty="0">
+                        <a:latin typeface="TH Sarabun New" panose="020B0500040200020003" pitchFamily="34" charset="-34"/>
+                        <a:cs typeface="TH Sarabun New" panose="020B0500040200020003" pitchFamily="34" charset="-34"/>
+                      </a:endParaRPr>
+                    </a:p>
+                  </a:txBody>
+                  <a:tcPr marL="77685" marR="77685" marT="38843" marB="38843"/>
+                </a:tc>
+                <a:extLst>
+                  <a:ext uri="{0D108BD9-81ED-4DB2-BD59-A6C34878D82A}">
+                    <a16:rowId xmlns:a16="http://schemas.microsoft.com/office/drawing/2014/main" val="3929947896"/>
+                  </a:ext>
+                </a:extLst>
+              </a:tr>
+            </a:tbl>
+          </a:graphicData>
+        </a:graphic>
+      </p:graphicFrame>
+      <p:graphicFrame>
+        <p:nvGraphicFramePr>
+          <p:cNvPr id="8" name="Table 7">
+            <a:extLst>
+              <a:ext uri="{FF2B5EF4-FFF2-40B4-BE49-F238E27FC236}">
+                <a16:creationId xmlns:a16="http://schemas.microsoft.com/office/drawing/2014/main" id="{53B81C9E-76AE-4BBA-841C-87FC73F29F58}"/>
+              </a:ext>
+            </a:extLst>
+          </p:cNvPr>
+          <p:cNvGraphicFramePr>
+            <a:graphicFrameLocks noGrp="1"/>
+          </p:cNvGraphicFramePr>
+          <p:nvPr>
+            <p:extLst>
+              <p:ext uri="{D42A27DB-BD31-4B8C-83A1-F6EECF244321}">
+                <p14:modId xmlns:p14="http://schemas.microsoft.com/office/powerpoint/2010/main" val="3911846710"/>
+              </p:ext>
+            </p:extLst>
+          </p:nvPr>
+        </p:nvGraphicFramePr>
+        <p:xfrm>
+          <a:off x="135454" y="178523"/>
+          <a:ext cx="2964894" cy="3104122"/>
+        </p:xfrm>
+        <a:graphic>
+          <a:graphicData uri="http://schemas.openxmlformats.org/drawingml/2006/table">
+            <a:tbl>
+              <a:tblPr firstRow="1" bandRow="1">
+                <a:tableStyleId>{5C22544A-7EE6-4342-B048-85BDC9FD1C3A}</a:tableStyleId>
+              </a:tblPr>
+              <a:tblGrid>
+                <a:gridCol w="890263">
+                  <a:extLst>
+                    <a:ext uri="{9D8B030D-6E8A-4147-A177-3AD203B41FA5}">
+                      <a16:colId xmlns:a16="http://schemas.microsoft.com/office/drawing/2014/main" val="3516669025"/>
+                    </a:ext>
+                  </a:extLst>
+                </a:gridCol>
+                <a:gridCol w="2074631">
+                  <a:extLst>
+                    <a:ext uri="{9D8B030D-6E8A-4147-A177-3AD203B41FA5}">
+                      <a16:colId xmlns:a16="http://schemas.microsoft.com/office/drawing/2014/main" val="3104348148"/>
+                    </a:ext>
+                  </a:extLst>
+                </a:gridCol>
+              </a:tblGrid>
+              <a:tr h="440217">
+                <a:tc gridSpan="2">
+                  <a:txBody>
+                    <a:bodyPr/>
+                    <a:lstStyle/>
+                    <a:p>
+                      <a:pPr algn="ctr"/>
+                      <a:r>
+                        <a:rPr lang="en-US" sz="2400" b="0" kern="1200" dirty="0">
+                          <a:solidFill>
+                            <a:schemeClr val="lt1"/>
+                          </a:solidFill>
+                          <a:effectLst/>
+                          <a:latin typeface="TH Sarabun New" panose="020B0500040200020003" pitchFamily="34" charset="-34"/>
+                          <a:ea typeface="+mn-ea"/>
+                          <a:cs typeface="TH Sarabun New" panose="020B0500040200020003" pitchFamily="34" charset="-34"/>
+                        </a:rPr>
+                        <a:t>register_cars</a:t>
+                      </a:r>
+                      <a:endParaRPr lang="th-TH" sz="2400" b="0" dirty="0">
+                        <a:latin typeface="TH Sarabun New" panose="020B0500040200020003" pitchFamily="34" charset="-34"/>
+                        <a:cs typeface="TH Sarabun New" panose="020B0500040200020003" pitchFamily="34" charset="-34"/>
+                      </a:endParaRPr>
+                    </a:p>
+                  </a:txBody>
+                  <a:tcPr marL="77685" marR="77685" marT="38843" marB="38843"/>
+                </a:tc>
+                <a:tc hMerge="1">
+                  <a:txBody>
+                    <a:bodyPr/>
+                    <a:lstStyle/>
+                    <a:p>
+                      <a:endParaRPr lang="th-TH" dirty="0"/>
+                    </a:p>
+                  </a:txBody>
+                  <a:tcPr/>
+                </a:tc>
+                <a:extLst>
+                  <a:ext uri="{0D108BD9-81ED-4DB2-BD59-A6C34878D82A}">
+                    <a16:rowId xmlns:a16="http://schemas.microsoft.com/office/drawing/2014/main" val="317691646"/>
+                  </a:ext>
+                </a:extLst>
+              </a:tr>
+              <a:tr h="440217">
+                <a:tc>
+                  <a:txBody>
+                    <a:bodyPr/>
+                    <a:lstStyle/>
+                    <a:p>
+                      <a:r>
+                        <a:rPr lang="en-US" sz="2400" dirty="0">
+                          <a:latin typeface="TH Sarabun New" panose="020B0500040200020003" pitchFamily="34" charset="-34"/>
+                          <a:cs typeface="TH Sarabun New" panose="020B0500040200020003" pitchFamily="34" charset="-34"/>
+                        </a:rPr>
+                        <a:t>PK</a:t>
+                      </a:r>
+                      <a:endParaRPr lang="th-TH" sz="2400" dirty="0">
+                        <a:latin typeface="TH Sarabun New" panose="020B0500040200020003" pitchFamily="34" charset="-34"/>
+                        <a:cs typeface="TH Sarabun New" panose="020B0500040200020003" pitchFamily="34" charset="-34"/>
+                      </a:endParaRPr>
+                    </a:p>
+                  </a:txBody>
+                  <a:tcPr marL="77685" marR="77685" marT="38843" marB="38843"/>
+                </a:tc>
+                <a:tc>
+                  <a:txBody>
+                    <a:bodyPr/>
+                    <a:lstStyle/>
+                    <a:p>
+                      <a:pPr marL="0" marR="0" algn="l">
+                        <a:lnSpc>
+                          <a:spcPct val="107000"/>
+                        </a:lnSpc>
+                        <a:spcBef>
+                          <a:spcPts val="0"/>
+                        </a:spcBef>
+                        <a:spcAft>
+                          <a:spcPts val="0"/>
+                        </a:spcAft>
+                        <a:tabLst>
+                          <a:tab pos="285750" algn="l"/>
+                          <a:tab pos="571500" algn="l"/>
+                        </a:tabLst>
+                      </a:pPr>
+                      <a:r>
+                        <a:rPr lang="en-US" sz="2400" dirty="0">
+                          <a:effectLst/>
+                          <a:latin typeface="TH Sarabun New" panose="020B0500040200020003" pitchFamily="34" charset="-34"/>
+                          <a:ea typeface="Calibri" panose="020F0502020204030204" pitchFamily="34" charset="0"/>
+                          <a:cs typeface="Cordia New" panose="020B0304020202020204" pitchFamily="34" charset="-34"/>
+                        </a:rPr>
+                        <a:t>register_cars_id</a:t>
+                      </a:r>
+                      <a:endParaRPr lang="en-US" sz="1600" dirty="0">
+                        <a:effectLst/>
+                        <a:latin typeface="Calibri" panose="020F0502020204030204" pitchFamily="34" charset="0"/>
+                        <a:ea typeface="Calibri" panose="020F0502020204030204" pitchFamily="34" charset="0"/>
+                        <a:cs typeface="Cordia New" panose="020B0304020202020204" pitchFamily="34" charset="-34"/>
+                      </a:endParaRPr>
+                    </a:p>
+                  </a:txBody>
+                  <a:tcPr marL="68580" marR="68580" marT="0" marB="0"/>
+                </a:tc>
+                <a:extLst>
+                  <a:ext uri="{0D108BD9-81ED-4DB2-BD59-A6C34878D82A}">
+                    <a16:rowId xmlns:a16="http://schemas.microsoft.com/office/drawing/2014/main" val="3554060621"/>
+                  </a:ext>
+                </a:extLst>
+              </a:tr>
+              <a:tr h="440217">
+                <a:tc>
+                  <a:txBody>
+                    <a:bodyPr/>
+                    <a:lstStyle/>
+                    <a:p>
+                      <a:endParaRPr lang="th-TH" sz="2400">
+                        <a:latin typeface="TH Sarabun New" panose="020B0500040200020003" pitchFamily="34" charset="-34"/>
+                        <a:cs typeface="TH Sarabun New" panose="020B0500040200020003" pitchFamily="34" charset="-34"/>
+                      </a:endParaRPr>
+                    </a:p>
+                  </a:txBody>
+                  <a:tcPr marL="77685" marR="77685" marT="38843" marB="38843"/>
+                </a:tc>
+                <a:tc>
+                  <a:txBody>
+                    <a:bodyPr/>
+                    <a:lstStyle/>
+                    <a:p>
+                      <a:r>
+                        <a:rPr lang="en-US" sz="2400" dirty="0">
+                          <a:latin typeface="TH Sarabun New" panose="020B0500040200020003" pitchFamily="34" charset="-34"/>
+                          <a:cs typeface="TH Sarabun New" panose="020B0500040200020003" pitchFamily="34" charset="-34"/>
+                        </a:rPr>
+                        <a:t>brand</a:t>
+                      </a:r>
+                      <a:endParaRPr lang="th-TH" sz="2400" dirty="0">
+                        <a:latin typeface="TH Sarabun New" panose="020B0500040200020003" pitchFamily="34" charset="-34"/>
+                        <a:cs typeface="TH Sarabun New" panose="020B0500040200020003" pitchFamily="34" charset="-34"/>
+                      </a:endParaRPr>
+                    </a:p>
+                  </a:txBody>
+                  <a:tcPr marL="77685" marR="77685" marT="38843" marB="38843"/>
+                </a:tc>
+                <a:extLst>
+                  <a:ext uri="{0D108BD9-81ED-4DB2-BD59-A6C34878D82A}">
+                    <a16:rowId xmlns:a16="http://schemas.microsoft.com/office/drawing/2014/main" val="4081920128"/>
+                  </a:ext>
+                </a:extLst>
+              </a:tr>
+              <a:tr h="440217">
+                <a:tc>
+                  <a:txBody>
+                    <a:bodyPr/>
+                    <a:lstStyle/>
+                    <a:p>
+                      <a:endParaRPr lang="th-TH" sz="2400">
+                        <a:latin typeface="TH Sarabun New" panose="020B0500040200020003" pitchFamily="34" charset="-34"/>
+                        <a:cs typeface="TH Sarabun New" panose="020B0500040200020003" pitchFamily="34" charset="-34"/>
+                      </a:endParaRPr>
+                    </a:p>
+                  </a:txBody>
+                  <a:tcPr marL="77685" marR="77685" marT="38843" marB="38843"/>
+                </a:tc>
+                <a:tc>
+                  <a:txBody>
+                    <a:bodyPr/>
+                    <a:lstStyle/>
+                    <a:p>
+                      <a:r>
+                        <a:rPr lang="en-US" sz="2400" dirty="0">
+                          <a:latin typeface="TH Sarabun New" panose="020B0500040200020003" pitchFamily="34" charset="-34"/>
+                          <a:cs typeface="TH Sarabun New" panose="020B0500040200020003" pitchFamily="34" charset="-34"/>
+                        </a:rPr>
+                        <a:t>generation</a:t>
+                      </a:r>
+                      <a:endParaRPr lang="th-TH" sz="2400" dirty="0">
+                        <a:latin typeface="TH Sarabun New" panose="020B0500040200020003" pitchFamily="34" charset="-34"/>
+                        <a:cs typeface="TH Sarabun New" panose="020B0500040200020003" pitchFamily="34" charset="-34"/>
+                      </a:endParaRPr>
+                    </a:p>
+                  </a:txBody>
+                  <a:tcPr marL="77685" marR="77685" marT="38843" marB="38843"/>
+                </a:tc>
+                <a:extLst>
+                  <a:ext uri="{0D108BD9-81ED-4DB2-BD59-A6C34878D82A}">
+                    <a16:rowId xmlns:a16="http://schemas.microsoft.com/office/drawing/2014/main" val="1371505475"/>
+                  </a:ext>
+                </a:extLst>
+              </a:tr>
+              <a:tr h="440217">
+                <a:tc>
+                  <a:txBody>
+                    <a:bodyPr/>
+                    <a:lstStyle/>
+                    <a:p>
+                      <a:endParaRPr lang="th-TH" sz="2400" dirty="0">
+                        <a:latin typeface="TH Sarabun New" panose="020B0500040200020003" pitchFamily="34" charset="-34"/>
+                        <a:cs typeface="TH Sarabun New" panose="020B0500040200020003" pitchFamily="34" charset="-34"/>
+                      </a:endParaRPr>
+                    </a:p>
+                  </a:txBody>
+                  <a:tcPr marL="77685" marR="77685" marT="38843" marB="38843"/>
+                </a:tc>
+                <a:tc>
+                  <a:txBody>
+                    <a:bodyPr/>
+                    <a:lstStyle/>
+                    <a:p>
+                      <a:r>
+                        <a:rPr lang="en-US" sz="2400" dirty="0">
+                          <a:latin typeface="TH Sarabun New" panose="020B0500040200020003" pitchFamily="34" charset="-34"/>
+                          <a:cs typeface="TH Sarabun New" panose="020B0500040200020003" pitchFamily="34" charset="-34"/>
+                        </a:rPr>
+                        <a:t>registration_number</a:t>
+                      </a:r>
+                      <a:endParaRPr lang="th-TH" sz="2400" dirty="0">
+                        <a:latin typeface="TH Sarabun New" panose="020B0500040200020003" pitchFamily="34" charset="-34"/>
+                        <a:cs typeface="TH Sarabun New" panose="020B0500040200020003" pitchFamily="34" charset="-34"/>
+                      </a:endParaRPr>
+                    </a:p>
+                  </a:txBody>
+                  <a:tcPr marL="77685" marR="77685" marT="38843" marB="38843"/>
+                </a:tc>
+                <a:extLst>
+                  <a:ext uri="{0D108BD9-81ED-4DB2-BD59-A6C34878D82A}">
+                    <a16:rowId xmlns:a16="http://schemas.microsoft.com/office/drawing/2014/main" val="1262127286"/>
+                  </a:ext>
+                </a:extLst>
+              </a:tr>
+              <a:tr h="440217">
+                <a:tc>
+                  <a:txBody>
+                    <a:bodyPr/>
+                    <a:lstStyle/>
+                    <a:p>
+                      <a:endParaRPr lang="th-TH" sz="2400">
+                        <a:latin typeface="TH Sarabun New" panose="020B0500040200020003" pitchFamily="34" charset="-34"/>
+                        <a:cs typeface="TH Sarabun New" panose="020B0500040200020003" pitchFamily="34" charset="-34"/>
+                      </a:endParaRPr>
+                    </a:p>
+                  </a:txBody>
+                  <a:tcPr marL="77685" marR="77685" marT="38843" marB="38843"/>
+                </a:tc>
+                <a:tc>
+                  <a:txBody>
+                    <a:bodyPr/>
+                    <a:lstStyle/>
+                    <a:p>
+                      <a:r>
+                        <a:rPr lang="en-US" sz="2400" dirty="0">
+                          <a:latin typeface="TH Sarabun New" panose="020B0500040200020003" pitchFamily="34" charset="-34"/>
+                          <a:cs typeface="TH Sarabun New" panose="020B0500040200020003" pitchFamily="34" charset="-34"/>
+                        </a:rPr>
+                        <a:t>…</a:t>
+                      </a:r>
+                      <a:endParaRPr lang="th-TH" sz="2400" dirty="0">
+                        <a:latin typeface="TH Sarabun New" panose="020B0500040200020003" pitchFamily="34" charset="-34"/>
+                        <a:cs typeface="TH Sarabun New" panose="020B0500040200020003" pitchFamily="34" charset="-34"/>
+                      </a:endParaRPr>
+                    </a:p>
+                  </a:txBody>
+                  <a:tcPr marL="77685" marR="77685" marT="38843" marB="38843"/>
+                </a:tc>
+                <a:extLst>
+                  <a:ext uri="{0D108BD9-81ED-4DB2-BD59-A6C34878D82A}">
+                    <a16:rowId xmlns:a16="http://schemas.microsoft.com/office/drawing/2014/main" val="3929947896"/>
+                  </a:ext>
+                </a:extLst>
+              </a:tr>
+              <a:tr h="440217">
+                <a:tc>
+                  <a:txBody>
+                    <a:bodyPr/>
+                    <a:lstStyle/>
+                    <a:p>
+                      <a:r>
+                        <a:rPr lang="en-US" sz="2400" dirty="0">
+                          <a:latin typeface="TH Sarabun New" panose="020B0500040200020003" pitchFamily="34" charset="-34"/>
+                          <a:cs typeface="TH Sarabun New" panose="020B0500040200020003" pitchFamily="34" charset="-34"/>
+                        </a:rPr>
+                        <a:t>FK</a:t>
+                      </a:r>
+                      <a:endParaRPr lang="th-TH" sz="2400" dirty="0">
+                        <a:latin typeface="TH Sarabun New" panose="020B0500040200020003" pitchFamily="34" charset="-34"/>
+                        <a:cs typeface="TH Sarabun New" panose="020B0500040200020003" pitchFamily="34" charset="-34"/>
+                      </a:endParaRPr>
+                    </a:p>
+                  </a:txBody>
+                  <a:tcPr marL="77685" marR="77685" marT="38843" marB="38843"/>
+                </a:tc>
+                <a:tc>
+                  <a:txBody>
+                    <a:bodyPr/>
+                    <a:lstStyle/>
+                    <a:p>
+                      <a:r>
+                        <a:rPr lang="en-US" sz="2400" dirty="0">
+                          <a:latin typeface="TH Sarabun New" panose="020B0500040200020003" pitchFamily="34" charset="-34"/>
+                          <a:cs typeface="TH Sarabun New" panose="020B0500040200020003" pitchFamily="34" charset="-34"/>
+                        </a:rPr>
+                        <a:t>user_id</a:t>
+                      </a:r>
+                      <a:endParaRPr lang="th-TH" sz="2400" dirty="0">
+                        <a:latin typeface="TH Sarabun New" panose="020B0500040200020003" pitchFamily="34" charset="-34"/>
+                        <a:cs typeface="TH Sarabun New" panose="020B0500040200020003" pitchFamily="34" charset="-34"/>
+                      </a:endParaRPr>
+                    </a:p>
+                  </a:txBody>
+                  <a:tcPr marL="77685" marR="77685" marT="38843" marB="38843"/>
+                </a:tc>
+                <a:extLst>
+                  <a:ext uri="{0D108BD9-81ED-4DB2-BD59-A6C34878D82A}">
+                    <a16:rowId xmlns:a16="http://schemas.microsoft.com/office/drawing/2014/main" val="1192829677"/>
+                  </a:ext>
+                </a:extLst>
+              </a:tr>
+            </a:tbl>
+          </a:graphicData>
+        </a:graphic>
+      </p:graphicFrame>
+      <p:graphicFrame>
+        <p:nvGraphicFramePr>
+          <p:cNvPr id="9" name="Table 8">
+            <a:extLst>
+              <a:ext uri="{FF2B5EF4-FFF2-40B4-BE49-F238E27FC236}">
+                <a16:creationId xmlns:a16="http://schemas.microsoft.com/office/drawing/2014/main" id="{CCA001AE-7E37-41BF-82CC-A8BC79D1086D}"/>
+              </a:ext>
+            </a:extLst>
+          </p:cNvPr>
+          <p:cNvGraphicFramePr>
+            <a:graphicFrameLocks noGrp="1"/>
+          </p:cNvGraphicFramePr>
+          <p:nvPr>
+            <p:extLst>
+              <p:ext uri="{D42A27DB-BD31-4B8C-83A1-F6EECF244321}">
+                <p14:modId xmlns:p14="http://schemas.microsoft.com/office/powerpoint/2010/main" val="3293343970"/>
+              </p:ext>
+            </p:extLst>
+          </p:nvPr>
+        </p:nvGraphicFramePr>
+        <p:xfrm>
+          <a:off x="8580328" y="3742700"/>
+          <a:ext cx="2667617" cy="2660676"/>
+        </p:xfrm>
+        <a:graphic>
+          <a:graphicData uri="http://schemas.openxmlformats.org/drawingml/2006/table">
+            <a:tbl>
+              <a:tblPr firstRow="1" bandRow="1">
+                <a:tableStyleId>{5C22544A-7EE6-4342-B048-85BDC9FD1C3A}</a:tableStyleId>
+              </a:tblPr>
+              <a:tblGrid>
+                <a:gridCol w="801000">
+                  <a:extLst>
+                    <a:ext uri="{9D8B030D-6E8A-4147-A177-3AD203B41FA5}">
+                      <a16:colId xmlns:a16="http://schemas.microsoft.com/office/drawing/2014/main" val="3516669025"/>
+                    </a:ext>
+                  </a:extLst>
+                </a:gridCol>
+                <a:gridCol w="1866617">
+                  <a:extLst>
+                    <a:ext uri="{9D8B030D-6E8A-4147-A177-3AD203B41FA5}">
+                      <a16:colId xmlns:a16="http://schemas.microsoft.com/office/drawing/2014/main" val="3104348148"/>
+                    </a:ext>
+                  </a:extLst>
+                </a:gridCol>
+              </a:tblGrid>
+              <a:tr h="440217">
+                <a:tc gridSpan="2">
+                  <a:txBody>
+                    <a:bodyPr/>
+                    <a:lstStyle/>
+                    <a:p>
+                      <a:pPr algn="ctr"/>
+                      <a:r>
+                        <a:rPr lang="en-US" sz="2400" b="0" kern="1200" dirty="0">
+                          <a:solidFill>
+                            <a:schemeClr val="lt1"/>
+                          </a:solidFill>
+                          <a:effectLst/>
+                          <a:latin typeface="TH Sarabun New" panose="020B0500040200020003" pitchFamily="34" charset="-34"/>
+                          <a:ea typeface="+mn-ea"/>
+                          <a:cs typeface="TH Sarabun New" panose="020B0500040200020003" pitchFamily="34" charset="-34"/>
+                        </a:rPr>
+                        <a:t>wishlists</a:t>
+                      </a:r>
+                      <a:endParaRPr lang="th-TH" sz="2400" b="0" dirty="0">
+                        <a:latin typeface="TH Sarabun New" panose="020B0500040200020003" pitchFamily="34" charset="-34"/>
+                        <a:cs typeface="TH Sarabun New" panose="020B0500040200020003" pitchFamily="34" charset="-34"/>
+                      </a:endParaRPr>
+                    </a:p>
+                  </a:txBody>
+                  <a:tcPr marL="77685" marR="77685" marT="38843" marB="38843"/>
+                </a:tc>
+                <a:tc hMerge="1">
+                  <a:txBody>
+                    <a:bodyPr/>
+                    <a:lstStyle/>
+                    <a:p>
+                      <a:endParaRPr lang="th-TH" dirty="0"/>
+                    </a:p>
+                  </a:txBody>
+                  <a:tcPr/>
+                </a:tc>
+                <a:extLst>
+                  <a:ext uri="{0D108BD9-81ED-4DB2-BD59-A6C34878D82A}">
+                    <a16:rowId xmlns:a16="http://schemas.microsoft.com/office/drawing/2014/main" val="317691646"/>
+                  </a:ext>
+                </a:extLst>
+              </a:tr>
+              <a:tr h="440217">
+                <a:tc>
+                  <a:txBody>
+                    <a:bodyPr/>
+                    <a:lstStyle/>
+                    <a:p>
+                      <a:r>
+                        <a:rPr lang="en-US" sz="2400" dirty="0">
+                          <a:latin typeface="TH Sarabun New" panose="020B0500040200020003" pitchFamily="34" charset="-34"/>
+                          <a:cs typeface="TH Sarabun New" panose="020B0500040200020003" pitchFamily="34" charset="-34"/>
+                        </a:rPr>
+                        <a:t>PK</a:t>
+                      </a:r>
+                      <a:endParaRPr lang="th-TH" sz="2400" dirty="0">
+                        <a:latin typeface="TH Sarabun New" panose="020B0500040200020003" pitchFamily="34" charset="-34"/>
+                        <a:cs typeface="TH Sarabun New" panose="020B0500040200020003" pitchFamily="34" charset="-34"/>
+                      </a:endParaRPr>
+                    </a:p>
+                  </a:txBody>
+                  <a:tcPr marL="77685" marR="77685" marT="38843" marB="38843"/>
+                </a:tc>
+                <a:tc>
+                  <a:txBody>
+                    <a:bodyPr/>
+                    <a:lstStyle/>
+                    <a:p>
+                      <a:r>
+                        <a:rPr lang="en-US" sz="2400" dirty="0">
+                          <a:latin typeface="TH Sarabun New" panose="020B0500040200020003" pitchFamily="34" charset="-34"/>
+                          <a:cs typeface="TH Sarabun New" panose="020B0500040200020003" pitchFamily="34" charset="-34"/>
+                        </a:rPr>
+                        <a:t>wishlists_id</a:t>
+                      </a:r>
+                      <a:endParaRPr lang="th-TH" sz="2400" dirty="0">
+                        <a:latin typeface="TH Sarabun New" panose="020B0500040200020003" pitchFamily="34" charset="-34"/>
+                        <a:cs typeface="TH Sarabun New" panose="020B0500040200020003" pitchFamily="34" charset="-34"/>
+                      </a:endParaRPr>
+                    </a:p>
+                  </a:txBody>
+                  <a:tcPr marL="77685" marR="77685" marT="38843" marB="38843"/>
+                </a:tc>
+                <a:extLst>
+                  <a:ext uri="{0D108BD9-81ED-4DB2-BD59-A6C34878D82A}">
+                    <a16:rowId xmlns:a16="http://schemas.microsoft.com/office/drawing/2014/main" val="3554060621"/>
+                  </a:ext>
+                </a:extLst>
+              </a:tr>
+              <a:tr h="440217">
+                <a:tc>
+                  <a:txBody>
+                    <a:bodyPr/>
+                    <a:lstStyle/>
+                    <a:p>
+                      <a:endParaRPr lang="th-TH" sz="2400">
+                        <a:latin typeface="TH Sarabun New" panose="020B0500040200020003" pitchFamily="34" charset="-34"/>
+                        <a:cs typeface="TH Sarabun New" panose="020B0500040200020003" pitchFamily="34" charset="-34"/>
+                      </a:endParaRPr>
+                    </a:p>
+                  </a:txBody>
+                  <a:tcPr marL="77685" marR="77685" marT="38843" marB="38843"/>
+                </a:tc>
+                <a:tc>
+                  <a:txBody>
+                    <a:bodyPr/>
+                    <a:lstStyle/>
+                    <a:p>
+                      <a:r>
+                        <a:rPr lang="en-US" sz="2400" kern="1200" dirty="0">
+                          <a:solidFill>
+                            <a:schemeClr val="dk1"/>
+                          </a:solidFill>
+                          <a:effectLst/>
+                          <a:latin typeface="TH Sarabun New" panose="020B0500040200020003" pitchFamily="34" charset="-34"/>
+                          <a:ea typeface="+mn-ea"/>
+                          <a:cs typeface="TH Sarabun New" panose="020B0500040200020003" pitchFamily="34" charset="-34"/>
+                        </a:rPr>
+                        <a:t>car_type</a:t>
+                      </a:r>
+                      <a:endParaRPr lang="th-TH" sz="2000" dirty="0">
+                        <a:latin typeface="TH Sarabun New" panose="020B0500040200020003" pitchFamily="34" charset="-34"/>
+                        <a:cs typeface="TH Sarabun New" panose="020B0500040200020003" pitchFamily="34" charset="-34"/>
+                      </a:endParaRPr>
+                    </a:p>
+                  </a:txBody>
+                  <a:tcPr marL="77685" marR="77685" marT="38843" marB="38843"/>
+                </a:tc>
+                <a:extLst>
+                  <a:ext uri="{0D108BD9-81ED-4DB2-BD59-A6C34878D82A}">
+                    <a16:rowId xmlns:a16="http://schemas.microsoft.com/office/drawing/2014/main" val="4081920128"/>
+                  </a:ext>
+                </a:extLst>
+              </a:tr>
+              <a:tr h="440217">
+                <a:tc>
+                  <a:txBody>
+                    <a:bodyPr/>
+                    <a:lstStyle/>
+                    <a:p>
+                      <a:pPr marL="0" marR="0" lvl="0" indent="0" algn="l" defTabSz="914400" rtl="0" eaLnBrk="1" fontAlgn="auto" latinLnBrk="0" hangingPunct="1">
+                        <a:lnSpc>
+                          <a:spcPct val="100000"/>
+                        </a:lnSpc>
+                        <a:spcBef>
+                          <a:spcPts val="0"/>
+                        </a:spcBef>
+                        <a:spcAft>
+                          <a:spcPts val="0"/>
+                        </a:spcAft>
+                        <a:buClrTx/>
+                        <a:buSzTx/>
+                        <a:buFontTx/>
+                        <a:buNone/>
+                        <a:tabLst/>
+                        <a:defRPr/>
+                      </a:pPr>
+                      <a:r>
+                        <a:rPr lang="en-US" sz="2400" dirty="0">
+                          <a:latin typeface="TH Sarabun New" panose="020B0500040200020003" pitchFamily="34" charset="-34"/>
+                          <a:cs typeface="TH Sarabun New" panose="020B0500040200020003" pitchFamily="34" charset="-34"/>
+                        </a:rPr>
+                        <a:t>FK</a:t>
+                      </a:r>
+                      <a:endParaRPr lang="th-TH" sz="2400" dirty="0">
+                        <a:latin typeface="TH Sarabun New" panose="020B0500040200020003" pitchFamily="34" charset="-34"/>
+                        <a:cs typeface="TH Sarabun New" panose="020B0500040200020003" pitchFamily="34" charset="-34"/>
+                      </a:endParaRPr>
+                    </a:p>
+                  </a:txBody>
+                  <a:tcPr marL="77685" marR="77685" marT="38843" marB="38843"/>
+                </a:tc>
+                <a:tc>
+                  <a:txBody>
+                    <a:bodyPr/>
+                    <a:lstStyle/>
+                    <a:p>
+                      <a:r>
+                        <a:rPr lang="en-US" sz="2400" dirty="0">
+                          <a:latin typeface="TH Sarabun New" panose="020B0500040200020003" pitchFamily="34" charset="-34"/>
+                          <a:cs typeface="TH Sarabun New" panose="020B0500040200020003" pitchFamily="34" charset="-34"/>
+                        </a:rPr>
+                        <a:t>producmoter_id</a:t>
+                      </a:r>
+                      <a:endParaRPr lang="th-TH" sz="2400" dirty="0">
+                        <a:latin typeface="TH Sarabun New" panose="020B0500040200020003" pitchFamily="34" charset="-34"/>
+                        <a:cs typeface="TH Sarabun New" panose="020B0500040200020003" pitchFamily="34" charset="-34"/>
+                      </a:endParaRPr>
+                    </a:p>
+                  </a:txBody>
+                  <a:tcPr marL="77685" marR="77685" marT="38843" marB="38843"/>
+                </a:tc>
+                <a:extLst>
+                  <a:ext uri="{0D108BD9-81ED-4DB2-BD59-A6C34878D82A}">
+                    <a16:rowId xmlns:a16="http://schemas.microsoft.com/office/drawing/2014/main" val="1371505475"/>
+                  </a:ext>
+                </a:extLst>
+              </a:tr>
+              <a:tr h="440217">
+                <a:tc>
+                  <a:txBody>
+                    <a:bodyPr/>
+                    <a:lstStyle/>
+                    <a:p>
+                      <a:pPr marL="0" marR="0" lvl="0" indent="0" algn="l" defTabSz="914400" rtl="0" eaLnBrk="1" fontAlgn="auto" latinLnBrk="0" hangingPunct="1">
+                        <a:lnSpc>
+                          <a:spcPct val="100000"/>
+                        </a:lnSpc>
+                        <a:spcBef>
+                          <a:spcPts val="0"/>
+                        </a:spcBef>
+                        <a:spcAft>
+                          <a:spcPts val="0"/>
+                        </a:spcAft>
+                        <a:buClrTx/>
+                        <a:buSzTx/>
+                        <a:buFontTx/>
+                        <a:buNone/>
+                        <a:tabLst/>
+                        <a:defRPr/>
+                      </a:pPr>
+                      <a:r>
+                        <a:rPr lang="en-US" sz="2400" dirty="0">
+                          <a:latin typeface="TH Sarabun New" panose="020B0500040200020003" pitchFamily="34" charset="-34"/>
+                          <a:cs typeface="TH Sarabun New" panose="020B0500040200020003" pitchFamily="34" charset="-34"/>
+                        </a:rPr>
+                        <a:t>FK</a:t>
+                      </a:r>
+                      <a:endParaRPr lang="th-TH" sz="2400" dirty="0">
+                        <a:latin typeface="TH Sarabun New" panose="020B0500040200020003" pitchFamily="34" charset="-34"/>
+                        <a:cs typeface="TH Sarabun New" panose="020B0500040200020003" pitchFamily="34" charset="-34"/>
+                      </a:endParaRPr>
+                    </a:p>
+                  </a:txBody>
+                  <a:tcPr marL="77685" marR="77685" marT="38843" marB="38843"/>
+                </a:tc>
+                <a:tc>
+                  <a:txBody>
+                    <a:bodyPr/>
+                    <a:lstStyle/>
+                    <a:p>
+                      <a:r>
+                        <a:rPr lang="en-US" sz="2400" dirty="0">
+                          <a:latin typeface="TH Sarabun New" panose="020B0500040200020003" pitchFamily="34" charset="-34"/>
+                          <a:cs typeface="TH Sarabun New" panose="020B0500040200020003" pitchFamily="34" charset="-34"/>
+                        </a:rPr>
+                        <a:t>product_id</a:t>
+                      </a:r>
+                      <a:endParaRPr lang="th-TH" sz="2400" dirty="0">
+                        <a:latin typeface="TH Sarabun New" panose="020B0500040200020003" pitchFamily="34" charset="-34"/>
+                        <a:cs typeface="TH Sarabun New" panose="020B0500040200020003" pitchFamily="34" charset="-34"/>
+                      </a:endParaRPr>
+                    </a:p>
+                  </a:txBody>
+                  <a:tcPr marL="77685" marR="77685" marT="38843" marB="38843"/>
+                </a:tc>
+                <a:extLst>
+                  <a:ext uri="{0D108BD9-81ED-4DB2-BD59-A6C34878D82A}">
+                    <a16:rowId xmlns:a16="http://schemas.microsoft.com/office/drawing/2014/main" val="1262127286"/>
+                  </a:ext>
+                </a:extLst>
+              </a:tr>
+              <a:tr h="440217">
+                <a:tc>
+                  <a:txBody>
+                    <a:bodyPr/>
+                    <a:lstStyle/>
+                    <a:p>
+                      <a:pPr marL="0" marR="0" lvl="0" indent="0" algn="l" defTabSz="914400" rtl="0" eaLnBrk="1" fontAlgn="auto" latinLnBrk="0" hangingPunct="1">
+                        <a:lnSpc>
+                          <a:spcPct val="100000"/>
+                        </a:lnSpc>
+                        <a:spcBef>
+                          <a:spcPts val="0"/>
+                        </a:spcBef>
+                        <a:spcAft>
+                          <a:spcPts val="0"/>
+                        </a:spcAft>
+                        <a:buClrTx/>
+                        <a:buSzTx/>
+                        <a:buFontTx/>
+                        <a:buNone/>
+                        <a:tabLst/>
+                        <a:defRPr/>
+                      </a:pPr>
+                      <a:r>
+                        <a:rPr lang="en-US" sz="2400" dirty="0">
+                          <a:latin typeface="TH Sarabun New" panose="020B0500040200020003" pitchFamily="34" charset="-34"/>
+                          <a:cs typeface="TH Sarabun New" panose="020B0500040200020003" pitchFamily="34" charset="-34"/>
+                        </a:rPr>
+                        <a:t>FK</a:t>
+                      </a:r>
+                      <a:endParaRPr lang="th-TH" sz="2400" dirty="0">
+                        <a:latin typeface="TH Sarabun New" panose="020B0500040200020003" pitchFamily="34" charset="-34"/>
+                        <a:cs typeface="TH Sarabun New" panose="020B0500040200020003" pitchFamily="34" charset="-34"/>
+                      </a:endParaRPr>
+                    </a:p>
+                  </a:txBody>
+                  <a:tcPr marL="77685" marR="77685" marT="38843" marB="38843"/>
+                </a:tc>
+                <a:tc>
+                  <a:txBody>
+                    <a:bodyPr/>
+                    <a:lstStyle/>
+                    <a:p>
+                      <a:r>
+                        <a:rPr lang="en-US" sz="2400" dirty="0">
+                          <a:latin typeface="TH Sarabun New" panose="020B0500040200020003" pitchFamily="34" charset="-34"/>
+                          <a:cs typeface="TH Sarabun New" panose="020B0500040200020003" pitchFamily="34" charset="-34"/>
+                        </a:rPr>
+                        <a:t>user_id</a:t>
+                      </a:r>
+                      <a:endParaRPr lang="th-TH" sz="2400" dirty="0">
+                        <a:latin typeface="TH Sarabun New" panose="020B0500040200020003" pitchFamily="34" charset="-34"/>
+                        <a:cs typeface="TH Sarabun New" panose="020B0500040200020003" pitchFamily="34" charset="-34"/>
+                      </a:endParaRPr>
+                    </a:p>
+                  </a:txBody>
+                  <a:tcPr marL="77685" marR="77685" marT="38843" marB="38843"/>
+                </a:tc>
+                <a:extLst>
+                  <a:ext uri="{0D108BD9-81ED-4DB2-BD59-A6C34878D82A}">
+                    <a16:rowId xmlns:a16="http://schemas.microsoft.com/office/drawing/2014/main" val="3929947896"/>
+                  </a:ext>
+                </a:extLst>
+              </a:tr>
+            </a:tbl>
+          </a:graphicData>
+        </a:graphic>
+      </p:graphicFrame>
+      <p:sp>
+        <p:nvSpPr>
+          <p:cNvPr id="12" name="TextBox 11">
+            <a:extLst>
+              <a:ext uri="{FF2B5EF4-FFF2-40B4-BE49-F238E27FC236}">
+                <a16:creationId xmlns:a16="http://schemas.microsoft.com/office/drawing/2014/main" id="{96DB0E1E-506D-41D6-BFFE-139416306E54}"/>
+              </a:ext>
+            </a:extLst>
+          </p:cNvPr>
+          <p:cNvSpPr txBox="1"/>
+          <p:nvPr/>
+        </p:nvSpPr>
+        <p:spPr>
+          <a:xfrm>
+            <a:off x="4261282" y="1098613"/>
+            <a:ext cx="277640" cy="400110"/>
+          </a:xfrm>
+          <a:prstGeom prst="rect">
+            <a:avLst/>
+          </a:prstGeom>
+          <a:noFill/>
+        </p:spPr>
+        <p:txBody>
+          <a:bodyPr wrap="none" rtlCol="0">
+            <a:spAutoFit/>
+          </a:bodyPr>
+          <a:lstStyle/>
+          <a:p>
+            <a:r>
+              <a:rPr lang="th-TH" sz="2000" dirty="0">
+                <a:latin typeface="TH Sarabun New" panose="020B0500040200020003" pitchFamily="34" charset="-34"/>
+                <a:cs typeface="TH Sarabun New" panose="020B0500040200020003" pitchFamily="34" charset="-34"/>
+              </a:rPr>
+              <a:t>1</a:t>
+            </a:r>
+          </a:p>
+        </p:txBody>
+      </p:sp>
+      <p:sp>
+        <p:nvSpPr>
+          <p:cNvPr id="13" name="TextBox 12">
+            <a:extLst>
+              <a:ext uri="{FF2B5EF4-FFF2-40B4-BE49-F238E27FC236}">
+                <a16:creationId xmlns:a16="http://schemas.microsoft.com/office/drawing/2014/main" id="{0ABCB726-DCF9-4398-90DA-639A0CA769C1}"/>
+              </a:ext>
+            </a:extLst>
+          </p:cNvPr>
+          <p:cNvSpPr txBox="1"/>
+          <p:nvPr/>
+        </p:nvSpPr>
+        <p:spPr>
+          <a:xfrm>
+            <a:off x="3058145" y="2709477"/>
+            <a:ext cx="325730" cy="400110"/>
+          </a:xfrm>
+          <a:prstGeom prst="rect">
+            <a:avLst/>
+          </a:prstGeom>
+          <a:noFill/>
+        </p:spPr>
+        <p:txBody>
+          <a:bodyPr wrap="none" rtlCol="0">
+            <a:spAutoFit/>
+          </a:bodyPr>
+          <a:lstStyle/>
+          <a:p>
+            <a:r>
+              <a:rPr lang="en-US" sz="2000" dirty="0">
+                <a:latin typeface="TH Sarabun New" panose="020B0500040200020003" pitchFamily="34" charset="-34"/>
+                <a:cs typeface="TH Sarabun New" panose="020B0500040200020003" pitchFamily="34" charset="-34"/>
+              </a:rPr>
+              <a:t>M</a:t>
+            </a:r>
+            <a:endParaRPr lang="th-TH" sz="2000" dirty="0">
+              <a:latin typeface="TH Sarabun New" panose="020B0500040200020003" pitchFamily="34" charset="-34"/>
+              <a:cs typeface="TH Sarabun New" panose="020B0500040200020003" pitchFamily="34" charset="-34"/>
+            </a:endParaRPr>
+          </a:p>
+        </p:txBody>
+      </p:sp>
+      <p:sp>
+        <p:nvSpPr>
+          <p:cNvPr id="16" name="TextBox 15">
+            <a:extLst>
+              <a:ext uri="{FF2B5EF4-FFF2-40B4-BE49-F238E27FC236}">
+                <a16:creationId xmlns:a16="http://schemas.microsoft.com/office/drawing/2014/main" id="{0B64254A-D62D-4C11-A50F-532D001D0EC4}"/>
+              </a:ext>
+            </a:extLst>
+          </p:cNvPr>
+          <p:cNvSpPr txBox="1"/>
+          <p:nvPr/>
+        </p:nvSpPr>
+        <p:spPr>
+          <a:xfrm>
+            <a:off x="6876282" y="1029195"/>
+            <a:ext cx="277640" cy="400110"/>
+          </a:xfrm>
+          <a:prstGeom prst="rect">
+            <a:avLst/>
+          </a:prstGeom>
+          <a:noFill/>
+        </p:spPr>
+        <p:txBody>
+          <a:bodyPr wrap="none" rtlCol="0">
+            <a:spAutoFit/>
+          </a:bodyPr>
+          <a:lstStyle/>
+          <a:p>
+            <a:r>
+              <a:rPr lang="th-TH" sz="2000" dirty="0">
+                <a:latin typeface="TH Sarabun New" panose="020B0500040200020003" pitchFamily="34" charset="-34"/>
+                <a:cs typeface="TH Sarabun New" panose="020B0500040200020003" pitchFamily="34" charset="-34"/>
+              </a:rPr>
+              <a:t>1</a:t>
+            </a:r>
+          </a:p>
+        </p:txBody>
+      </p:sp>
+      <p:sp>
+        <p:nvSpPr>
+          <p:cNvPr id="17" name="TextBox 16">
+            <a:extLst>
+              <a:ext uri="{FF2B5EF4-FFF2-40B4-BE49-F238E27FC236}">
+                <a16:creationId xmlns:a16="http://schemas.microsoft.com/office/drawing/2014/main" id="{F9929993-6AEE-4BFB-B4EB-3E2F8CABC2A1}"/>
+              </a:ext>
+            </a:extLst>
+          </p:cNvPr>
+          <p:cNvSpPr txBox="1"/>
+          <p:nvPr/>
+        </p:nvSpPr>
+        <p:spPr>
+          <a:xfrm>
+            <a:off x="7964825" y="2709477"/>
+            <a:ext cx="325730" cy="400110"/>
+          </a:xfrm>
+          <a:prstGeom prst="rect">
+            <a:avLst/>
+          </a:prstGeom>
+          <a:noFill/>
+        </p:spPr>
+        <p:txBody>
+          <a:bodyPr wrap="none" rtlCol="0">
+            <a:spAutoFit/>
+          </a:bodyPr>
+          <a:lstStyle/>
+          <a:p>
+            <a:r>
+              <a:rPr lang="en-US" sz="2000" dirty="0">
+                <a:latin typeface="TH Sarabun New" panose="020B0500040200020003" pitchFamily="34" charset="-34"/>
+                <a:cs typeface="TH Sarabun New" panose="020B0500040200020003" pitchFamily="34" charset="-34"/>
+              </a:rPr>
+              <a:t>M</a:t>
+            </a:r>
+            <a:endParaRPr lang="th-TH" sz="2000" dirty="0">
+              <a:latin typeface="TH Sarabun New" panose="020B0500040200020003" pitchFamily="34" charset="-34"/>
+              <a:cs typeface="TH Sarabun New" panose="020B0500040200020003" pitchFamily="34" charset="-34"/>
+            </a:endParaRPr>
+          </a:p>
+        </p:txBody>
+      </p:sp>
+      <p:sp>
+        <p:nvSpPr>
+          <p:cNvPr id="30" name="TextBox 29">
+            <a:extLst>
+              <a:ext uri="{FF2B5EF4-FFF2-40B4-BE49-F238E27FC236}">
+                <a16:creationId xmlns:a16="http://schemas.microsoft.com/office/drawing/2014/main" id="{B95FD57D-FC31-417B-BA2C-7CAB4A9166A0}"/>
+              </a:ext>
+            </a:extLst>
+          </p:cNvPr>
+          <p:cNvSpPr txBox="1"/>
+          <p:nvPr/>
+        </p:nvSpPr>
+        <p:spPr>
+          <a:xfrm>
+            <a:off x="4274397" y="1510002"/>
+            <a:ext cx="277640" cy="400110"/>
+          </a:xfrm>
+          <a:prstGeom prst="rect">
+            <a:avLst/>
+          </a:prstGeom>
+          <a:noFill/>
+        </p:spPr>
+        <p:txBody>
+          <a:bodyPr wrap="none" rtlCol="0">
+            <a:spAutoFit/>
+          </a:bodyPr>
+          <a:lstStyle/>
+          <a:p>
+            <a:r>
+              <a:rPr lang="th-TH" sz="2000" dirty="0">
+                <a:latin typeface="TH Sarabun New" panose="020B0500040200020003" pitchFamily="34" charset="-34"/>
+                <a:cs typeface="TH Sarabun New" panose="020B0500040200020003" pitchFamily="34" charset="-34"/>
+              </a:rPr>
+              <a:t>1</a:t>
+            </a:r>
+          </a:p>
+        </p:txBody>
+      </p:sp>
+      <p:sp>
+        <p:nvSpPr>
+          <p:cNvPr id="43" name="TextBox 42">
+            <a:extLst>
+              <a:ext uri="{FF2B5EF4-FFF2-40B4-BE49-F238E27FC236}">
+                <a16:creationId xmlns:a16="http://schemas.microsoft.com/office/drawing/2014/main" id="{44680327-B86D-440B-A18C-9D36DB04128A}"/>
+              </a:ext>
+            </a:extLst>
+          </p:cNvPr>
+          <p:cNvSpPr txBox="1"/>
+          <p:nvPr/>
+        </p:nvSpPr>
+        <p:spPr>
+          <a:xfrm>
+            <a:off x="6819730" y="1530529"/>
+            <a:ext cx="277640" cy="400110"/>
+          </a:xfrm>
+          <a:prstGeom prst="rect">
+            <a:avLst/>
+          </a:prstGeom>
+          <a:noFill/>
+        </p:spPr>
+        <p:txBody>
+          <a:bodyPr wrap="none" rtlCol="0">
+            <a:spAutoFit/>
+          </a:bodyPr>
+          <a:lstStyle/>
+          <a:p>
+            <a:r>
+              <a:rPr lang="th-TH" sz="2000" dirty="0">
+                <a:latin typeface="TH Sarabun New" panose="020B0500040200020003" pitchFamily="34" charset="-34"/>
+                <a:cs typeface="TH Sarabun New" panose="020B0500040200020003" pitchFamily="34" charset="-34"/>
+              </a:rPr>
+              <a:t>1</a:t>
+            </a:r>
+          </a:p>
+        </p:txBody>
+      </p:sp>
+      <p:sp>
+        <p:nvSpPr>
+          <p:cNvPr id="44" name="TextBox 43">
+            <a:extLst>
+              <a:ext uri="{FF2B5EF4-FFF2-40B4-BE49-F238E27FC236}">
+                <a16:creationId xmlns:a16="http://schemas.microsoft.com/office/drawing/2014/main" id="{F5C8DB84-2CD0-4339-A4E9-C3C9C17AF7A6}"/>
+              </a:ext>
+            </a:extLst>
+          </p:cNvPr>
+          <p:cNvSpPr txBox="1"/>
+          <p:nvPr/>
+        </p:nvSpPr>
+        <p:spPr>
+          <a:xfrm>
+            <a:off x="8208774" y="5903249"/>
+            <a:ext cx="325730" cy="400110"/>
+          </a:xfrm>
+          <a:prstGeom prst="rect">
+            <a:avLst/>
+          </a:prstGeom>
+          <a:noFill/>
+        </p:spPr>
+        <p:txBody>
+          <a:bodyPr wrap="none" rtlCol="0">
+            <a:spAutoFit/>
+          </a:bodyPr>
+          <a:lstStyle/>
+          <a:p>
+            <a:r>
+              <a:rPr lang="en-US" sz="2000" dirty="0">
+                <a:latin typeface="TH Sarabun New" panose="020B0500040200020003" pitchFamily="34" charset="-34"/>
+                <a:cs typeface="TH Sarabun New" panose="020B0500040200020003" pitchFamily="34" charset="-34"/>
+              </a:rPr>
+              <a:t>M</a:t>
+            </a:r>
+            <a:endParaRPr lang="th-TH" sz="2000" dirty="0">
+              <a:latin typeface="TH Sarabun New" panose="020B0500040200020003" pitchFamily="34" charset="-34"/>
+              <a:cs typeface="TH Sarabun New" panose="020B0500040200020003" pitchFamily="34" charset="-34"/>
+            </a:endParaRPr>
+          </a:p>
+        </p:txBody>
+      </p:sp>
+      <p:sp>
+        <p:nvSpPr>
+          <p:cNvPr id="52" name="TextBox 51">
+            <a:extLst>
+              <a:ext uri="{FF2B5EF4-FFF2-40B4-BE49-F238E27FC236}">
+                <a16:creationId xmlns:a16="http://schemas.microsoft.com/office/drawing/2014/main" id="{190B259C-965B-4315-ADB5-6BF5F9F8C8E0}"/>
+              </a:ext>
+            </a:extLst>
+          </p:cNvPr>
+          <p:cNvSpPr txBox="1"/>
+          <p:nvPr/>
+        </p:nvSpPr>
+        <p:spPr>
+          <a:xfrm>
+            <a:off x="3767153" y="5861420"/>
+            <a:ext cx="325730" cy="400110"/>
+          </a:xfrm>
+          <a:prstGeom prst="rect">
+            <a:avLst/>
+          </a:prstGeom>
+          <a:noFill/>
+        </p:spPr>
+        <p:txBody>
+          <a:bodyPr wrap="none" rtlCol="0">
+            <a:spAutoFit/>
+          </a:bodyPr>
+          <a:lstStyle/>
+          <a:p>
+            <a:r>
+              <a:rPr lang="en-US" sz="2000" dirty="0">
+                <a:latin typeface="TH Sarabun New" panose="020B0500040200020003" pitchFamily="34" charset="-34"/>
+                <a:cs typeface="TH Sarabun New" panose="020B0500040200020003" pitchFamily="34" charset="-34"/>
+              </a:rPr>
+              <a:t>M</a:t>
+            </a:r>
+            <a:endParaRPr lang="th-TH" sz="2000" dirty="0">
+              <a:latin typeface="TH Sarabun New" panose="020B0500040200020003" pitchFamily="34" charset="-34"/>
+              <a:cs typeface="TH Sarabun New" panose="020B0500040200020003" pitchFamily="34" charset="-34"/>
+            </a:endParaRPr>
+          </a:p>
+        </p:txBody>
+      </p:sp>
+      <p:sp>
+        <p:nvSpPr>
+          <p:cNvPr id="55" name="TextBox 54">
+            <a:extLst>
+              <a:ext uri="{FF2B5EF4-FFF2-40B4-BE49-F238E27FC236}">
+                <a16:creationId xmlns:a16="http://schemas.microsoft.com/office/drawing/2014/main" id="{26EBADBC-C0E3-41F9-9CCD-518131B95F2B}"/>
+              </a:ext>
+            </a:extLst>
+          </p:cNvPr>
+          <p:cNvSpPr txBox="1"/>
+          <p:nvPr/>
+        </p:nvSpPr>
+        <p:spPr>
+          <a:xfrm>
+            <a:off x="7535661" y="3655454"/>
+            <a:ext cx="277640" cy="400110"/>
+          </a:xfrm>
+          <a:prstGeom prst="rect">
+            <a:avLst/>
+          </a:prstGeom>
+          <a:noFill/>
+        </p:spPr>
+        <p:txBody>
+          <a:bodyPr wrap="none" rtlCol="0">
+            <a:spAutoFit/>
+          </a:bodyPr>
+          <a:lstStyle/>
+          <a:p>
+            <a:r>
+              <a:rPr lang="th-TH" sz="2000" dirty="0">
+                <a:latin typeface="TH Sarabun New" panose="020B0500040200020003" pitchFamily="34" charset="-34"/>
+                <a:cs typeface="TH Sarabun New" panose="020B0500040200020003" pitchFamily="34" charset="-34"/>
+              </a:rPr>
+              <a:t>1</a:t>
+            </a:r>
+          </a:p>
+        </p:txBody>
+      </p:sp>
+      <p:sp>
+        <p:nvSpPr>
+          <p:cNvPr id="56" name="TextBox 55">
+            <a:extLst>
+              <a:ext uri="{FF2B5EF4-FFF2-40B4-BE49-F238E27FC236}">
+                <a16:creationId xmlns:a16="http://schemas.microsoft.com/office/drawing/2014/main" id="{066D8109-1F4D-4431-9C98-35CEC1B00719}"/>
+              </a:ext>
+            </a:extLst>
+          </p:cNvPr>
+          <p:cNvSpPr txBox="1"/>
+          <p:nvPr/>
+        </p:nvSpPr>
+        <p:spPr>
+          <a:xfrm>
+            <a:off x="8208774" y="4964175"/>
+            <a:ext cx="325730" cy="400110"/>
+          </a:xfrm>
+          <a:prstGeom prst="rect">
+            <a:avLst/>
+          </a:prstGeom>
+          <a:noFill/>
+        </p:spPr>
+        <p:txBody>
+          <a:bodyPr wrap="none" rtlCol="0">
+            <a:spAutoFit/>
+          </a:bodyPr>
+          <a:lstStyle/>
+          <a:p>
+            <a:r>
+              <a:rPr lang="en-US" sz="2000" dirty="0">
+                <a:latin typeface="TH Sarabun New" panose="020B0500040200020003" pitchFamily="34" charset="-34"/>
+                <a:cs typeface="TH Sarabun New" panose="020B0500040200020003" pitchFamily="34" charset="-34"/>
+              </a:rPr>
+              <a:t>M</a:t>
+            </a:r>
+            <a:endParaRPr lang="th-TH" sz="2000" dirty="0">
+              <a:latin typeface="TH Sarabun New" panose="020B0500040200020003" pitchFamily="34" charset="-34"/>
+              <a:cs typeface="TH Sarabun New" panose="020B0500040200020003" pitchFamily="34" charset="-34"/>
+            </a:endParaRPr>
+          </a:p>
+        </p:txBody>
+      </p:sp>
+      <p:sp>
+        <p:nvSpPr>
+          <p:cNvPr id="67" name="TextBox 66">
+            <a:extLst>
+              <a:ext uri="{FF2B5EF4-FFF2-40B4-BE49-F238E27FC236}">
+                <a16:creationId xmlns:a16="http://schemas.microsoft.com/office/drawing/2014/main" id="{C939D54D-E8DD-4DBC-827D-608DF9BC1AE8}"/>
+              </a:ext>
+            </a:extLst>
+          </p:cNvPr>
+          <p:cNvSpPr txBox="1"/>
+          <p:nvPr/>
+        </p:nvSpPr>
+        <p:spPr>
+          <a:xfrm>
+            <a:off x="10680885" y="704806"/>
+            <a:ext cx="277640" cy="400110"/>
+          </a:xfrm>
+          <a:prstGeom prst="rect">
+            <a:avLst/>
+          </a:prstGeom>
+          <a:noFill/>
+        </p:spPr>
+        <p:txBody>
+          <a:bodyPr wrap="none" rtlCol="0">
+            <a:spAutoFit/>
+          </a:bodyPr>
+          <a:lstStyle/>
+          <a:p>
+            <a:r>
+              <a:rPr lang="th-TH" sz="2000" dirty="0">
+                <a:latin typeface="TH Sarabun New" panose="020B0500040200020003" pitchFamily="34" charset="-34"/>
+                <a:cs typeface="TH Sarabun New" panose="020B0500040200020003" pitchFamily="34" charset="-34"/>
+              </a:rPr>
+              <a:t>1</a:t>
+            </a:r>
+          </a:p>
+        </p:txBody>
+      </p:sp>
+      <p:sp>
+        <p:nvSpPr>
+          <p:cNvPr id="68" name="TextBox 67">
+            <a:extLst>
+              <a:ext uri="{FF2B5EF4-FFF2-40B4-BE49-F238E27FC236}">
+                <a16:creationId xmlns:a16="http://schemas.microsoft.com/office/drawing/2014/main" id="{672A0607-24AF-4CC1-B47B-6BFD9566BF5E}"/>
+              </a:ext>
+            </a:extLst>
+          </p:cNvPr>
+          <p:cNvSpPr txBox="1"/>
+          <p:nvPr/>
+        </p:nvSpPr>
+        <p:spPr>
+          <a:xfrm>
+            <a:off x="11247945" y="5374144"/>
+            <a:ext cx="325730" cy="400110"/>
+          </a:xfrm>
+          <a:prstGeom prst="rect">
+            <a:avLst/>
+          </a:prstGeom>
+          <a:noFill/>
+        </p:spPr>
+        <p:txBody>
+          <a:bodyPr wrap="none" rtlCol="0">
+            <a:spAutoFit/>
+          </a:bodyPr>
+          <a:lstStyle/>
+          <a:p>
+            <a:r>
+              <a:rPr lang="en-US" sz="2000" dirty="0">
+                <a:latin typeface="TH Sarabun New" panose="020B0500040200020003" pitchFamily="34" charset="-34"/>
+                <a:cs typeface="TH Sarabun New" panose="020B0500040200020003" pitchFamily="34" charset="-34"/>
+              </a:rPr>
+              <a:t>M</a:t>
+            </a:r>
+            <a:endParaRPr lang="th-TH" sz="2000" dirty="0">
+              <a:latin typeface="TH Sarabun New" panose="020B0500040200020003" pitchFamily="34" charset="-34"/>
+              <a:cs typeface="TH Sarabun New" panose="020B0500040200020003" pitchFamily="34" charset="-34"/>
+            </a:endParaRPr>
+          </a:p>
+        </p:txBody>
+      </p:sp>
+    </p:spTree>
+    <p:extLst>
+      <p:ext uri="{BB962C8B-B14F-4D97-AF65-F5344CB8AC3E}">
+        <p14:creationId xmlns:p14="http://schemas.microsoft.com/office/powerpoint/2010/main" val="3085983675"/>
+      </p:ext>
+    </p:extLst>
+  </p:cSld>
+  <p:clrMapOvr>
+    <a:masterClrMapping/>
+  </p:clrMapOvr>
+</p:sld>
+</file>
+
 <file path=ppt/theme/theme1.xml><?xml version="1.0" encoding="utf-8"?>
 <a:theme xmlns:a="http://schemas.openxmlformats.org/drawingml/2006/main" name="ธีมของ Office">
   <a:themeElements>

--- a/แผนภาพต่างๆ/แผนภาพ.pptx
+++ b/แผนภาพต่างๆ/แผนภาพ.pptx
@@ -4,10 +4,14 @@
   <p:sldMasterIdLst>
     <p:sldMasterId id="2147483648" r:id="rId1"/>
   </p:sldMasterIdLst>
+  <p:notesMasterIdLst>
+    <p:notesMasterId r:id="rId6"/>
+  </p:notesMasterIdLst>
   <p:sldIdLst>
     <p:sldId id="256" r:id="rId2"/>
     <p:sldId id="257" r:id="rId3"/>
     <p:sldId id="258" r:id="rId4"/>
+    <p:sldId id="259" r:id="rId5"/>
   </p:sldIdLst>
   <p:sldSz cx="12192000" cy="6858000"/>
   <p:notesSz cx="6858000" cy="9144000"/>
@@ -112,6 +116,440 @@
     </p:ext>
   </p:extLst>
 </p:presentation>
+</file>
+
+<file path=ppt/notesMasters/notesMaster1.xml><?xml version="1.0" encoding="utf-8"?>
+<p:notesMaster xmlns:a="http://schemas.openxmlformats.org/drawingml/2006/main" xmlns:r="http://schemas.openxmlformats.org/officeDocument/2006/relationships" xmlns:p="http://schemas.openxmlformats.org/presentationml/2006/main">
+  <p:cSld>
+    <p:bg>
+      <p:bgRef idx="1001">
+        <a:schemeClr val="bg1"/>
+      </p:bgRef>
+    </p:bg>
+    <p:spTree>
+      <p:nvGrpSpPr>
+        <p:cNvPr id="1" name=""/>
+        <p:cNvGrpSpPr/>
+        <p:nvPr/>
+      </p:nvGrpSpPr>
+      <p:grpSpPr>
+        <a:xfrm>
+          <a:off x="0" y="0"/>
+          <a:ext cx="0" cy="0"/>
+          <a:chOff x="0" y="0"/>
+          <a:chExt cx="0" cy="0"/>
+        </a:xfrm>
+      </p:grpSpPr>
+      <p:sp>
+        <p:nvSpPr>
+          <p:cNvPr id="2" name="Header Placeholder 1"/>
+          <p:cNvSpPr>
+            <a:spLocks noGrp="1"/>
+          </p:cNvSpPr>
+          <p:nvPr>
+            <p:ph type="hdr" sz="quarter"/>
+          </p:nvPr>
+        </p:nvSpPr>
+        <p:spPr>
+          <a:xfrm>
+            <a:off x="0" y="0"/>
+            <a:ext cx="2971800" cy="458788"/>
+          </a:xfrm>
+          <a:prstGeom prst="rect">
+            <a:avLst/>
+          </a:prstGeom>
+        </p:spPr>
+        <p:txBody>
+          <a:bodyPr vert="horz" lIns="91440" tIns="45720" rIns="91440" bIns="45720" rtlCol="0"/>
+          <a:lstStyle>
+            <a:lvl1pPr algn="l">
+              <a:defRPr sz="1200"/>
+            </a:lvl1pPr>
+          </a:lstStyle>
+          <a:p>
+            <a:endParaRPr lang="th-TH"/>
+          </a:p>
+        </p:txBody>
+      </p:sp>
+      <p:sp>
+        <p:nvSpPr>
+          <p:cNvPr id="3" name="Date Placeholder 2"/>
+          <p:cNvSpPr>
+            <a:spLocks noGrp="1"/>
+          </p:cNvSpPr>
+          <p:nvPr>
+            <p:ph type="dt" idx="1"/>
+          </p:nvPr>
+        </p:nvSpPr>
+        <p:spPr>
+          <a:xfrm>
+            <a:off x="3884613" y="0"/>
+            <a:ext cx="2971800" cy="458788"/>
+          </a:xfrm>
+          <a:prstGeom prst="rect">
+            <a:avLst/>
+          </a:prstGeom>
+        </p:spPr>
+        <p:txBody>
+          <a:bodyPr vert="horz" lIns="91440" tIns="45720" rIns="91440" bIns="45720" rtlCol="0"/>
+          <a:lstStyle>
+            <a:lvl1pPr algn="r">
+              <a:defRPr sz="1200"/>
+            </a:lvl1pPr>
+          </a:lstStyle>
+          <a:p>
+            <a:fld id="{72A5D73F-F11A-4F0B-B634-C87CD73BF4F6}" type="datetimeFigureOut">
+              <a:rPr lang="th-TH" smtClean="0"/>
+              <a:t>23/04/64</a:t>
+            </a:fld>
+            <a:endParaRPr lang="th-TH"/>
+          </a:p>
+        </p:txBody>
+      </p:sp>
+      <p:sp>
+        <p:nvSpPr>
+          <p:cNvPr id="4" name="Slide Image Placeholder 3"/>
+          <p:cNvSpPr>
+            <a:spLocks noGrp="1" noRot="1" noChangeAspect="1"/>
+          </p:cNvSpPr>
+          <p:nvPr>
+            <p:ph type="sldImg" idx="2"/>
+          </p:nvPr>
+        </p:nvSpPr>
+        <p:spPr>
+          <a:xfrm>
+            <a:off x="685800" y="1143000"/>
+            <a:ext cx="5486400" cy="3086100"/>
+          </a:xfrm>
+          <a:prstGeom prst="rect">
+            <a:avLst/>
+          </a:prstGeom>
+          <a:noFill/>
+          <a:ln w="12700">
+            <a:solidFill>
+              <a:prstClr val="black"/>
+            </a:solidFill>
+          </a:ln>
+        </p:spPr>
+        <p:txBody>
+          <a:bodyPr vert="horz" lIns="91440" tIns="45720" rIns="91440" bIns="45720" rtlCol="0" anchor="ctr"/>
+          <a:lstStyle/>
+          <a:p>
+            <a:endParaRPr lang="th-TH"/>
+          </a:p>
+        </p:txBody>
+      </p:sp>
+      <p:sp>
+        <p:nvSpPr>
+          <p:cNvPr id="5" name="Notes Placeholder 4"/>
+          <p:cNvSpPr>
+            <a:spLocks noGrp="1"/>
+          </p:cNvSpPr>
+          <p:nvPr>
+            <p:ph type="body" sz="quarter" idx="3"/>
+          </p:nvPr>
+        </p:nvSpPr>
+        <p:spPr>
+          <a:xfrm>
+            <a:off x="685800" y="4400550"/>
+            <a:ext cx="5486400" cy="3600450"/>
+          </a:xfrm>
+          <a:prstGeom prst="rect">
+            <a:avLst/>
+          </a:prstGeom>
+        </p:spPr>
+        <p:txBody>
+          <a:bodyPr vert="horz" lIns="91440" tIns="45720" rIns="91440" bIns="45720" rtlCol="0"/>
+          <a:lstStyle/>
+          <a:p>
+            <a:pPr lvl="0"/>
+            <a:r>
+              <a:rPr lang="en-US"/>
+              <a:t>Click to edit Master text styles</a:t>
+            </a:r>
+          </a:p>
+          <a:p>
+            <a:pPr lvl="1"/>
+            <a:r>
+              <a:rPr lang="en-US"/>
+              <a:t>Second level</a:t>
+            </a:r>
+          </a:p>
+          <a:p>
+            <a:pPr lvl="2"/>
+            <a:r>
+              <a:rPr lang="en-US"/>
+              <a:t>Third level</a:t>
+            </a:r>
+          </a:p>
+          <a:p>
+            <a:pPr lvl="3"/>
+            <a:r>
+              <a:rPr lang="en-US"/>
+              <a:t>Fourth level</a:t>
+            </a:r>
+          </a:p>
+          <a:p>
+            <a:pPr lvl="4"/>
+            <a:r>
+              <a:rPr lang="en-US"/>
+              <a:t>Fifth level</a:t>
+            </a:r>
+            <a:endParaRPr lang="th-TH"/>
+          </a:p>
+        </p:txBody>
+      </p:sp>
+      <p:sp>
+        <p:nvSpPr>
+          <p:cNvPr id="6" name="Footer Placeholder 5"/>
+          <p:cNvSpPr>
+            <a:spLocks noGrp="1"/>
+          </p:cNvSpPr>
+          <p:nvPr>
+            <p:ph type="ftr" sz="quarter" idx="4"/>
+          </p:nvPr>
+        </p:nvSpPr>
+        <p:spPr>
+          <a:xfrm>
+            <a:off x="0" y="8685213"/>
+            <a:ext cx="2971800" cy="458787"/>
+          </a:xfrm>
+          <a:prstGeom prst="rect">
+            <a:avLst/>
+          </a:prstGeom>
+        </p:spPr>
+        <p:txBody>
+          <a:bodyPr vert="horz" lIns="91440" tIns="45720" rIns="91440" bIns="45720" rtlCol="0" anchor="b"/>
+          <a:lstStyle>
+            <a:lvl1pPr algn="l">
+              <a:defRPr sz="1200"/>
+            </a:lvl1pPr>
+          </a:lstStyle>
+          <a:p>
+            <a:endParaRPr lang="th-TH"/>
+          </a:p>
+        </p:txBody>
+      </p:sp>
+      <p:sp>
+        <p:nvSpPr>
+          <p:cNvPr id="7" name="Slide Number Placeholder 6"/>
+          <p:cNvSpPr>
+            <a:spLocks noGrp="1"/>
+          </p:cNvSpPr>
+          <p:nvPr>
+            <p:ph type="sldNum" sz="quarter" idx="5"/>
+          </p:nvPr>
+        </p:nvSpPr>
+        <p:spPr>
+          <a:xfrm>
+            <a:off x="3884613" y="8685213"/>
+            <a:ext cx="2971800" cy="458787"/>
+          </a:xfrm>
+          <a:prstGeom prst="rect">
+            <a:avLst/>
+          </a:prstGeom>
+        </p:spPr>
+        <p:txBody>
+          <a:bodyPr vert="horz" lIns="91440" tIns="45720" rIns="91440" bIns="45720" rtlCol="0" anchor="b"/>
+          <a:lstStyle>
+            <a:lvl1pPr algn="r">
+              <a:defRPr sz="1200"/>
+            </a:lvl1pPr>
+          </a:lstStyle>
+          <a:p>
+            <a:fld id="{5F5C0843-1792-4667-BCDF-E4CE2EAB8609}" type="slidenum">
+              <a:rPr lang="th-TH" smtClean="0"/>
+              <a:t>‹#›</a:t>
+            </a:fld>
+            <a:endParaRPr lang="th-TH"/>
+          </a:p>
+        </p:txBody>
+      </p:sp>
+    </p:spTree>
+    <p:extLst>
+      <p:ext uri="{BB962C8B-B14F-4D97-AF65-F5344CB8AC3E}">
+        <p14:creationId xmlns:p14="http://schemas.microsoft.com/office/powerpoint/2010/main" val="1051189970"/>
+      </p:ext>
+    </p:extLst>
+  </p:cSld>
+  <p:clrMap bg1="lt1" tx1="dk1" bg2="lt2" tx2="dk2" accent1="accent1" accent2="accent2" accent3="accent3" accent4="accent4" accent5="accent5" accent6="accent6" hlink="hlink" folHlink="folHlink"/>
+  <p:notesStyle>
+    <a:lvl1pPr marL="0" algn="l" defTabSz="914400" rtl="0" eaLnBrk="1" latinLnBrk="0" hangingPunct="1">
+      <a:defRPr sz="1800" kern="1200">
+        <a:solidFill>
+          <a:schemeClr val="tx1"/>
+        </a:solidFill>
+        <a:latin typeface="+mn-lt"/>
+        <a:ea typeface="+mn-ea"/>
+        <a:cs typeface="+mn-cs"/>
+      </a:defRPr>
+    </a:lvl1pPr>
+    <a:lvl2pPr marL="457200" algn="l" defTabSz="914400" rtl="0" eaLnBrk="1" latinLnBrk="0" hangingPunct="1">
+      <a:defRPr sz="1800" kern="1200">
+        <a:solidFill>
+          <a:schemeClr val="tx1"/>
+        </a:solidFill>
+        <a:latin typeface="+mn-lt"/>
+        <a:ea typeface="+mn-ea"/>
+        <a:cs typeface="+mn-cs"/>
+      </a:defRPr>
+    </a:lvl2pPr>
+    <a:lvl3pPr marL="914400" algn="l" defTabSz="914400" rtl="0" eaLnBrk="1" latinLnBrk="0" hangingPunct="1">
+      <a:defRPr sz="1800" kern="1200">
+        <a:solidFill>
+          <a:schemeClr val="tx1"/>
+        </a:solidFill>
+        <a:latin typeface="+mn-lt"/>
+        <a:ea typeface="+mn-ea"/>
+        <a:cs typeface="+mn-cs"/>
+      </a:defRPr>
+    </a:lvl3pPr>
+    <a:lvl4pPr marL="1371600" algn="l" defTabSz="914400" rtl="0" eaLnBrk="1" latinLnBrk="0" hangingPunct="1">
+      <a:defRPr sz="1800" kern="1200">
+        <a:solidFill>
+          <a:schemeClr val="tx1"/>
+        </a:solidFill>
+        <a:latin typeface="+mn-lt"/>
+        <a:ea typeface="+mn-ea"/>
+        <a:cs typeface="+mn-cs"/>
+      </a:defRPr>
+    </a:lvl4pPr>
+    <a:lvl5pPr marL="1828800" algn="l" defTabSz="914400" rtl="0" eaLnBrk="1" latinLnBrk="0" hangingPunct="1">
+      <a:defRPr sz="1800" kern="1200">
+        <a:solidFill>
+          <a:schemeClr val="tx1"/>
+        </a:solidFill>
+        <a:latin typeface="+mn-lt"/>
+        <a:ea typeface="+mn-ea"/>
+        <a:cs typeface="+mn-cs"/>
+      </a:defRPr>
+    </a:lvl5pPr>
+    <a:lvl6pPr marL="2286000" algn="l" defTabSz="914400" rtl="0" eaLnBrk="1" latinLnBrk="0" hangingPunct="1">
+      <a:defRPr sz="1800" kern="1200">
+        <a:solidFill>
+          <a:schemeClr val="tx1"/>
+        </a:solidFill>
+        <a:latin typeface="+mn-lt"/>
+        <a:ea typeface="+mn-ea"/>
+        <a:cs typeface="+mn-cs"/>
+      </a:defRPr>
+    </a:lvl6pPr>
+    <a:lvl7pPr marL="2743200" algn="l" defTabSz="914400" rtl="0" eaLnBrk="1" latinLnBrk="0" hangingPunct="1">
+      <a:defRPr sz="1800" kern="1200">
+        <a:solidFill>
+          <a:schemeClr val="tx1"/>
+        </a:solidFill>
+        <a:latin typeface="+mn-lt"/>
+        <a:ea typeface="+mn-ea"/>
+        <a:cs typeface="+mn-cs"/>
+      </a:defRPr>
+    </a:lvl7pPr>
+    <a:lvl8pPr marL="3200400" algn="l" defTabSz="914400" rtl="0" eaLnBrk="1" latinLnBrk="0" hangingPunct="1">
+      <a:defRPr sz="1800" kern="1200">
+        <a:solidFill>
+          <a:schemeClr val="tx1"/>
+        </a:solidFill>
+        <a:latin typeface="+mn-lt"/>
+        <a:ea typeface="+mn-ea"/>
+        <a:cs typeface="+mn-cs"/>
+      </a:defRPr>
+    </a:lvl8pPr>
+    <a:lvl9pPr marL="3657600" algn="l" defTabSz="914400" rtl="0" eaLnBrk="1" latinLnBrk="0" hangingPunct="1">
+      <a:defRPr sz="1800" kern="1200">
+        <a:solidFill>
+          <a:schemeClr val="tx1"/>
+        </a:solidFill>
+        <a:latin typeface="+mn-lt"/>
+        <a:ea typeface="+mn-ea"/>
+        <a:cs typeface="+mn-cs"/>
+      </a:defRPr>
+    </a:lvl9pPr>
+  </p:notesStyle>
+</p:notesMaster>
+</file>
+
+<file path=ppt/notesSlides/notesSlide1.xml><?xml version="1.0" encoding="utf-8"?>
+<p:notes xmlns:a="http://schemas.openxmlformats.org/drawingml/2006/main" xmlns:r="http://schemas.openxmlformats.org/officeDocument/2006/relationships" xmlns:p="http://schemas.openxmlformats.org/presentationml/2006/main">
+  <p:cSld>
+    <p:spTree>
+      <p:nvGrpSpPr>
+        <p:cNvPr id="1" name=""/>
+        <p:cNvGrpSpPr/>
+        <p:nvPr/>
+      </p:nvGrpSpPr>
+      <p:grpSpPr>
+        <a:xfrm>
+          <a:off x="0" y="0"/>
+          <a:ext cx="0" cy="0"/>
+          <a:chOff x="0" y="0"/>
+          <a:chExt cx="0" cy="0"/>
+        </a:xfrm>
+      </p:grpSpPr>
+      <p:sp>
+        <p:nvSpPr>
+          <p:cNvPr id="2" name="Slide Image Placeholder 1"/>
+          <p:cNvSpPr>
+            <a:spLocks noGrp="1" noRot="1" noChangeAspect="1"/>
+          </p:cNvSpPr>
+          <p:nvPr>
+            <p:ph type="sldImg"/>
+          </p:nvPr>
+        </p:nvSpPr>
+        <p:spPr/>
+      </p:sp>
+      <p:sp>
+        <p:nvSpPr>
+          <p:cNvPr id="3" name="Notes Placeholder 2"/>
+          <p:cNvSpPr>
+            <a:spLocks noGrp="1"/>
+          </p:cNvSpPr>
+          <p:nvPr>
+            <p:ph type="body" idx="1"/>
+          </p:nvPr>
+        </p:nvSpPr>
+        <p:spPr/>
+        <p:txBody>
+          <a:bodyPr/>
+          <a:lstStyle/>
+          <a:p>
+            <a:endParaRPr lang="th-TH" dirty="0"/>
+          </a:p>
+        </p:txBody>
+      </p:sp>
+      <p:sp>
+        <p:nvSpPr>
+          <p:cNvPr id="4" name="Slide Number Placeholder 3"/>
+          <p:cNvSpPr>
+            <a:spLocks noGrp="1"/>
+          </p:cNvSpPr>
+          <p:nvPr>
+            <p:ph type="sldNum" sz="quarter" idx="5"/>
+          </p:nvPr>
+        </p:nvSpPr>
+        <p:spPr/>
+        <p:txBody>
+          <a:bodyPr/>
+          <a:lstStyle/>
+          <a:p>
+            <a:fld id="{5F5C0843-1792-4667-BCDF-E4CE2EAB8609}" type="slidenum">
+              <a:rPr lang="th-TH" smtClean="0"/>
+              <a:t>4</a:t>
+            </a:fld>
+            <a:endParaRPr lang="th-TH"/>
+          </a:p>
+        </p:txBody>
+      </p:sp>
+    </p:spTree>
+    <p:extLst>
+      <p:ext uri="{BB962C8B-B14F-4D97-AF65-F5344CB8AC3E}">
+        <p14:creationId xmlns:p14="http://schemas.microsoft.com/office/powerpoint/2010/main" val="3652590724"/>
+      </p:ext>
+    </p:extLst>
+  </p:cSld>
+  <p:clrMapOvr>
+    <a:masterClrMapping/>
+  </p:clrMapOvr>
+</p:notes>
 </file>
 
 <file path=ppt/slideLayouts/slideLayout1.xml><?xml version="1.0" encoding="utf-8"?>
@@ -7528,6 +7966,1317 @@
 </p:sld>
 </file>
 
+<file path=ppt/slides/slide4.xml><?xml version="1.0" encoding="utf-8"?>
+<p:sld xmlns:a="http://schemas.openxmlformats.org/drawingml/2006/main" xmlns:r="http://schemas.openxmlformats.org/officeDocument/2006/relationships" xmlns:p="http://schemas.openxmlformats.org/presentationml/2006/main">
+  <p:cSld>
+    <p:spTree>
+      <p:nvGrpSpPr>
+        <p:cNvPr id="1" name=""/>
+        <p:cNvGrpSpPr/>
+        <p:nvPr/>
+      </p:nvGrpSpPr>
+      <p:grpSpPr>
+        <a:xfrm>
+          <a:off x="0" y="0"/>
+          <a:ext cx="0" cy="0"/>
+          <a:chOff x="0" y="0"/>
+          <a:chExt cx="0" cy="0"/>
+        </a:xfrm>
+      </p:grpSpPr>
+      <p:sp>
+        <p:nvSpPr>
+          <p:cNvPr id="4" name="Rectangle 3">
+            <a:extLst>
+              <a:ext uri="{FF2B5EF4-FFF2-40B4-BE49-F238E27FC236}">
+                <a16:creationId xmlns:a16="http://schemas.microsoft.com/office/drawing/2014/main" id="{070D9FE3-7D8D-4BF0-A4BD-9220020D4F1B}"/>
+              </a:ext>
+            </a:extLst>
+          </p:cNvPr>
+          <p:cNvSpPr/>
+          <p:nvPr/>
+        </p:nvSpPr>
+        <p:spPr>
+          <a:xfrm>
+            <a:off x="1677881" y="3162669"/>
+            <a:ext cx="1535837" cy="532662"/>
+          </a:xfrm>
+          <a:prstGeom prst="rect">
+            <a:avLst/>
+          </a:prstGeom>
+        </p:spPr>
+        <p:style>
+          <a:lnRef idx="2">
+            <a:schemeClr val="dk1"/>
+          </a:lnRef>
+          <a:fillRef idx="1">
+            <a:schemeClr val="lt1"/>
+          </a:fillRef>
+          <a:effectRef idx="0">
+            <a:schemeClr val="dk1"/>
+          </a:effectRef>
+          <a:fontRef idx="minor">
+            <a:schemeClr val="dk1"/>
+          </a:fontRef>
+        </p:style>
+        <p:txBody>
+          <a:bodyPr rtlCol="0" anchor="ctr"/>
+          <a:lstStyle/>
+          <a:p>
+            <a:pPr algn="ctr"/>
+            <a:r>
+              <a:rPr lang="th-TH" sz="2400" dirty="0">
+                <a:latin typeface="TH Sarabun New" panose="020B0500040200020003" pitchFamily="34" charset="-34"/>
+                <a:cs typeface="TH Sarabun New" panose="020B0500040200020003" pitchFamily="34" charset="-34"/>
+              </a:rPr>
+              <a:t>ผู้ใช้งาน</a:t>
+            </a:r>
+          </a:p>
+        </p:txBody>
+      </p:sp>
+      <p:grpSp>
+        <p:nvGrpSpPr>
+          <p:cNvPr id="8" name="Group 7">
+            <a:extLst>
+              <a:ext uri="{FF2B5EF4-FFF2-40B4-BE49-F238E27FC236}">
+                <a16:creationId xmlns:a16="http://schemas.microsoft.com/office/drawing/2014/main" id="{777EABF0-8112-4A76-B4D3-D26DD226DF77}"/>
+              </a:ext>
+            </a:extLst>
+          </p:cNvPr>
+          <p:cNvGrpSpPr/>
+          <p:nvPr/>
+        </p:nvGrpSpPr>
+        <p:grpSpPr>
+          <a:xfrm>
+            <a:off x="4598633" y="2068498"/>
+            <a:ext cx="1864311" cy="1100832"/>
+            <a:chOff x="5530788" y="2405849"/>
+            <a:chExt cx="1864311" cy="1100832"/>
+          </a:xfrm>
+        </p:grpSpPr>
+        <p:sp>
+          <p:nvSpPr>
+            <p:cNvPr id="5" name="Rectangle: Rounded Corners 4">
+              <a:extLst>
+                <a:ext uri="{FF2B5EF4-FFF2-40B4-BE49-F238E27FC236}">
+                  <a16:creationId xmlns:a16="http://schemas.microsoft.com/office/drawing/2014/main" id="{BC78864D-2F58-4FE8-A3BB-F2E8C4C3DA24}"/>
+                </a:ext>
+              </a:extLst>
+            </p:cNvPr>
+            <p:cNvSpPr/>
+            <p:nvPr/>
+          </p:nvSpPr>
+          <p:spPr>
+            <a:xfrm>
+              <a:off x="5530788" y="2405849"/>
+              <a:ext cx="1864311" cy="1100832"/>
+            </a:xfrm>
+            <a:prstGeom prst="roundRect">
+              <a:avLst/>
+            </a:prstGeom>
+          </p:spPr>
+          <p:style>
+            <a:lnRef idx="2">
+              <a:schemeClr val="dk1"/>
+            </a:lnRef>
+            <a:fillRef idx="1">
+              <a:schemeClr val="lt1"/>
+            </a:fillRef>
+            <a:effectRef idx="0">
+              <a:schemeClr val="dk1"/>
+            </a:effectRef>
+            <a:fontRef idx="minor">
+              <a:schemeClr val="dk1"/>
+            </a:fontRef>
+          </p:style>
+          <p:txBody>
+            <a:bodyPr rtlCol="0" anchor="ctr"/>
+            <a:lstStyle/>
+            <a:p>
+              <a:pPr algn="ctr"/>
+              <a:endParaRPr lang="th-TH" dirty="0"/>
+            </a:p>
+          </p:txBody>
+        </p:sp>
+        <p:cxnSp>
+          <p:nvCxnSpPr>
+            <p:cNvPr id="7" name="Straight Connector 6">
+              <a:extLst>
+                <a:ext uri="{FF2B5EF4-FFF2-40B4-BE49-F238E27FC236}">
+                  <a16:creationId xmlns:a16="http://schemas.microsoft.com/office/drawing/2014/main" id="{76E1CE4B-662C-4DAE-9913-889AD16C6C28}"/>
+                </a:ext>
+              </a:extLst>
+            </p:cNvPr>
+            <p:cNvCxnSpPr/>
+            <p:nvPr/>
+          </p:nvCxnSpPr>
+          <p:spPr>
+            <a:xfrm>
+              <a:off x="5530788" y="2725445"/>
+              <a:ext cx="1864311" cy="0"/>
+            </a:xfrm>
+            <a:prstGeom prst="line">
+              <a:avLst/>
+            </a:prstGeom>
+          </p:spPr>
+          <p:style>
+            <a:lnRef idx="1">
+              <a:schemeClr val="dk1"/>
+            </a:lnRef>
+            <a:fillRef idx="0">
+              <a:schemeClr val="dk1"/>
+            </a:fillRef>
+            <a:effectRef idx="0">
+              <a:schemeClr val="dk1"/>
+            </a:effectRef>
+            <a:fontRef idx="minor">
+              <a:schemeClr val="tx1"/>
+            </a:fontRef>
+          </p:style>
+        </p:cxnSp>
+      </p:grpSp>
+      <p:grpSp>
+        <p:nvGrpSpPr>
+          <p:cNvPr id="9" name="Group 8">
+            <a:extLst>
+              <a:ext uri="{FF2B5EF4-FFF2-40B4-BE49-F238E27FC236}">
+                <a16:creationId xmlns:a16="http://schemas.microsoft.com/office/drawing/2014/main" id="{BBC844CF-AC92-41A8-B644-9F8E88FF5F9E}"/>
+              </a:ext>
+            </a:extLst>
+          </p:cNvPr>
+          <p:cNvGrpSpPr/>
+          <p:nvPr/>
+        </p:nvGrpSpPr>
+        <p:grpSpPr>
+          <a:xfrm>
+            <a:off x="4598633" y="3623569"/>
+            <a:ext cx="1864311" cy="1100832"/>
+            <a:chOff x="5530788" y="2405849"/>
+            <a:chExt cx="1864311" cy="1100832"/>
+          </a:xfrm>
+        </p:grpSpPr>
+        <p:sp>
+          <p:nvSpPr>
+            <p:cNvPr id="10" name="Rectangle: Rounded Corners 9">
+              <a:extLst>
+                <a:ext uri="{FF2B5EF4-FFF2-40B4-BE49-F238E27FC236}">
+                  <a16:creationId xmlns:a16="http://schemas.microsoft.com/office/drawing/2014/main" id="{F4C77DAF-16EE-415E-97AB-60DF3525E37A}"/>
+                </a:ext>
+              </a:extLst>
+            </p:cNvPr>
+            <p:cNvSpPr/>
+            <p:nvPr/>
+          </p:nvSpPr>
+          <p:spPr>
+            <a:xfrm>
+              <a:off x="5530788" y="2405849"/>
+              <a:ext cx="1864311" cy="1100832"/>
+            </a:xfrm>
+            <a:prstGeom prst="roundRect">
+              <a:avLst/>
+            </a:prstGeom>
+          </p:spPr>
+          <p:style>
+            <a:lnRef idx="2">
+              <a:schemeClr val="dk1"/>
+            </a:lnRef>
+            <a:fillRef idx="1">
+              <a:schemeClr val="lt1"/>
+            </a:fillRef>
+            <a:effectRef idx="0">
+              <a:schemeClr val="dk1"/>
+            </a:effectRef>
+            <a:fontRef idx="minor">
+              <a:schemeClr val="dk1"/>
+            </a:fontRef>
+          </p:style>
+          <p:txBody>
+            <a:bodyPr rtlCol="0" anchor="ctr"/>
+            <a:lstStyle/>
+            <a:p>
+              <a:pPr algn="ctr"/>
+              <a:endParaRPr lang="th-TH"/>
+            </a:p>
+          </p:txBody>
+        </p:sp>
+        <p:cxnSp>
+          <p:nvCxnSpPr>
+            <p:cNvPr id="11" name="Straight Connector 10">
+              <a:extLst>
+                <a:ext uri="{FF2B5EF4-FFF2-40B4-BE49-F238E27FC236}">
+                  <a16:creationId xmlns:a16="http://schemas.microsoft.com/office/drawing/2014/main" id="{D571D562-37D5-4F4D-A263-6EAC68A1971B}"/>
+                </a:ext>
+              </a:extLst>
+            </p:cNvPr>
+            <p:cNvCxnSpPr/>
+            <p:nvPr/>
+          </p:nvCxnSpPr>
+          <p:spPr>
+            <a:xfrm>
+              <a:off x="5530788" y="2725445"/>
+              <a:ext cx="1864311" cy="0"/>
+            </a:xfrm>
+            <a:prstGeom prst="line">
+              <a:avLst/>
+            </a:prstGeom>
+          </p:spPr>
+          <p:style>
+            <a:lnRef idx="1">
+              <a:schemeClr val="dk1"/>
+            </a:lnRef>
+            <a:fillRef idx="0">
+              <a:schemeClr val="dk1"/>
+            </a:fillRef>
+            <a:effectRef idx="0">
+              <a:schemeClr val="dk1"/>
+            </a:effectRef>
+            <a:fontRef idx="minor">
+              <a:schemeClr val="tx1"/>
+            </a:fontRef>
+          </p:style>
+        </p:cxnSp>
+      </p:grpSp>
+      <p:grpSp>
+        <p:nvGrpSpPr>
+          <p:cNvPr id="20" name="Group 19">
+            <a:extLst>
+              <a:ext uri="{FF2B5EF4-FFF2-40B4-BE49-F238E27FC236}">
+                <a16:creationId xmlns:a16="http://schemas.microsoft.com/office/drawing/2014/main" id="{0FC45B15-30B1-42D6-B6BF-96D69B08F4A0}"/>
+              </a:ext>
+            </a:extLst>
+          </p:cNvPr>
+          <p:cNvGrpSpPr/>
+          <p:nvPr/>
+        </p:nvGrpSpPr>
+        <p:grpSpPr>
+          <a:xfrm>
+            <a:off x="8044650" y="3089432"/>
+            <a:ext cx="2129160" cy="710212"/>
+            <a:chOff x="8044650" y="3089432"/>
+            <a:chExt cx="2129160" cy="710212"/>
+          </a:xfrm>
+        </p:grpSpPr>
+        <p:sp>
+          <p:nvSpPr>
+            <p:cNvPr id="12" name="Rectangle 11">
+              <a:extLst>
+                <a:ext uri="{FF2B5EF4-FFF2-40B4-BE49-F238E27FC236}">
+                  <a16:creationId xmlns:a16="http://schemas.microsoft.com/office/drawing/2014/main" id="{3057A1A4-886C-4AAD-8279-50F1CCDC12DC}"/>
+                </a:ext>
+              </a:extLst>
+            </p:cNvPr>
+            <p:cNvSpPr/>
+            <p:nvPr/>
+          </p:nvSpPr>
+          <p:spPr>
+            <a:xfrm>
+              <a:off x="8044650" y="3169330"/>
+              <a:ext cx="1864311" cy="532662"/>
+            </a:xfrm>
+            <a:prstGeom prst="rect">
+              <a:avLst/>
+            </a:prstGeom>
+          </p:spPr>
+          <p:style>
+            <a:lnRef idx="2">
+              <a:schemeClr val="dk1"/>
+            </a:lnRef>
+            <a:fillRef idx="1">
+              <a:schemeClr val="lt1"/>
+            </a:fillRef>
+            <a:effectRef idx="0">
+              <a:schemeClr val="dk1"/>
+            </a:effectRef>
+            <a:fontRef idx="minor">
+              <a:schemeClr val="dk1"/>
+            </a:fontRef>
+          </p:style>
+          <p:txBody>
+            <a:bodyPr rtlCol="0" anchor="ctr"/>
+            <a:lstStyle/>
+            <a:p>
+              <a:pPr algn="ctr"/>
+              <a:r>
+                <a:rPr lang="th-TH" sz="2400" dirty="0">
+                  <a:latin typeface="TH Sarabun New" panose="020B0500040200020003" pitchFamily="34" charset="-34"/>
+                  <a:cs typeface="TH Sarabun New" panose="020B0500040200020003" pitchFamily="34" charset="-34"/>
+                </a:rPr>
+                <a:t>      ข้อมูลผู้ใช้งาน</a:t>
+              </a:r>
+            </a:p>
+          </p:txBody>
+        </p:sp>
+        <p:cxnSp>
+          <p:nvCxnSpPr>
+            <p:cNvPr id="14" name="Straight Connector 13">
+              <a:extLst>
+                <a:ext uri="{FF2B5EF4-FFF2-40B4-BE49-F238E27FC236}">
+                  <a16:creationId xmlns:a16="http://schemas.microsoft.com/office/drawing/2014/main" id="{D16312AA-A351-438F-A64C-C151BD62D436}"/>
+                </a:ext>
+              </a:extLst>
+            </p:cNvPr>
+            <p:cNvCxnSpPr/>
+            <p:nvPr/>
+          </p:nvCxnSpPr>
+          <p:spPr>
+            <a:xfrm>
+              <a:off x="8469297" y="3169330"/>
+              <a:ext cx="0" cy="532662"/>
+            </a:xfrm>
+            <a:prstGeom prst="line">
+              <a:avLst/>
+            </a:prstGeom>
+          </p:spPr>
+          <p:style>
+            <a:lnRef idx="1">
+              <a:schemeClr val="dk1"/>
+            </a:lnRef>
+            <a:fillRef idx="0">
+              <a:schemeClr val="dk1"/>
+            </a:fillRef>
+            <a:effectRef idx="0">
+              <a:schemeClr val="dk1"/>
+            </a:effectRef>
+            <a:fontRef idx="minor">
+              <a:schemeClr val="tx1"/>
+            </a:fontRef>
+          </p:style>
+        </p:cxnSp>
+        <p:sp>
+          <p:nvSpPr>
+            <p:cNvPr id="15" name="Rectangle 14">
+              <a:extLst>
+                <a:ext uri="{FF2B5EF4-FFF2-40B4-BE49-F238E27FC236}">
+                  <a16:creationId xmlns:a16="http://schemas.microsoft.com/office/drawing/2014/main" id="{1CDEBA74-197A-452B-AE85-2CB0CC3FA223}"/>
+                </a:ext>
+              </a:extLst>
+            </p:cNvPr>
+            <p:cNvSpPr/>
+            <p:nvPr/>
+          </p:nvSpPr>
+          <p:spPr>
+            <a:xfrm>
+              <a:off x="9823884" y="3089432"/>
+              <a:ext cx="349926" cy="710212"/>
+            </a:xfrm>
+            <a:prstGeom prst="rect">
+              <a:avLst/>
+            </a:prstGeom>
+            <a:solidFill>
+              <a:schemeClr val="bg1"/>
+            </a:solidFill>
+            <a:ln>
+              <a:solidFill>
+                <a:schemeClr val="bg1"/>
+              </a:solidFill>
+            </a:ln>
+          </p:spPr>
+          <p:style>
+            <a:lnRef idx="2">
+              <a:schemeClr val="accent1">
+                <a:shade val="50000"/>
+              </a:schemeClr>
+            </a:lnRef>
+            <a:fillRef idx="1">
+              <a:schemeClr val="accent1"/>
+            </a:fillRef>
+            <a:effectRef idx="0">
+              <a:schemeClr val="accent1"/>
+            </a:effectRef>
+            <a:fontRef idx="minor">
+              <a:schemeClr val="lt1"/>
+            </a:fontRef>
+          </p:style>
+          <p:txBody>
+            <a:bodyPr rtlCol="0" anchor="ctr"/>
+            <a:lstStyle/>
+            <a:p>
+              <a:pPr algn="ctr"/>
+              <a:endParaRPr lang="th-TH"/>
+            </a:p>
+          </p:txBody>
+        </p:sp>
+      </p:grpSp>
+      <p:sp>
+        <p:nvSpPr>
+          <p:cNvPr id="16" name="TextBox 15">
+            <a:extLst>
+              <a:ext uri="{FF2B5EF4-FFF2-40B4-BE49-F238E27FC236}">
+                <a16:creationId xmlns:a16="http://schemas.microsoft.com/office/drawing/2014/main" id="{E3050179-3F47-4122-90F4-C549095D2D84}"/>
+              </a:ext>
+            </a:extLst>
+          </p:cNvPr>
+          <p:cNvSpPr txBox="1"/>
+          <p:nvPr/>
+        </p:nvSpPr>
+        <p:spPr>
+          <a:xfrm>
+            <a:off x="5324642" y="2068498"/>
+            <a:ext cx="412292" cy="400110"/>
+          </a:xfrm>
+          <a:prstGeom prst="rect">
+            <a:avLst/>
+          </a:prstGeom>
+          <a:noFill/>
+        </p:spPr>
+        <p:txBody>
+          <a:bodyPr wrap="none" rtlCol="0">
+            <a:spAutoFit/>
+          </a:bodyPr>
+          <a:lstStyle/>
+          <a:p>
+            <a:r>
+              <a:rPr lang="th-TH" sz="2000" dirty="0">
+                <a:latin typeface="TH Sarabun New" panose="020B0500040200020003" pitchFamily="34" charset="-34"/>
+                <a:cs typeface="TH Sarabun New" panose="020B0500040200020003" pitchFamily="34" charset="-34"/>
+              </a:rPr>
+              <a:t>1.1</a:t>
+            </a:r>
+          </a:p>
+        </p:txBody>
+      </p:sp>
+      <p:sp>
+        <p:nvSpPr>
+          <p:cNvPr id="17" name="TextBox 16">
+            <a:extLst>
+              <a:ext uri="{FF2B5EF4-FFF2-40B4-BE49-F238E27FC236}">
+                <a16:creationId xmlns:a16="http://schemas.microsoft.com/office/drawing/2014/main" id="{8829BF1C-3FD9-45B8-B42F-DAD365A07A5C}"/>
+              </a:ext>
+            </a:extLst>
+          </p:cNvPr>
+          <p:cNvSpPr txBox="1"/>
+          <p:nvPr/>
+        </p:nvSpPr>
+        <p:spPr>
+          <a:xfrm>
+            <a:off x="5324642" y="3599589"/>
+            <a:ext cx="412292" cy="400110"/>
+          </a:xfrm>
+          <a:prstGeom prst="rect">
+            <a:avLst/>
+          </a:prstGeom>
+          <a:noFill/>
+        </p:spPr>
+        <p:txBody>
+          <a:bodyPr wrap="none" rtlCol="0">
+            <a:spAutoFit/>
+          </a:bodyPr>
+          <a:lstStyle/>
+          <a:p>
+            <a:r>
+              <a:rPr lang="th-TH" sz="2000" dirty="0">
+                <a:latin typeface="TH Sarabun New" panose="020B0500040200020003" pitchFamily="34" charset="-34"/>
+                <a:cs typeface="TH Sarabun New" panose="020B0500040200020003" pitchFamily="34" charset="-34"/>
+              </a:rPr>
+              <a:t>1.2</a:t>
+            </a:r>
+          </a:p>
+        </p:txBody>
+      </p:sp>
+      <p:sp>
+        <p:nvSpPr>
+          <p:cNvPr id="18" name="TextBox 17">
+            <a:extLst>
+              <a:ext uri="{FF2B5EF4-FFF2-40B4-BE49-F238E27FC236}">
+                <a16:creationId xmlns:a16="http://schemas.microsoft.com/office/drawing/2014/main" id="{CB8B0D12-845A-4895-84E2-496E3B87B1C6}"/>
+              </a:ext>
+            </a:extLst>
+          </p:cNvPr>
+          <p:cNvSpPr txBox="1"/>
+          <p:nvPr/>
+        </p:nvSpPr>
+        <p:spPr>
+          <a:xfrm>
+            <a:off x="4874198" y="2416116"/>
+            <a:ext cx="1313180" cy="707886"/>
+          </a:xfrm>
+          <a:prstGeom prst="rect">
+            <a:avLst/>
+          </a:prstGeom>
+          <a:noFill/>
+        </p:spPr>
+        <p:txBody>
+          <a:bodyPr wrap="none" rtlCol="0">
+            <a:spAutoFit/>
+          </a:bodyPr>
+          <a:lstStyle/>
+          <a:p>
+            <a:pPr algn="ctr"/>
+            <a:r>
+              <a:rPr lang="th-TH" sz="2000" dirty="0">
+                <a:latin typeface="TH Sarabun New" panose="020B0500040200020003" pitchFamily="34" charset="-34"/>
+                <a:cs typeface="TH Sarabun New" panose="020B0500040200020003" pitchFamily="34" charset="-34"/>
+              </a:rPr>
+              <a:t>กรอกข้อมูล</a:t>
+            </a:r>
+          </a:p>
+          <a:p>
+            <a:pPr algn="ctr"/>
+            <a:r>
+              <a:rPr lang="th-TH" sz="2000" dirty="0">
+                <a:latin typeface="TH Sarabun New" panose="020B0500040200020003" pitchFamily="34" charset="-34"/>
+                <a:cs typeface="TH Sarabun New" panose="020B0500040200020003" pitchFamily="34" charset="-34"/>
+              </a:rPr>
+              <a:t>การสมัครสมาชิก</a:t>
+            </a:r>
+          </a:p>
+        </p:txBody>
+      </p:sp>
+      <p:sp>
+        <p:nvSpPr>
+          <p:cNvPr id="19" name="TextBox 18">
+            <a:extLst>
+              <a:ext uri="{FF2B5EF4-FFF2-40B4-BE49-F238E27FC236}">
+                <a16:creationId xmlns:a16="http://schemas.microsoft.com/office/drawing/2014/main" id="{8A316D77-6E57-45DD-80CB-82E2C5AD059F}"/>
+              </a:ext>
+            </a:extLst>
+          </p:cNvPr>
+          <p:cNvSpPr txBox="1"/>
+          <p:nvPr/>
+        </p:nvSpPr>
+        <p:spPr>
+          <a:xfrm>
+            <a:off x="5006445" y="3965352"/>
+            <a:ext cx="1048684" cy="707886"/>
+          </a:xfrm>
+          <a:prstGeom prst="rect">
+            <a:avLst/>
+          </a:prstGeom>
+          <a:noFill/>
+        </p:spPr>
+        <p:txBody>
+          <a:bodyPr wrap="none" rtlCol="0">
+            <a:spAutoFit/>
+          </a:bodyPr>
+          <a:lstStyle/>
+          <a:p>
+            <a:pPr algn="ctr"/>
+            <a:r>
+              <a:rPr lang="th-TH" sz="2000" dirty="0">
+                <a:latin typeface="TH Sarabun New" panose="020B0500040200020003" pitchFamily="34" charset="-34"/>
+                <a:cs typeface="TH Sarabun New" panose="020B0500040200020003" pitchFamily="34" charset="-34"/>
+              </a:rPr>
+              <a:t>สมัครสมาชิก</a:t>
+            </a:r>
+          </a:p>
+          <a:p>
+            <a:pPr algn="ctr"/>
+            <a:r>
+              <a:rPr lang="th-TH" sz="2000" dirty="0">
+                <a:latin typeface="TH Sarabun New" panose="020B0500040200020003" pitchFamily="34" charset="-34"/>
+                <a:cs typeface="TH Sarabun New" panose="020B0500040200020003" pitchFamily="34" charset="-34"/>
+              </a:rPr>
+              <a:t>ผ่านโซเชียล</a:t>
+            </a:r>
+          </a:p>
+        </p:txBody>
+      </p:sp>
+      <p:sp>
+        <p:nvSpPr>
+          <p:cNvPr id="21" name="TextBox 20">
+            <a:extLst>
+              <a:ext uri="{FF2B5EF4-FFF2-40B4-BE49-F238E27FC236}">
+                <a16:creationId xmlns:a16="http://schemas.microsoft.com/office/drawing/2014/main" id="{F3B9A073-6893-4E0B-B9CB-FFF4033E60CD}"/>
+              </a:ext>
+            </a:extLst>
+          </p:cNvPr>
+          <p:cNvSpPr txBox="1"/>
+          <p:nvPr/>
+        </p:nvSpPr>
+        <p:spPr>
+          <a:xfrm>
+            <a:off x="8096530" y="3295221"/>
+            <a:ext cx="388248" cy="400110"/>
+          </a:xfrm>
+          <a:prstGeom prst="rect">
+            <a:avLst/>
+          </a:prstGeom>
+          <a:noFill/>
+        </p:spPr>
+        <p:txBody>
+          <a:bodyPr wrap="none" rtlCol="0">
+            <a:spAutoFit/>
+          </a:bodyPr>
+          <a:lstStyle/>
+          <a:p>
+            <a:r>
+              <a:rPr lang="en-US" sz="2000" dirty="0">
+                <a:latin typeface="TH Sarabun New" panose="020B0500040200020003" pitchFamily="34" charset="-34"/>
+                <a:cs typeface="TH Sarabun New" panose="020B0500040200020003" pitchFamily="34" charset="-34"/>
+              </a:rPr>
+              <a:t>D1</a:t>
+            </a:r>
+            <a:endParaRPr lang="th-TH" sz="2000" dirty="0">
+              <a:latin typeface="TH Sarabun New" panose="020B0500040200020003" pitchFamily="34" charset="-34"/>
+              <a:cs typeface="TH Sarabun New" panose="020B0500040200020003" pitchFamily="34" charset="-34"/>
+            </a:endParaRPr>
+          </a:p>
+        </p:txBody>
+      </p:sp>
+      <p:cxnSp>
+        <p:nvCxnSpPr>
+          <p:cNvPr id="25" name="Connector: Elbow 24">
+            <a:extLst>
+              <a:ext uri="{FF2B5EF4-FFF2-40B4-BE49-F238E27FC236}">
+                <a16:creationId xmlns:a16="http://schemas.microsoft.com/office/drawing/2014/main" id="{F83CE918-718C-480F-ABA8-111396837090}"/>
+              </a:ext>
+            </a:extLst>
+          </p:cNvPr>
+          <p:cNvCxnSpPr>
+            <a:stCxn id="4" idx="0"/>
+            <a:endCxn id="5" idx="1"/>
+          </p:cNvCxnSpPr>
+          <p:nvPr/>
+        </p:nvCxnSpPr>
+        <p:spPr>
+          <a:xfrm rot="5400000" flipH="1" flipV="1">
+            <a:off x="3250339" y="1814376"/>
+            <a:ext cx="543755" cy="2152833"/>
+          </a:xfrm>
+          <a:prstGeom prst="bentConnector2">
+            <a:avLst/>
+          </a:prstGeom>
+          <a:ln>
+            <a:tailEnd type="triangle"/>
+          </a:ln>
+        </p:spPr>
+        <p:style>
+          <a:lnRef idx="1">
+            <a:schemeClr val="dk1"/>
+          </a:lnRef>
+          <a:fillRef idx="0">
+            <a:schemeClr val="dk1"/>
+          </a:fillRef>
+          <a:effectRef idx="0">
+            <a:schemeClr val="dk1"/>
+          </a:effectRef>
+          <a:fontRef idx="minor">
+            <a:schemeClr val="tx1"/>
+          </a:fontRef>
+        </p:style>
+      </p:cxnSp>
+      <p:cxnSp>
+        <p:nvCxnSpPr>
+          <p:cNvPr id="27" name="Connector: Elbow 26">
+            <a:extLst>
+              <a:ext uri="{FF2B5EF4-FFF2-40B4-BE49-F238E27FC236}">
+                <a16:creationId xmlns:a16="http://schemas.microsoft.com/office/drawing/2014/main" id="{1DEF46BB-1C36-46D2-83E4-3977B6CAAEF7}"/>
+              </a:ext>
+            </a:extLst>
+          </p:cNvPr>
+          <p:cNvCxnSpPr>
+            <a:stCxn id="18" idx="2"/>
+            <a:endCxn id="4" idx="3"/>
+          </p:cNvCxnSpPr>
+          <p:nvPr/>
+        </p:nvCxnSpPr>
+        <p:spPr>
+          <a:xfrm rot="5400000">
+            <a:off x="4219754" y="2117966"/>
+            <a:ext cx="304998" cy="2317070"/>
+          </a:xfrm>
+          <a:prstGeom prst="bentConnector2">
+            <a:avLst/>
+          </a:prstGeom>
+          <a:ln>
+            <a:tailEnd type="triangle"/>
+          </a:ln>
+        </p:spPr>
+        <p:style>
+          <a:lnRef idx="1">
+            <a:schemeClr val="dk1"/>
+          </a:lnRef>
+          <a:fillRef idx="0">
+            <a:schemeClr val="dk1"/>
+          </a:fillRef>
+          <a:effectRef idx="0">
+            <a:schemeClr val="dk1"/>
+          </a:effectRef>
+          <a:fontRef idx="minor">
+            <a:schemeClr val="tx1"/>
+          </a:fontRef>
+        </p:style>
+      </p:cxnSp>
+      <p:cxnSp>
+        <p:nvCxnSpPr>
+          <p:cNvPr id="29" name="Connector: Elbow 28">
+            <a:extLst>
+              <a:ext uri="{FF2B5EF4-FFF2-40B4-BE49-F238E27FC236}">
+                <a16:creationId xmlns:a16="http://schemas.microsoft.com/office/drawing/2014/main" id="{E9C12183-EDFE-4459-BEAA-6A02FB4B93AC}"/>
+              </a:ext>
+            </a:extLst>
+          </p:cNvPr>
+          <p:cNvCxnSpPr>
+            <a:cxnSpLocks/>
+            <a:endCxn id="10" idx="1"/>
+          </p:cNvCxnSpPr>
+          <p:nvPr/>
+        </p:nvCxnSpPr>
+        <p:spPr>
+          <a:xfrm>
+            <a:off x="2891294" y="3719747"/>
+            <a:ext cx="1707339" cy="454238"/>
+          </a:xfrm>
+          <a:prstGeom prst="bentConnector3">
+            <a:avLst>
+              <a:gd name="adj1" fmla="val 83"/>
+            </a:avLst>
+          </a:prstGeom>
+          <a:ln>
+            <a:tailEnd type="triangle"/>
+          </a:ln>
+        </p:spPr>
+        <p:style>
+          <a:lnRef idx="1">
+            <a:schemeClr val="dk1"/>
+          </a:lnRef>
+          <a:fillRef idx="0">
+            <a:schemeClr val="dk1"/>
+          </a:fillRef>
+          <a:effectRef idx="0">
+            <a:schemeClr val="dk1"/>
+          </a:effectRef>
+          <a:fontRef idx="minor">
+            <a:schemeClr val="tx1"/>
+          </a:fontRef>
+        </p:style>
+      </p:cxnSp>
+      <p:cxnSp>
+        <p:nvCxnSpPr>
+          <p:cNvPr id="37" name="Connector: Elbow 36">
+            <a:extLst>
+              <a:ext uri="{FF2B5EF4-FFF2-40B4-BE49-F238E27FC236}">
+                <a16:creationId xmlns:a16="http://schemas.microsoft.com/office/drawing/2014/main" id="{467D7868-8A14-475E-9E44-326F63E5A167}"/>
+              </a:ext>
+            </a:extLst>
+          </p:cNvPr>
+          <p:cNvCxnSpPr>
+            <a:stCxn id="10" idx="2"/>
+            <a:endCxn id="4" idx="2"/>
+          </p:cNvCxnSpPr>
+          <p:nvPr/>
+        </p:nvCxnSpPr>
+        <p:spPr>
+          <a:xfrm rot="5400000" flipH="1">
+            <a:off x="3473760" y="2667372"/>
+            <a:ext cx="1029070" cy="3084989"/>
+          </a:xfrm>
+          <a:prstGeom prst="bentConnector3">
+            <a:avLst>
+              <a:gd name="adj1" fmla="val -22214"/>
+            </a:avLst>
+          </a:prstGeom>
+          <a:ln>
+            <a:tailEnd type="triangle"/>
+          </a:ln>
+        </p:spPr>
+        <p:style>
+          <a:lnRef idx="1">
+            <a:schemeClr val="dk1"/>
+          </a:lnRef>
+          <a:fillRef idx="0">
+            <a:schemeClr val="dk1"/>
+          </a:fillRef>
+          <a:effectRef idx="0">
+            <a:schemeClr val="dk1"/>
+          </a:effectRef>
+          <a:fontRef idx="minor">
+            <a:schemeClr val="tx1"/>
+          </a:fontRef>
+        </p:style>
+      </p:cxnSp>
+      <p:cxnSp>
+        <p:nvCxnSpPr>
+          <p:cNvPr id="39" name="Connector: Elbow 38">
+            <a:extLst>
+              <a:ext uri="{FF2B5EF4-FFF2-40B4-BE49-F238E27FC236}">
+                <a16:creationId xmlns:a16="http://schemas.microsoft.com/office/drawing/2014/main" id="{A76F0688-F22C-47E9-816D-415D0A585E3D}"/>
+              </a:ext>
+            </a:extLst>
+          </p:cNvPr>
+          <p:cNvCxnSpPr>
+            <a:stCxn id="5" idx="3"/>
+            <a:endCxn id="12" idx="0"/>
+          </p:cNvCxnSpPr>
+          <p:nvPr/>
+        </p:nvCxnSpPr>
+        <p:spPr>
+          <a:xfrm>
+            <a:off x="6462944" y="2618914"/>
+            <a:ext cx="2513862" cy="550416"/>
+          </a:xfrm>
+          <a:prstGeom prst="bentConnector2">
+            <a:avLst/>
+          </a:prstGeom>
+          <a:ln>
+            <a:tailEnd type="triangle"/>
+          </a:ln>
+        </p:spPr>
+        <p:style>
+          <a:lnRef idx="1">
+            <a:schemeClr val="dk1"/>
+          </a:lnRef>
+          <a:fillRef idx="0">
+            <a:schemeClr val="dk1"/>
+          </a:fillRef>
+          <a:effectRef idx="0">
+            <a:schemeClr val="dk1"/>
+          </a:effectRef>
+          <a:fontRef idx="minor">
+            <a:schemeClr val="tx1"/>
+          </a:fontRef>
+        </p:style>
+      </p:cxnSp>
+      <p:cxnSp>
+        <p:nvCxnSpPr>
+          <p:cNvPr id="41" name="Connector: Elbow 40">
+            <a:extLst>
+              <a:ext uri="{FF2B5EF4-FFF2-40B4-BE49-F238E27FC236}">
+                <a16:creationId xmlns:a16="http://schemas.microsoft.com/office/drawing/2014/main" id="{0AD2BC2A-DF19-49DC-B8B0-0BB75CC763E9}"/>
+              </a:ext>
+            </a:extLst>
+          </p:cNvPr>
+          <p:cNvCxnSpPr>
+            <a:stCxn id="12" idx="1"/>
+          </p:cNvCxnSpPr>
+          <p:nvPr/>
+        </p:nvCxnSpPr>
+        <p:spPr>
+          <a:xfrm rot="10800000">
+            <a:off x="6055130" y="3188563"/>
+            <a:ext cx="1989521" cy="247098"/>
+          </a:xfrm>
+          <a:prstGeom prst="bentConnector3">
+            <a:avLst>
+              <a:gd name="adj1" fmla="val 99977"/>
+            </a:avLst>
+          </a:prstGeom>
+          <a:ln>
+            <a:tailEnd type="triangle"/>
+          </a:ln>
+        </p:spPr>
+        <p:style>
+          <a:lnRef idx="1">
+            <a:schemeClr val="dk1"/>
+          </a:lnRef>
+          <a:fillRef idx="0">
+            <a:schemeClr val="dk1"/>
+          </a:fillRef>
+          <a:effectRef idx="0">
+            <a:schemeClr val="dk1"/>
+          </a:effectRef>
+          <a:fontRef idx="minor">
+            <a:schemeClr val="tx1"/>
+          </a:fontRef>
+        </p:style>
+      </p:cxnSp>
+      <p:cxnSp>
+        <p:nvCxnSpPr>
+          <p:cNvPr id="44" name="Connector: Elbow 43">
+            <a:extLst>
+              <a:ext uri="{FF2B5EF4-FFF2-40B4-BE49-F238E27FC236}">
+                <a16:creationId xmlns:a16="http://schemas.microsoft.com/office/drawing/2014/main" id="{73726B75-F14C-4749-BB72-11C7B170AA95}"/>
+              </a:ext>
+            </a:extLst>
+          </p:cNvPr>
+          <p:cNvCxnSpPr>
+            <a:cxnSpLocks/>
+            <a:endCxn id="12" idx="2"/>
+          </p:cNvCxnSpPr>
+          <p:nvPr/>
+        </p:nvCxnSpPr>
+        <p:spPr>
+          <a:xfrm flipV="1">
+            <a:off x="6470400" y="3701992"/>
+            <a:ext cx="2506406" cy="747132"/>
+          </a:xfrm>
+          <a:prstGeom prst="bentConnector2">
+            <a:avLst/>
+          </a:prstGeom>
+          <a:ln>
+            <a:tailEnd type="triangle"/>
+          </a:ln>
+        </p:spPr>
+        <p:style>
+          <a:lnRef idx="1">
+            <a:schemeClr val="dk1"/>
+          </a:lnRef>
+          <a:fillRef idx="0">
+            <a:schemeClr val="dk1"/>
+          </a:fillRef>
+          <a:effectRef idx="0">
+            <a:schemeClr val="dk1"/>
+          </a:effectRef>
+          <a:fontRef idx="minor">
+            <a:schemeClr val="tx1"/>
+          </a:fontRef>
+        </p:style>
+      </p:cxnSp>
+      <p:cxnSp>
+        <p:nvCxnSpPr>
+          <p:cNvPr id="49" name="Connector: Elbow 48">
+            <a:extLst>
+              <a:ext uri="{FF2B5EF4-FFF2-40B4-BE49-F238E27FC236}">
+                <a16:creationId xmlns:a16="http://schemas.microsoft.com/office/drawing/2014/main" id="{B79CE074-11E6-467F-92A6-EEFB2588F74F}"/>
+              </a:ext>
+            </a:extLst>
+          </p:cNvPr>
+          <p:cNvCxnSpPr>
+            <a:stCxn id="21" idx="2"/>
+          </p:cNvCxnSpPr>
+          <p:nvPr/>
+        </p:nvCxnSpPr>
+        <p:spPr>
+          <a:xfrm rot="5400000">
+            <a:off x="7255471" y="2902804"/>
+            <a:ext cx="242657" cy="1827710"/>
+          </a:xfrm>
+          <a:prstGeom prst="bentConnector2">
+            <a:avLst/>
+          </a:prstGeom>
+          <a:ln>
+            <a:tailEnd type="triangle"/>
+          </a:ln>
+        </p:spPr>
+        <p:style>
+          <a:lnRef idx="1">
+            <a:schemeClr val="dk1"/>
+          </a:lnRef>
+          <a:fillRef idx="0">
+            <a:schemeClr val="dk1"/>
+          </a:fillRef>
+          <a:effectRef idx="0">
+            <a:schemeClr val="dk1"/>
+          </a:effectRef>
+          <a:fontRef idx="minor">
+            <a:schemeClr val="tx1"/>
+          </a:fontRef>
+        </p:style>
+      </p:cxnSp>
+      <p:sp>
+        <p:nvSpPr>
+          <p:cNvPr id="51" name="TextBox 50">
+            <a:extLst>
+              <a:ext uri="{FF2B5EF4-FFF2-40B4-BE49-F238E27FC236}">
+                <a16:creationId xmlns:a16="http://schemas.microsoft.com/office/drawing/2014/main" id="{70BF197F-D21F-48A7-BA19-42562F5A2FE3}"/>
+              </a:ext>
+            </a:extLst>
+          </p:cNvPr>
+          <p:cNvSpPr txBox="1"/>
+          <p:nvPr/>
+        </p:nvSpPr>
+        <p:spPr>
+          <a:xfrm>
+            <a:off x="2592280" y="2316473"/>
+            <a:ext cx="1718739" cy="338554"/>
+          </a:xfrm>
+          <a:prstGeom prst="rect">
+            <a:avLst/>
+          </a:prstGeom>
+          <a:noFill/>
+        </p:spPr>
+        <p:txBody>
+          <a:bodyPr wrap="none" rtlCol="0">
+            <a:spAutoFit/>
+          </a:bodyPr>
+          <a:lstStyle/>
+          <a:p>
+            <a:pPr algn="ctr"/>
+            <a:r>
+              <a:rPr lang="th-TH" sz="1600" dirty="0">
+                <a:latin typeface="TH Sarabun New" panose="020B0500040200020003" pitchFamily="34" charset="-34"/>
+                <a:cs typeface="TH Sarabun New" panose="020B0500040200020003" pitchFamily="34" charset="-34"/>
+              </a:rPr>
+              <a:t>รายละเอียดการสมัครสมาชิก</a:t>
+            </a:r>
+          </a:p>
+        </p:txBody>
+      </p:sp>
+      <p:sp>
+        <p:nvSpPr>
+          <p:cNvPr id="52" name="TextBox 51">
+            <a:extLst>
+              <a:ext uri="{FF2B5EF4-FFF2-40B4-BE49-F238E27FC236}">
+                <a16:creationId xmlns:a16="http://schemas.microsoft.com/office/drawing/2014/main" id="{F207E07C-7A38-4B84-8B3D-DA0F2534FD59}"/>
+              </a:ext>
+            </a:extLst>
+          </p:cNvPr>
+          <p:cNvSpPr txBox="1"/>
+          <p:nvPr/>
+        </p:nvSpPr>
+        <p:spPr>
+          <a:xfrm>
+            <a:off x="2876059" y="3835431"/>
+            <a:ext cx="1718739" cy="338554"/>
+          </a:xfrm>
+          <a:prstGeom prst="rect">
+            <a:avLst/>
+          </a:prstGeom>
+          <a:noFill/>
+        </p:spPr>
+        <p:txBody>
+          <a:bodyPr wrap="none" rtlCol="0">
+            <a:spAutoFit/>
+          </a:bodyPr>
+          <a:lstStyle/>
+          <a:p>
+            <a:pPr algn="ctr"/>
+            <a:r>
+              <a:rPr lang="th-TH" sz="1600" dirty="0">
+                <a:latin typeface="TH Sarabun New" panose="020B0500040200020003" pitchFamily="34" charset="-34"/>
+                <a:cs typeface="TH Sarabun New" panose="020B0500040200020003" pitchFamily="34" charset="-34"/>
+              </a:rPr>
+              <a:t>รายละเอียดการสมัครสมาชิก</a:t>
+            </a:r>
+          </a:p>
+        </p:txBody>
+      </p:sp>
+      <p:sp>
+        <p:nvSpPr>
+          <p:cNvPr id="53" name="TextBox 52">
+            <a:extLst>
+              <a:ext uri="{FF2B5EF4-FFF2-40B4-BE49-F238E27FC236}">
+                <a16:creationId xmlns:a16="http://schemas.microsoft.com/office/drawing/2014/main" id="{8775DD8A-2C46-4F68-B1D5-B526D35ECD01}"/>
+              </a:ext>
+            </a:extLst>
+          </p:cNvPr>
+          <p:cNvSpPr txBox="1"/>
+          <p:nvPr/>
+        </p:nvSpPr>
+        <p:spPr>
+          <a:xfrm>
+            <a:off x="3207062" y="4673238"/>
+            <a:ext cx="1237839" cy="338554"/>
+          </a:xfrm>
+          <a:prstGeom prst="rect">
+            <a:avLst/>
+          </a:prstGeom>
+          <a:noFill/>
+        </p:spPr>
+        <p:txBody>
+          <a:bodyPr wrap="none" rtlCol="0">
+            <a:spAutoFit/>
+          </a:bodyPr>
+          <a:lstStyle/>
+          <a:p>
+            <a:pPr algn="ctr"/>
+            <a:r>
+              <a:rPr lang="th-TH" sz="1600" dirty="0">
+                <a:latin typeface="TH Sarabun New" panose="020B0500040200020003" pitchFamily="34" charset="-34"/>
+                <a:cs typeface="TH Sarabun New" panose="020B0500040200020003" pitchFamily="34" charset="-34"/>
+              </a:rPr>
+              <a:t>ผลการสมัครสมาชิก</a:t>
+            </a:r>
+          </a:p>
+        </p:txBody>
+      </p:sp>
+      <p:sp>
+        <p:nvSpPr>
+          <p:cNvPr id="54" name="TextBox 53">
+            <a:extLst>
+              <a:ext uri="{FF2B5EF4-FFF2-40B4-BE49-F238E27FC236}">
+                <a16:creationId xmlns:a16="http://schemas.microsoft.com/office/drawing/2014/main" id="{21891786-73ED-47E1-94E9-5323EFD24D68}"/>
+              </a:ext>
+            </a:extLst>
+          </p:cNvPr>
+          <p:cNvSpPr txBox="1"/>
+          <p:nvPr/>
+        </p:nvSpPr>
+        <p:spPr>
+          <a:xfrm>
+            <a:off x="3479297" y="3131567"/>
+            <a:ext cx="1237839" cy="338554"/>
+          </a:xfrm>
+          <a:prstGeom prst="rect">
+            <a:avLst/>
+          </a:prstGeom>
+          <a:noFill/>
+        </p:spPr>
+        <p:txBody>
+          <a:bodyPr wrap="none" rtlCol="0">
+            <a:spAutoFit/>
+          </a:bodyPr>
+          <a:lstStyle/>
+          <a:p>
+            <a:pPr algn="ctr"/>
+            <a:r>
+              <a:rPr lang="th-TH" sz="1600" dirty="0">
+                <a:latin typeface="TH Sarabun New" panose="020B0500040200020003" pitchFamily="34" charset="-34"/>
+                <a:cs typeface="TH Sarabun New" panose="020B0500040200020003" pitchFamily="34" charset="-34"/>
+              </a:rPr>
+              <a:t>ผลการสมัครสมาชิก</a:t>
+            </a:r>
+          </a:p>
+        </p:txBody>
+      </p:sp>
+      <p:sp>
+        <p:nvSpPr>
+          <p:cNvPr id="55" name="TextBox 54">
+            <a:extLst>
+              <a:ext uri="{FF2B5EF4-FFF2-40B4-BE49-F238E27FC236}">
+                <a16:creationId xmlns:a16="http://schemas.microsoft.com/office/drawing/2014/main" id="{2ECD4243-658F-466C-BCA5-2EA24DFE38CB}"/>
+              </a:ext>
+            </a:extLst>
+          </p:cNvPr>
+          <p:cNvSpPr txBox="1"/>
+          <p:nvPr/>
+        </p:nvSpPr>
+        <p:spPr>
+          <a:xfrm>
+            <a:off x="6780996" y="2296521"/>
+            <a:ext cx="920445" cy="338554"/>
+          </a:xfrm>
+          <a:prstGeom prst="rect">
+            <a:avLst/>
+          </a:prstGeom>
+          <a:noFill/>
+        </p:spPr>
+        <p:txBody>
+          <a:bodyPr wrap="none" rtlCol="0">
+            <a:spAutoFit/>
+          </a:bodyPr>
+          <a:lstStyle/>
+          <a:p>
+            <a:pPr algn="ctr"/>
+            <a:r>
+              <a:rPr lang="th-TH" sz="1600" dirty="0">
+                <a:latin typeface="TH Sarabun New" panose="020B0500040200020003" pitchFamily="34" charset="-34"/>
+                <a:cs typeface="TH Sarabun New" panose="020B0500040200020003" pitchFamily="34" charset="-34"/>
+              </a:rPr>
+              <a:t>ข้อมูลผู้ใช้งาน</a:t>
+            </a:r>
+          </a:p>
+        </p:txBody>
+      </p:sp>
+      <p:sp>
+        <p:nvSpPr>
+          <p:cNvPr id="56" name="TextBox 55">
+            <a:extLst>
+              <a:ext uri="{FF2B5EF4-FFF2-40B4-BE49-F238E27FC236}">
+                <a16:creationId xmlns:a16="http://schemas.microsoft.com/office/drawing/2014/main" id="{1CEE07CF-BC3A-4826-98D4-0F2E4A28F76B}"/>
+              </a:ext>
+            </a:extLst>
+          </p:cNvPr>
+          <p:cNvSpPr txBox="1"/>
+          <p:nvPr/>
+        </p:nvSpPr>
+        <p:spPr>
+          <a:xfrm>
+            <a:off x="6829082" y="4122037"/>
+            <a:ext cx="920445" cy="338554"/>
+          </a:xfrm>
+          <a:prstGeom prst="rect">
+            <a:avLst/>
+          </a:prstGeom>
+          <a:noFill/>
+        </p:spPr>
+        <p:txBody>
+          <a:bodyPr wrap="none" rtlCol="0">
+            <a:spAutoFit/>
+          </a:bodyPr>
+          <a:lstStyle/>
+          <a:p>
+            <a:pPr algn="ctr"/>
+            <a:r>
+              <a:rPr lang="th-TH" sz="1600" dirty="0">
+                <a:latin typeface="TH Sarabun New" panose="020B0500040200020003" pitchFamily="34" charset="-34"/>
+                <a:cs typeface="TH Sarabun New" panose="020B0500040200020003" pitchFamily="34" charset="-34"/>
+              </a:rPr>
+              <a:t>ข้อมูลผู้ใช้งาน</a:t>
+            </a:r>
+          </a:p>
+        </p:txBody>
+      </p:sp>
+      <p:sp>
+        <p:nvSpPr>
+          <p:cNvPr id="57" name="TextBox 56">
+            <a:extLst>
+              <a:ext uri="{FF2B5EF4-FFF2-40B4-BE49-F238E27FC236}">
+                <a16:creationId xmlns:a16="http://schemas.microsoft.com/office/drawing/2014/main" id="{E68A486F-3790-439A-A1AD-89E974EA5A5A}"/>
+              </a:ext>
+            </a:extLst>
+          </p:cNvPr>
+          <p:cNvSpPr txBox="1"/>
+          <p:nvPr/>
+        </p:nvSpPr>
+        <p:spPr>
+          <a:xfrm>
+            <a:off x="6750536" y="3125944"/>
+            <a:ext cx="1077539" cy="338554"/>
+          </a:xfrm>
+          <a:prstGeom prst="rect">
+            <a:avLst/>
+          </a:prstGeom>
+          <a:noFill/>
+        </p:spPr>
+        <p:txBody>
+          <a:bodyPr wrap="none" rtlCol="0">
+            <a:spAutoFit/>
+          </a:bodyPr>
+          <a:lstStyle/>
+          <a:p>
+            <a:pPr algn="ctr"/>
+            <a:r>
+              <a:rPr lang="th-TH" sz="1600" dirty="0">
+                <a:latin typeface="TH Sarabun New" panose="020B0500040200020003" pitchFamily="34" charset="-34"/>
+                <a:cs typeface="TH Sarabun New" panose="020B0500040200020003" pitchFamily="34" charset="-34"/>
+              </a:rPr>
+              <a:t>ผลข้อมูลผู้ใช้งาน</a:t>
+            </a:r>
+          </a:p>
+        </p:txBody>
+      </p:sp>
+      <p:sp>
+        <p:nvSpPr>
+          <p:cNvPr id="58" name="TextBox 57">
+            <a:extLst>
+              <a:ext uri="{FF2B5EF4-FFF2-40B4-BE49-F238E27FC236}">
+                <a16:creationId xmlns:a16="http://schemas.microsoft.com/office/drawing/2014/main" id="{AD8B28D5-772C-468D-9FC9-CF00C6B2F62B}"/>
+              </a:ext>
+            </a:extLst>
+          </p:cNvPr>
+          <p:cNvSpPr txBox="1"/>
+          <p:nvPr/>
+        </p:nvSpPr>
+        <p:spPr>
+          <a:xfrm>
+            <a:off x="6779870" y="3630367"/>
+            <a:ext cx="1077539" cy="338554"/>
+          </a:xfrm>
+          <a:prstGeom prst="rect">
+            <a:avLst/>
+          </a:prstGeom>
+          <a:noFill/>
+        </p:spPr>
+        <p:txBody>
+          <a:bodyPr wrap="none" rtlCol="0">
+            <a:spAutoFit/>
+          </a:bodyPr>
+          <a:lstStyle/>
+          <a:p>
+            <a:pPr algn="ctr"/>
+            <a:r>
+              <a:rPr lang="th-TH" sz="1600" dirty="0">
+                <a:latin typeface="TH Sarabun New" panose="020B0500040200020003" pitchFamily="34" charset="-34"/>
+                <a:cs typeface="TH Sarabun New" panose="020B0500040200020003" pitchFamily="34" charset="-34"/>
+              </a:rPr>
+              <a:t>ผลข้อมูลผู้ใช้งาน</a:t>
+            </a:r>
+          </a:p>
+        </p:txBody>
+      </p:sp>
+    </p:spTree>
+    <p:extLst>
+      <p:ext uri="{BB962C8B-B14F-4D97-AF65-F5344CB8AC3E}">
+        <p14:creationId xmlns:p14="http://schemas.microsoft.com/office/powerpoint/2010/main" val="770344462"/>
+      </p:ext>
+    </p:extLst>
+  </p:cSld>
+  <p:clrMapOvr>
+    <a:masterClrMapping/>
+  </p:clrMapOvr>
+</p:sld>
+</file>
+
 <file path=ppt/theme/theme1.xml><?xml version="1.0" encoding="utf-8"?>
 <a:theme xmlns:a="http://schemas.openxmlformats.org/drawingml/2006/main" name="ธีมของ Office">
   <a:themeElements>
@@ -7821,4 +9570,299 @@
     </a:ext>
   </a:extLst>
 </a:theme>
+</file>
+
+<file path=ppt/theme/theme2.xml><?xml version="1.0" encoding="utf-8"?>
+<a:theme xmlns:a="http://schemas.openxmlformats.org/drawingml/2006/main" name="Office Theme">
+  <a:themeElements>
+    <a:clrScheme name="Office">
+      <a:dk1>
+        <a:sysClr val="windowText" lastClr="000000"/>
+      </a:dk1>
+      <a:lt1>
+        <a:sysClr val="window" lastClr="FFFFFF"/>
+      </a:lt1>
+      <a:dk2>
+        <a:srgbClr val="44546A"/>
+      </a:dk2>
+      <a:lt2>
+        <a:srgbClr val="E7E6E6"/>
+      </a:lt2>
+      <a:accent1>
+        <a:srgbClr val="4472C4"/>
+      </a:accent1>
+      <a:accent2>
+        <a:srgbClr val="ED7D31"/>
+      </a:accent2>
+      <a:accent3>
+        <a:srgbClr val="A5A5A5"/>
+      </a:accent3>
+      <a:accent4>
+        <a:srgbClr val="FFC000"/>
+      </a:accent4>
+      <a:accent5>
+        <a:srgbClr val="5B9BD5"/>
+      </a:accent5>
+      <a:accent6>
+        <a:srgbClr val="70AD47"/>
+      </a:accent6>
+      <a:hlink>
+        <a:srgbClr val="0563C1"/>
+      </a:hlink>
+      <a:folHlink>
+        <a:srgbClr val="954F72"/>
+      </a:folHlink>
+    </a:clrScheme>
+    <a:fontScheme name="Office">
+      <a:majorFont>
+        <a:latin typeface="Calibri Light" panose="020F0302020204030204"/>
+        <a:ea typeface=""/>
+        <a:cs typeface=""/>
+        <a:font script="Jpan" typeface="游ゴシック Light"/>
+        <a:font script="Hang" typeface="맑은 고딕"/>
+        <a:font script="Hans" typeface="等线 Light"/>
+        <a:font script="Hant" typeface="新細明體"/>
+        <a:font script="Arab" typeface="Times New Roman"/>
+        <a:font script="Hebr" typeface="Times New Roman"/>
+        <a:font script="Thai" typeface="Angsana New"/>
+        <a:font script="Ethi" typeface="Nyala"/>
+        <a:font script="Beng" typeface="Vrinda"/>
+        <a:font script="Gujr" typeface="Shruti"/>
+        <a:font script="Khmr" typeface="MoolBoran"/>
+        <a:font script="Knda" typeface="Tunga"/>
+        <a:font script="Guru" typeface="Raavi"/>
+        <a:font script="Cans" typeface="Euphemia"/>
+        <a:font script="Cher" typeface="Plantagenet Cherokee"/>
+        <a:font script="Yiii" typeface="Microsoft Yi Baiti"/>
+        <a:font script="Tibt" typeface="Microsoft Himalaya"/>
+        <a:font script="Thaa" typeface="MV Boli"/>
+        <a:font script="Deva" typeface="Mangal"/>
+        <a:font script="Telu" typeface="Gautami"/>
+        <a:font script="Taml" typeface="Latha"/>
+        <a:font script="Syrc" typeface="Estrangelo Edessa"/>
+        <a:font script="Orya" typeface="Kalinga"/>
+        <a:font script="Mlym" typeface="Kartika"/>
+        <a:font script="Laoo" typeface="DokChampa"/>
+        <a:font script="Sinh" typeface="Iskoola Pota"/>
+        <a:font script="Mong" typeface="Mongolian Baiti"/>
+        <a:font script="Viet" typeface="Times New Roman"/>
+        <a:font script="Uigh" typeface="Microsoft Uighur"/>
+        <a:font script="Geor" typeface="Sylfaen"/>
+        <a:font script="Armn" typeface="Arial"/>
+        <a:font script="Bugi" typeface="Leelawadee UI"/>
+        <a:font script="Bopo" typeface="Microsoft JhengHei"/>
+        <a:font script="Java" typeface="Javanese Text"/>
+        <a:font script="Lisu" typeface="Segoe UI"/>
+        <a:font script="Mymr" typeface="Myanmar Text"/>
+        <a:font script="Nkoo" typeface="Ebrima"/>
+        <a:font script="Olck" typeface="Nirmala UI"/>
+        <a:font script="Osma" typeface="Ebrima"/>
+        <a:font script="Phag" typeface="Phagspa"/>
+        <a:font script="Syrn" typeface="Estrangelo Edessa"/>
+        <a:font script="Syrj" typeface="Estrangelo Edessa"/>
+        <a:font script="Syre" typeface="Estrangelo Edessa"/>
+        <a:font script="Sora" typeface="Nirmala UI"/>
+        <a:font script="Tale" typeface="Microsoft Tai Le"/>
+        <a:font script="Talu" typeface="Microsoft New Tai Lue"/>
+        <a:font script="Tfng" typeface="Ebrima"/>
+      </a:majorFont>
+      <a:minorFont>
+        <a:latin typeface="Calibri" panose="020F0502020204030204"/>
+        <a:ea typeface=""/>
+        <a:cs typeface=""/>
+        <a:font script="Jpan" typeface="游ゴシック"/>
+        <a:font script="Hang" typeface="맑은 고딕"/>
+        <a:font script="Hans" typeface="等线"/>
+        <a:font script="Hant" typeface="新細明體"/>
+        <a:font script="Arab" typeface="Arial"/>
+        <a:font script="Hebr" typeface="Arial"/>
+        <a:font script="Thai" typeface="Cordia New"/>
+        <a:font script="Ethi" typeface="Nyala"/>
+        <a:font script="Beng" typeface="Vrinda"/>
+        <a:font script="Gujr" typeface="Shruti"/>
+        <a:font script="Khmr" typeface="DaunPenh"/>
+        <a:font script="Knda" typeface="Tunga"/>
+        <a:font script="Guru" typeface="Raavi"/>
+        <a:font script="Cans" typeface="Euphemia"/>
+        <a:font script="Cher" typeface="Plantagenet Cherokee"/>
+        <a:font script="Yiii" typeface="Microsoft Yi Baiti"/>
+        <a:font script="Tibt" typeface="Microsoft Himalaya"/>
+        <a:font script="Thaa" typeface="MV Boli"/>
+        <a:font script="Deva" typeface="Mangal"/>
+        <a:font script="Telu" typeface="Gautami"/>
+        <a:font script="Taml" typeface="Latha"/>
+        <a:font script="Syrc" typeface="Estrangelo Edessa"/>
+        <a:font script="Orya" typeface="Kalinga"/>
+        <a:font script="Mlym" typeface="Kartika"/>
+        <a:font script="Laoo" typeface="DokChampa"/>
+        <a:font script="Sinh" typeface="Iskoola Pota"/>
+        <a:font script="Mong" typeface="Mongolian Baiti"/>
+        <a:font script="Viet" typeface="Arial"/>
+        <a:font script="Uigh" typeface="Microsoft Uighur"/>
+        <a:font script="Geor" typeface="Sylfaen"/>
+        <a:font script="Armn" typeface="Arial"/>
+        <a:font script="Bugi" typeface="Leelawadee UI"/>
+        <a:font script="Bopo" typeface="Microsoft JhengHei"/>
+        <a:font script="Java" typeface="Javanese Text"/>
+        <a:font script="Lisu" typeface="Segoe UI"/>
+        <a:font script="Mymr" typeface="Myanmar Text"/>
+        <a:font script="Nkoo" typeface="Ebrima"/>
+        <a:font script="Olck" typeface="Nirmala UI"/>
+        <a:font script="Osma" typeface="Ebrima"/>
+        <a:font script="Phag" typeface="Phagspa"/>
+        <a:font script="Syrn" typeface="Estrangelo Edessa"/>
+        <a:font script="Syrj" typeface="Estrangelo Edessa"/>
+        <a:font script="Syre" typeface="Estrangelo Edessa"/>
+        <a:font script="Sora" typeface="Nirmala UI"/>
+        <a:font script="Tale" typeface="Microsoft Tai Le"/>
+        <a:font script="Talu" typeface="Microsoft New Tai Lue"/>
+        <a:font script="Tfng" typeface="Ebrima"/>
+      </a:minorFont>
+    </a:fontScheme>
+    <a:fmtScheme name="Office">
+      <a:fillStyleLst>
+        <a:solidFill>
+          <a:schemeClr val="phClr"/>
+        </a:solidFill>
+        <a:gradFill rotWithShape="1">
+          <a:gsLst>
+            <a:gs pos="0">
+              <a:schemeClr val="phClr">
+                <a:lumMod val="110000"/>
+                <a:satMod val="105000"/>
+                <a:tint val="67000"/>
+              </a:schemeClr>
+            </a:gs>
+            <a:gs pos="50000">
+              <a:schemeClr val="phClr">
+                <a:lumMod val="105000"/>
+                <a:satMod val="103000"/>
+                <a:tint val="73000"/>
+              </a:schemeClr>
+            </a:gs>
+            <a:gs pos="100000">
+              <a:schemeClr val="phClr">
+                <a:lumMod val="105000"/>
+                <a:satMod val="109000"/>
+                <a:tint val="81000"/>
+              </a:schemeClr>
+            </a:gs>
+          </a:gsLst>
+          <a:lin ang="5400000" scaled="0"/>
+        </a:gradFill>
+        <a:gradFill rotWithShape="1">
+          <a:gsLst>
+            <a:gs pos="0">
+              <a:schemeClr val="phClr">
+                <a:satMod val="103000"/>
+                <a:lumMod val="102000"/>
+                <a:tint val="94000"/>
+              </a:schemeClr>
+            </a:gs>
+            <a:gs pos="50000">
+              <a:schemeClr val="phClr">
+                <a:satMod val="110000"/>
+                <a:lumMod val="100000"/>
+                <a:shade val="100000"/>
+              </a:schemeClr>
+            </a:gs>
+            <a:gs pos="100000">
+              <a:schemeClr val="phClr">
+                <a:lumMod val="99000"/>
+                <a:satMod val="120000"/>
+                <a:shade val="78000"/>
+              </a:schemeClr>
+            </a:gs>
+          </a:gsLst>
+          <a:lin ang="5400000" scaled="0"/>
+        </a:gradFill>
+      </a:fillStyleLst>
+      <a:lnStyleLst>
+        <a:ln w="6350" cap="flat" cmpd="sng" algn="ctr">
+          <a:solidFill>
+            <a:schemeClr val="phClr"/>
+          </a:solidFill>
+          <a:prstDash val="solid"/>
+          <a:miter lim="800000"/>
+        </a:ln>
+        <a:ln w="12700" cap="flat" cmpd="sng" algn="ctr">
+          <a:solidFill>
+            <a:schemeClr val="phClr"/>
+          </a:solidFill>
+          <a:prstDash val="solid"/>
+          <a:miter lim="800000"/>
+        </a:ln>
+        <a:ln w="19050" cap="flat" cmpd="sng" algn="ctr">
+          <a:solidFill>
+            <a:schemeClr val="phClr"/>
+          </a:solidFill>
+          <a:prstDash val="solid"/>
+          <a:miter lim="800000"/>
+        </a:ln>
+      </a:lnStyleLst>
+      <a:effectStyleLst>
+        <a:effectStyle>
+          <a:effectLst/>
+        </a:effectStyle>
+        <a:effectStyle>
+          <a:effectLst/>
+        </a:effectStyle>
+        <a:effectStyle>
+          <a:effectLst>
+            <a:outerShdw blurRad="57150" dist="19050" dir="5400000" algn="ctr" rotWithShape="0">
+              <a:srgbClr val="000000">
+                <a:alpha val="63000"/>
+              </a:srgbClr>
+            </a:outerShdw>
+          </a:effectLst>
+        </a:effectStyle>
+      </a:effectStyleLst>
+      <a:bgFillStyleLst>
+        <a:solidFill>
+          <a:schemeClr val="phClr"/>
+        </a:solidFill>
+        <a:solidFill>
+          <a:schemeClr val="phClr">
+            <a:tint val="95000"/>
+            <a:satMod val="170000"/>
+          </a:schemeClr>
+        </a:solidFill>
+        <a:gradFill rotWithShape="1">
+          <a:gsLst>
+            <a:gs pos="0">
+              <a:schemeClr val="phClr">
+                <a:tint val="93000"/>
+                <a:satMod val="150000"/>
+                <a:shade val="98000"/>
+                <a:lumMod val="102000"/>
+              </a:schemeClr>
+            </a:gs>
+            <a:gs pos="50000">
+              <a:schemeClr val="phClr">
+                <a:tint val="98000"/>
+                <a:satMod val="130000"/>
+                <a:shade val="90000"/>
+                <a:lumMod val="103000"/>
+              </a:schemeClr>
+            </a:gs>
+            <a:gs pos="100000">
+              <a:schemeClr val="phClr">
+                <a:shade val="63000"/>
+                <a:satMod val="120000"/>
+              </a:schemeClr>
+            </a:gs>
+          </a:gsLst>
+          <a:lin ang="5400000" scaled="0"/>
+        </a:gradFill>
+      </a:bgFillStyleLst>
+    </a:fmtScheme>
+  </a:themeElements>
+  <a:objectDefaults/>
+  <a:extraClrSchemeLst/>
+  <a:extLst>
+    <a:ext uri="{05A4C25C-085E-4340-85A3-A5531E510DB2}">
+      <thm15:themeFamily xmlns:thm15="http://schemas.microsoft.com/office/thememl/2012/main" name="Office Theme" id="{62F939B6-93AF-4DB8-9C6B-D6C7DFDC589F}" vid="{4A3C46E8-61CC-4603-A589-7422A47A8E4A}"/>
+    </a:ext>
+  </a:extLst>
+</a:theme>
 </file>